--- a/Week9/W3.02. Transactions and JDBC.pptx
+++ b/Week9/W3.02. Transactions and JDBC.pptx
@@ -5,7 +5,7 @@
     <p:sldMasterId id="2147483768" r:id="rId1"/>
   </p:sldMasterIdLst>
   <p:notesMasterIdLst>
-    <p:notesMasterId r:id="rId28"/>
+    <p:notesMasterId r:id="rId29"/>
   </p:notesMasterIdLst>
   <p:sldIdLst>
     <p:sldId id="256" r:id="rId2"/>
@@ -23,17 +23,18 @@
     <p:sldId id="261" r:id="rId14"/>
     <p:sldId id="273" r:id="rId15"/>
     <p:sldId id="263" r:id="rId16"/>
-    <p:sldId id="264" r:id="rId17"/>
-    <p:sldId id="265" r:id="rId18"/>
-    <p:sldId id="266" r:id="rId19"/>
-    <p:sldId id="279" r:id="rId20"/>
-    <p:sldId id="267" r:id="rId21"/>
-    <p:sldId id="268" r:id="rId22"/>
-    <p:sldId id="269" r:id="rId23"/>
-    <p:sldId id="278" r:id="rId24"/>
-    <p:sldId id="277" r:id="rId25"/>
-    <p:sldId id="275" r:id="rId26"/>
-    <p:sldId id="276" r:id="rId27"/>
+    <p:sldId id="286" r:id="rId17"/>
+    <p:sldId id="264" r:id="rId18"/>
+    <p:sldId id="265" r:id="rId19"/>
+    <p:sldId id="266" r:id="rId20"/>
+    <p:sldId id="279" r:id="rId21"/>
+    <p:sldId id="267" r:id="rId22"/>
+    <p:sldId id="268" r:id="rId23"/>
+    <p:sldId id="269" r:id="rId24"/>
+    <p:sldId id="278" r:id="rId25"/>
+    <p:sldId id="277" r:id="rId26"/>
+    <p:sldId id="275" r:id="rId27"/>
+    <p:sldId id="276" r:id="rId28"/>
   </p:sldIdLst>
   <p:sldSz cx="12192000" cy="6858000"/>
   <p:notesSz cx="6858000" cy="9144000"/>
@@ -164,6 +165,7 @@
           <p14:sldIdLst>
             <p14:sldId id="273"/>
             <p14:sldId id="263"/>
+            <p14:sldId id="286"/>
             <p14:sldId id="264"/>
             <p14:sldId id="265"/>
             <p14:sldId id="266"/>
@@ -184,6 +186,315 @@
     </p:ext>
   </p:extLst>
 </p:presentation>
+</file>
+
+<file path=ppt/revisionInfo.xml><?xml version="1.0" encoding="utf-8"?>
+<p1510:revInfo xmlns:a="http://schemas.openxmlformats.org/drawingml/2006/main" xmlns:r="http://schemas.openxmlformats.org/officeDocument/2006/relationships" xmlns:p1510="http://schemas.microsoft.com/office/powerpoint/2015/10/main">
+  <p1510:revLst>
+    <p1510:client id="{926D8E15-7DDF-4BD0-A845-EB965FD3F8D5}" v="1" dt="2024-02-13T23:56:44.500"/>
+  </p1510:revLst>
+</p1510:revInfo>
+</file>
+
+<file path=ppt/changesInfos/changesInfo1.xml><?xml version="1.0" encoding="utf-8"?>
+<pc:chgInfo xmlns:a="http://schemas.openxmlformats.org/drawingml/2006/main" xmlns:r="http://schemas.openxmlformats.org/officeDocument/2006/relationships" xmlns:ac="http://schemas.microsoft.com/office/drawing/2013/main/command" xmlns:pc="http://schemas.microsoft.com/office/powerpoint/2013/main/command">
+  <pc:docChgLst>
+    <pc:chgData name="Charles Kiefriter" userId="a996b49251c4dfd2" providerId="LiveId" clId="{926D8E15-7DDF-4BD0-A845-EB965FD3F8D5}"/>
+    <pc:docChg chg="custSel addSld modSld modSection">
+      <pc:chgData name="Charles Kiefriter" userId="a996b49251c4dfd2" providerId="LiveId" clId="{926D8E15-7DDF-4BD0-A845-EB965FD3F8D5}" dt="2024-02-14T00:16:56.797" v="167" actId="1036"/>
+      <pc:docMkLst>
+        <pc:docMk/>
+      </pc:docMkLst>
+      <pc:sldChg chg="modSp mod">
+        <pc:chgData name="Charles Kiefriter" userId="a996b49251c4dfd2" providerId="LiveId" clId="{926D8E15-7DDF-4BD0-A845-EB965FD3F8D5}" dt="2024-02-13T23:44:29.191" v="36" actId="14100"/>
+        <pc:sldMkLst>
+          <pc:docMk/>
+          <pc:sldMk cId="2469289092" sldId="258"/>
+        </pc:sldMkLst>
+        <pc:spChg chg="mod">
+          <ac:chgData name="Charles Kiefriter" userId="a996b49251c4dfd2" providerId="LiveId" clId="{926D8E15-7DDF-4BD0-A845-EB965FD3F8D5}" dt="2024-02-13T23:44:29.191" v="36" actId="14100"/>
+          <ac:spMkLst>
+            <pc:docMk/>
+            <pc:sldMk cId="2469289092" sldId="258"/>
+            <ac:spMk id="3" creationId="{0B591750-D39C-4692-B659-6321F5C5DE87}"/>
+          </ac:spMkLst>
+        </pc:spChg>
+      </pc:sldChg>
+      <pc:sldChg chg="modSp mod">
+        <pc:chgData name="Charles Kiefriter" userId="a996b49251c4dfd2" providerId="LiveId" clId="{926D8E15-7DDF-4BD0-A845-EB965FD3F8D5}" dt="2024-02-13T23:49:39.900" v="47" actId="14100"/>
+        <pc:sldMkLst>
+          <pc:docMk/>
+          <pc:sldMk cId="3355582213" sldId="259"/>
+        </pc:sldMkLst>
+        <pc:spChg chg="mod">
+          <ac:chgData name="Charles Kiefriter" userId="a996b49251c4dfd2" providerId="LiveId" clId="{926D8E15-7DDF-4BD0-A845-EB965FD3F8D5}" dt="2024-02-13T23:49:39.900" v="47" actId="14100"/>
+          <ac:spMkLst>
+            <pc:docMk/>
+            <pc:sldMk cId="3355582213" sldId="259"/>
+            <ac:spMk id="3" creationId="{47A9C327-0B6E-4D5F-8607-F767C24F55A1}"/>
+          </ac:spMkLst>
+        </pc:spChg>
+      </pc:sldChg>
+      <pc:sldChg chg="modSp mod">
+        <pc:chgData name="Charles Kiefriter" userId="a996b49251c4dfd2" providerId="LiveId" clId="{926D8E15-7DDF-4BD0-A845-EB965FD3F8D5}" dt="2024-02-13T23:50:42.980" v="48" actId="14100"/>
+        <pc:sldMkLst>
+          <pc:docMk/>
+          <pc:sldMk cId="1145501386" sldId="260"/>
+        </pc:sldMkLst>
+        <pc:spChg chg="mod">
+          <ac:chgData name="Charles Kiefriter" userId="a996b49251c4dfd2" providerId="LiveId" clId="{926D8E15-7DDF-4BD0-A845-EB965FD3F8D5}" dt="2024-02-13T23:50:42.980" v="48" actId="14100"/>
+          <ac:spMkLst>
+            <pc:docMk/>
+            <pc:sldMk cId="1145501386" sldId="260"/>
+            <ac:spMk id="3" creationId="{8B73A551-BBF4-4091-913F-30ABC47F01CF}"/>
+          </ac:spMkLst>
+        </pc:spChg>
+      </pc:sldChg>
+      <pc:sldChg chg="modSp mod">
+        <pc:chgData name="Charles Kiefriter" userId="a996b49251c4dfd2" providerId="LiveId" clId="{926D8E15-7DDF-4BD0-A845-EB965FD3F8D5}" dt="2024-02-13T23:51:07.532" v="49" actId="14100"/>
+        <pc:sldMkLst>
+          <pc:docMk/>
+          <pc:sldMk cId="3500848352" sldId="261"/>
+        </pc:sldMkLst>
+        <pc:spChg chg="mod">
+          <ac:chgData name="Charles Kiefriter" userId="a996b49251c4dfd2" providerId="LiveId" clId="{926D8E15-7DDF-4BD0-A845-EB965FD3F8D5}" dt="2024-02-13T23:51:07.532" v="49" actId="14100"/>
+          <ac:spMkLst>
+            <pc:docMk/>
+            <pc:sldMk cId="3500848352" sldId="261"/>
+            <ac:spMk id="3" creationId="{8B73A551-BBF4-4091-913F-30ABC47F01CF}"/>
+          </ac:spMkLst>
+        </pc:spChg>
+      </pc:sldChg>
+      <pc:sldChg chg="modSp mod">
+        <pc:chgData name="Charles Kiefriter" userId="a996b49251c4dfd2" providerId="LiveId" clId="{926D8E15-7DDF-4BD0-A845-EB965FD3F8D5}" dt="2024-02-13T23:59:26.106" v="106" actId="20577"/>
+        <pc:sldMkLst>
+          <pc:docMk/>
+          <pc:sldMk cId="3035178949" sldId="263"/>
+        </pc:sldMkLst>
+        <pc:spChg chg="mod">
+          <ac:chgData name="Charles Kiefriter" userId="a996b49251c4dfd2" providerId="LiveId" clId="{926D8E15-7DDF-4BD0-A845-EB965FD3F8D5}" dt="2024-02-13T23:59:26.106" v="106" actId="20577"/>
+          <ac:spMkLst>
+            <pc:docMk/>
+            <pc:sldMk cId="3035178949" sldId="263"/>
+            <ac:spMk id="2" creationId="{2F546163-E69E-46E9-84CA-93CAB3E27D9B}"/>
+          </ac:spMkLst>
+        </pc:spChg>
+        <pc:spChg chg="mod">
+          <ac:chgData name="Charles Kiefriter" userId="a996b49251c4dfd2" providerId="LiveId" clId="{926D8E15-7DDF-4BD0-A845-EB965FD3F8D5}" dt="2024-02-13T23:59:16.698" v="105" actId="20577"/>
+          <ac:spMkLst>
+            <pc:docMk/>
+            <pc:sldMk cId="3035178949" sldId="263"/>
+            <ac:spMk id="3" creationId="{3763E535-0FCB-4FA9-8B0E-EBDF731C6DED}"/>
+          </ac:spMkLst>
+        </pc:spChg>
+      </pc:sldChg>
+      <pc:sldChg chg="modSp mod">
+        <pc:chgData name="Charles Kiefriter" userId="a996b49251c4dfd2" providerId="LiveId" clId="{926D8E15-7DDF-4BD0-A845-EB965FD3F8D5}" dt="2024-02-14T00:01:48.314" v="156" actId="108"/>
+        <pc:sldMkLst>
+          <pc:docMk/>
+          <pc:sldMk cId="3471185320" sldId="264"/>
+        </pc:sldMkLst>
+        <pc:spChg chg="mod">
+          <ac:chgData name="Charles Kiefriter" userId="a996b49251c4dfd2" providerId="LiveId" clId="{926D8E15-7DDF-4BD0-A845-EB965FD3F8D5}" dt="2024-02-14T00:01:48.314" v="156" actId="108"/>
+          <ac:spMkLst>
+            <pc:docMk/>
+            <pc:sldMk cId="3471185320" sldId="264"/>
+            <ac:spMk id="3" creationId="{6FC43F2B-EB8E-49B7-9384-FE81ADD8671A}"/>
+          </ac:spMkLst>
+        </pc:spChg>
+      </pc:sldChg>
+      <pc:sldChg chg="modSp mod">
+        <pc:chgData name="Charles Kiefriter" userId="a996b49251c4dfd2" providerId="LiveId" clId="{926D8E15-7DDF-4BD0-A845-EB965FD3F8D5}" dt="2024-02-14T00:04:13.225" v="157" actId="14100"/>
+        <pc:sldMkLst>
+          <pc:docMk/>
+          <pc:sldMk cId="36490458" sldId="266"/>
+        </pc:sldMkLst>
+        <pc:spChg chg="mod">
+          <ac:chgData name="Charles Kiefriter" userId="a996b49251c4dfd2" providerId="LiveId" clId="{926D8E15-7DDF-4BD0-A845-EB965FD3F8D5}" dt="2024-02-14T00:04:13.225" v="157" actId="14100"/>
+          <ac:spMkLst>
+            <pc:docMk/>
+            <pc:sldMk cId="36490458" sldId="266"/>
+            <ac:spMk id="3" creationId="{E67B58F4-6F4F-4DC9-B128-562B4AB2E595}"/>
+          </ac:spMkLst>
+        </pc:spChg>
+      </pc:sldChg>
+      <pc:sldChg chg="modSp mod">
+        <pc:chgData name="Charles Kiefriter" userId="a996b49251c4dfd2" providerId="LiveId" clId="{926D8E15-7DDF-4BD0-A845-EB965FD3F8D5}" dt="2024-02-14T00:16:42.963" v="165" actId="14100"/>
+        <pc:sldMkLst>
+          <pc:docMk/>
+          <pc:sldMk cId="1516446169" sldId="267"/>
+        </pc:sldMkLst>
+        <pc:spChg chg="mod">
+          <ac:chgData name="Charles Kiefriter" userId="a996b49251c4dfd2" providerId="LiveId" clId="{926D8E15-7DDF-4BD0-A845-EB965FD3F8D5}" dt="2024-02-14T00:16:42.963" v="165" actId="14100"/>
+          <ac:spMkLst>
+            <pc:docMk/>
+            <pc:sldMk cId="1516446169" sldId="267"/>
+            <ac:spMk id="3" creationId="{7642810F-1239-4C92-8AD3-23104A38A0CC}"/>
+          </ac:spMkLst>
+        </pc:spChg>
+      </pc:sldChg>
+      <pc:sldChg chg="modSp mod">
+        <pc:chgData name="Charles Kiefriter" userId="a996b49251c4dfd2" providerId="LiveId" clId="{926D8E15-7DDF-4BD0-A845-EB965FD3F8D5}" dt="2024-02-14T00:16:56.797" v="167" actId="1036"/>
+        <pc:sldMkLst>
+          <pc:docMk/>
+          <pc:sldMk cId="456916554" sldId="268"/>
+        </pc:sldMkLst>
+        <pc:spChg chg="mod">
+          <ac:chgData name="Charles Kiefriter" userId="a996b49251c4dfd2" providerId="LiveId" clId="{926D8E15-7DDF-4BD0-A845-EB965FD3F8D5}" dt="2024-02-14T00:16:56.797" v="167" actId="1036"/>
+          <ac:spMkLst>
+            <pc:docMk/>
+            <pc:sldMk cId="456916554" sldId="268"/>
+            <ac:spMk id="4" creationId="{08F3BE65-7F12-464B-8C97-F43A15556DE2}"/>
+          </ac:spMkLst>
+        </pc:spChg>
+      </pc:sldChg>
+      <pc:sldChg chg="addSp delSp modSp mod">
+        <pc:chgData name="Charles Kiefriter" userId="a996b49251c4dfd2" providerId="LiveId" clId="{926D8E15-7DDF-4BD0-A845-EB965FD3F8D5}" dt="2024-02-14T00:11:02.873" v="164" actId="478"/>
+        <pc:sldMkLst>
+          <pc:docMk/>
+          <pc:sldMk cId="401835362" sldId="279"/>
+        </pc:sldMkLst>
+        <pc:picChg chg="add del mod">
+          <ac:chgData name="Charles Kiefriter" userId="a996b49251c4dfd2" providerId="LiveId" clId="{926D8E15-7DDF-4BD0-A845-EB965FD3F8D5}" dt="2024-02-14T00:10:16.314" v="160" actId="478"/>
+          <ac:picMkLst>
+            <pc:docMk/>
+            <pc:sldMk cId="401835362" sldId="279"/>
+            <ac:picMk id="4" creationId="{1271BAC5-E785-EEDB-70C6-97BB308D9404}"/>
+          </ac:picMkLst>
+        </pc:picChg>
+        <pc:picChg chg="add del mod">
+          <ac:chgData name="Charles Kiefriter" userId="a996b49251c4dfd2" providerId="LiveId" clId="{926D8E15-7DDF-4BD0-A845-EB965FD3F8D5}" dt="2024-02-14T00:11:02.873" v="164" actId="478"/>
+          <ac:picMkLst>
+            <pc:docMk/>
+            <pc:sldMk cId="401835362" sldId="279"/>
+            <ac:picMk id="6" creationId="{B97C87B6-450C-301C-1605-E23877426AC8}"/>
+          </ac:picMkLst>
+        </pc:picChg>
+      </pc:sldChg>
+      <pc:sldChg chg="modSp mod">
+        <pc:chgData name="Charles Kiefriter" userId="a996b49251c4dfd2" providerId="LiveId" clId="{926D8E15-7DDF-4BD0-A845-EB965FD3F8D5}" dt="2024-02-13T23:49:01.106" v="46" actId="14100"/>
+        <pc:sldMkLst>
+          <pc:docMk/>
+          <pc:sldMk cId="2440706876" sldId="280"/>
+        </pc:sldMkLst>
+        <pc:spChg chg="mod">
+          <ac:chgData name="Charles Kiefriter" userId="a996b49251c4dfd2" providerId="LiveId" clId="{926D8E15-7DDF-4BD0-A845-EB965FD3F8D5}" dt="2024-02-13T23:49:01.106" v="46" actId="14100"/>
+          <ac:spMkLst>
+            <pc:docMk/>
+            <pc:sldMk cId="2440706876" sldId="280"/>
+            <ac:spMk id="3" creationId="{1DB3EA6F-5432-4063-87E5-52FF41DD4B2E}"/>
+          </ac:spMkLst>
+        </pc:spChg>
+      </pc:sldChg>
+      <pc:sldChg chg="modSp mod">
+        <pc:chgData name="Charles Kiefriter" userId="a996b49251c4dfd2" providerId="LiveId" clId="{926D8E15-7DDF-4BD0-A845-EB965FD3F8D5}" dt="2024-02-13T23:47:22.219" v="41" actId="207"/>
+        <pc:sldMkLst>
+          <pc:docMk/>
+          <pc:sldMk cId="1320320168" sldId="281"/>
+        </pc:sldMkLst>
+        <pc:spChg chg="mod">
+          <ac:chgData name="Charles Kiefriter" userId="a996b49251c4dfd2" providerId="LiveId" clId="{926D8E15-7DDF-4BD0-A845-EB965FD3F8D5}" dt="2024-02-13T22:02:35.649" v="27" actId="1076"/>
+          <ac:spMkLst>
+            <pc:docMk/>
+            <pc:sldMk cId="1320320168" sldId="281"/>
+            <ac:spMk id="2" creationId="{DA8F2CB1-3A3F-4C8D-B24F-DB5DB2014602}"/>
+          </ac:spMkLst>
+        </pc:spChg>
+        <pc:spChg chg="mod">
+          <ac:chgData name="Charles Kiefriter" userId="a996b49251c4dfd2" providerId="LiveId" clId="{926D8E15-7DDF-4BD0-A845-EB965FD3F8D5}" dt="2024-02-13T23:47:22.219" v="41" actId="207"/>
+          <ac:spMkLst>
+            <pc:docMk/>
+            <pc:sldMk cId="1320320168" sldId="281"/>
+            <ac:spMk id="3" creationId="{0EC9BF7B-ED1B-47F2-9850-554970D55185}"/>
+          </ac:spMkLst>
+        </pc:spChg>
+      </pc:sldChg>
+      <pc:sldChg chg="modSp mod">
+        <pc:chgData name="Charles Kiefriter" userId="a996b49251c4dfd2" providerId="LiveId" clId="{926D8E15-7DDF-4BD0-A845-EB965FD3F8D5}" dt="2024-02-13T23:47:41.185" v="42" actId="14100"/>
+        <pc:sldMkLst>
+          <pc:docMk/>
+          <pc:sldMk cId="4004652944" sldId="282"/>
+        </pc:sldMkLst>
+        <pc:spChg chg="mod">
+          <ac:chgData name="Charles Kiefriter" userId="a996b49251c4dfd2" providerId="LiveId" clId="{926D8E15-7DDF-4BD0-A845-EB965FD3F8D5}" dt="2024-02-13T23:47:41.185" v="42" actId="14100"/>
+          <ac:spMkLst>
+            <pc:docMk/>
+            <pc:sldMk cId="4004652944" sldId="282"/>
+            <ac:spMk id="3" creationId="{ECF40A75-0333-47E7-933E-58E835BA8A7E}"/>
+          </ac:spMkLst>
+        </pc:spChg>
+      </pc:sldChg>
+      <pc:sldChg chg="modSp mod">
+        <pc:chgData name="Charles Kiefriter" userId="a996b49251c4dfd2" providerId="LiveId" clId="{926D8E15-7DDF-4BD0-A845-EB965FD3F8D5}" dt="2024-02-13T23:47:55.665" v="43" actId="14100"/>
+        <pc:sldMkLst>
+          <pc:docMk/>
+          <pc:sldMk cId="249348555" sldId="283"/>
+        </pc:sldMkLst>
+        <pc:spChg chg="mod">
+          <ac:chgData name="Charles Kiefriter" userId="a996b49251c4dfd2" providerId="LiveId" clId="{926D8E15-7DDF-4BD0-A845-EB965FD3F8D5}" dt="2024-02-13T23:47:55.665" v="43" actId="14100"/>
+          <ac:spMkLst>
+            <pc:docMk/>
+            <pc:sldMk cId="249348555" sldId="283"/>
+            <ac:spMk id="3" creationId="{DAD9F9FD-AEBC-4BC4-810D-D4DF75FDBD41}"/>
+          </ac:spMkLst>
+        </pc:spChg>
+      </pc:sldChg>
+      <pc:sldChg chg="modSp mod">
+        <pc:chgData name="Charles Kiefriter" userId="a996b49251c4dfd2" providerId="LiveId" clId="{926D8E15-7DDF-4BD0-A845-EB965FD3F8D5}" dt="2024-02-13T23:48:13.798" v="44" actId="14100"/>
+        <pc:sldMkLst>
+          <pc:docMk/>
+          <pc:sldMk cId="3734750655" sldId="284"/>
+        </pc:sldMkLst>
+        <pc:spChg chg="mod">
+          <ac:chgData name="Charles Kiefriter" userId="a996b49251c4dfd2" providerId="LiveId" clId="{926D8E15-7DDF-4BD0-A845-EB965FD3F8D5}" dt="2024-02-13T23:48:13.798" v="44" actId="14100"/>
+          <ac:spMkLst>
+            <pc:docMk/>
+            <pc:sldMk cId="3734750655" sldId="284"/>
+            <ac:spMk id="3" creationId="{9980BEDE-2360-4DE8-B7F7-E032E483D48E}"/>
+          </ac:spMkLst>
+        </pc:spChg>
+      </pc:sldChg>
+      <pc:sldChg chg="modSp mod">
+        <pc:chgData name="Charles Kiefriter" userId="a996b49251c4dfd2" providerId="LiveId" clId="{926D8E15-7DDF-4BD0-A845-EB965FD3F8D5}" dt="2024-02-13T23:48:25.694" v="45" actId="14100"/>
+        <pc:sldMkLst>
+          <pc:docMk/>
+          <pc:sldMk cId="3918213395" sldId="285"/>
+        </pc:sldMkLst>
+        <pc:spChg chg="mod">
+          <ac:chgData name="Charles Kiefriter" userId="a996b49251c4dfd2" providerId="LiveId" clId="{926D8E15-7DDF-4BD0-A845-EB965FD3F8D5}" dt="2024-02-13T23:48:25.694" v="45" actId="14100"/>
+          <ac:spMkLst>
+            <pc:docMk/>
+            <pc:sldMk cId="3918213395" sldId="285"/>
+            <ac:spMk id="3" creationId="{A60D7091-3D30-4FC2-A655-4B0C0C397D1D}"/>
+          </ac:spMkLst>
+        </pc:spChg>
+      </pc:sldChg>
+      <pc:sldChg chg="modSp add mod">
+        <pc:chgData name="Charles Kiefriter" userId="a996b49251c4dfd2" providerId="LiveId" clId="{926D8E15-7DDF-4BD0-A845-EB965FD3F8D5}" dt="2024-02-14T00:00:26.469" v="132" actId="20577"/>
+        <pc:sldMkLst>
+          <pc:docMk/>
+          <pc:sldMk cId="463020371" sldId="286"/>
+        </pc:sldMkLst>
+        <pc:spChg chg="mod">
+          <ac:chgData name="Charles Kiefriter" userId="a996b49251c4dfd2" providerId="LiveId" clId="{926D8E15-7DDF-4BD0-A845-EB965FD3F8D5}" dt="2024-02-13T23:59:37.247" v="111" actId="20577"/>
+          <ac:spMkLst>
+            <pc:docMk/>
+            <pc:sldMk cId="463020371" sldId="286"/>
+            <ac:spMk id="2" creationId="{77A48894-B9DB-2C9C-1C3E-5721421C21BE}"/>
+          </ac:spMkLst>
+        </pc:spChg>
+        <pc:spChg chg="mod">
+          <ac:chgData name="Charles Kiefriter" userId="a996b49251c4dfd2" providerId="LiveId" clId="{926D8E15-7DDF-4BD0-A845-EB965FD3F8D5}" dt="2024-02-14T00:00:26.469" v="132" actId="20577"/>
+          <ac:spMkLst>
+            <pc:docMk/>
+            <pc:sldMk cId="463020371" sldId="286"/>
+            <ac:spMk id="3" creationId="{4D4C703F-0C2D-F5CB-CDC3-04B9735146FC}"/>
+          </ac:spMkLst>
+        </pc:spChg>
+      </pc:sldChg>
+    </pc:docChg>
+  </pc:docChgLst>
+</pc:chgInfo>
 </file>
 
 <file path=ppt/notesMasters/notesMaster1.xml><?xml version="1.0" encoding="utf-8"?>
@@ -268,7 +579,7 @@
           <a:p>
             <a:fld id="{BF1BC3E4-C956-40CB-AFCD-8F927AFF366E}" type="datetimeFigureOut">
               <a:rPr lang="en-US" smtClean="0"/>
-              <a:t>1/6/2022</a:t>
+              <a:t>2/12/2024</a:t>
             </a:fld>
             <a:endParaRPr lang="en-US"/>
           </a:p>
@@ -663,10 +974,7 @@
           <a:bodyPr/>
           <a:lstStyle/>
           <a:p>
-            <a:r>
-              <a:rPr lang="en-US" dirty="0"/>
-              <a:t>The outer catch block traps errors creating the connection or the transaction. In this block the transaction does not have to be rolled back because it wasn't created successfully. </a:t>
-            </a:r>
+            <a:endParaRPr lang="en-US" dirty="0"/>
           </a:p>
         </p:txBody>
       </p:sp>
@@ -687,7 +995,7 @@
           <a:p>
             <a:fld id="{2524059C-20AD-48E2-B243-62F40DF01D90}" type="slidenum">
               <a:rPr lang="en-US" smtClean="0"/>
-              <a:t>23</a:t>
+              <a:t>19</a:t>
             </a:fld>
             <a:endParaRPr lang="en-US"/>
           </a:p>
@@ -696,7 +1004,7 @@
     </p:spTree>
     <p:extLst>
       <p:ext uri="{BB962C8B-B14F-4D97-AF65-F5344CB8AC3E}">
-        <p14:creationId xmlns:p14="http://schemas.microsoft.com/office/powerpoint/2010/main" val="4110759490"/>
+        <p14:creationId xmlns:p14="http://schemas.microsoft.com/office/powerpoint/2010/main" val="2467249713"/>
       </p:ext>
     </p:extLst>
   </p:cSld>
@@ -752,7 +1060,7 @@
           <a:p>
             <a:r>
               <a:rPr lang="en-US" dirty="0"/>
-              <a:t>The inner catch block catches all exceptions thrown after the transaction has been created. It must roll back the transaction. </a:t>
+              <a:t>The outer catch block traps errors creating the connection or the transaction. In this block the transaction does not have to be rolled back because it wasn't created successfully. </a:t>
             </a:r>
           </a:p>
         </p:txBody>
@@ -783,7 +1091,7 @@
     </p:spTree>
     <p:extLst>
       <p:ext uri="{BB962C8B-B14F-4D97-AF65-F5344CB8AC3E}">
-        <p14:creationId xmlns:p14="http://schemas.microsoft.com/office/powerpoint/2010/main" val="196661246"/>
+        <p14:creationId xmlns:p14="http://schemas.microsoft.com/office/powerpoint/2010/main" val="4110759490"/>
       </p:ext>
     </p:extLst>
   </p:cSld>
@@ -839,7 +1147,7 @@
           <a:p>
             <a:r>
               <a:rPr lang="en-US" dirty="0"/>
-              <a:t>The transaction is only committed when all SQL statements have been executed.</a:t>
+              <a:t>The inner catch block catches all exceptions thrown after the transaction has been created. It must roll back the transaction. </a:t>
             </a:r>
           </a:p>
         </p:txBody>
@@ -870,7 +1178,7 @@
     </p:spTree>
     <p:extLst>
       <p:ext uri="{BB962C8B-B14F-4D97-AF65-F5344CB8AC3E}">
-        <p14:creationId xmlns:p14="http://schemas.microsoft.com/office/powerpoint/2010/main" val="3073453366"/>
+        <p14:creationId xmlns:p14="http://schemas.microsoft.com/office/powerpoint/2010/main" val="196661246"/>
       </p:ext>
     </p:extLst>
   </p:cSld>
@@ -924,7 +1232,10 @@
           <a:bodyPr/>
           <a:lstStyle/>
           <a:p>
-            <a:endParaRPr lang="en-US" dirty="0"/>
+            <a:r>
+              <a:rPr lang="en-US" dirty="0"/>
+              <a:t>The transaction is only committed when all SQL statements have been executed.</a:t>
+            </a:r>
           </a:p>
         </p:txBody>
       </p:sp>
@@ -946,6 +1257,90 @@
             <a:fld id="{2524059C-20AD-48E2-B243-62F40DF01D90}" type="slidenum">
               <a:rPr lang="en-US" smtClean="0"/>
               <a:t>26</a:t>
+            </a:fld>
+            <a:endParaRPr lang="en-US"/>
+          </a:p>
+        </p:txBody>
+      </p:sp>
+    </p:spTree>
+    <p:extLst>
+      <p:ext uri="{BB962C8B-B14F-4D97-AF65-F5344CB8AC3E}">
+        <p14:creationId xmlns:p14="http://schemas.microsoft.com/office/powerpoint/2010/main" val="3073453366"/>
+      </p:ext>
+    </p:extLst>
+  </p:cSld>
+  <p:clrMapOvr>
+    <a:masterClrMapping/>
+  </p:clrMapOvr>
+</p:notes>
+</file>
+
+<file path=ppt/notesSlides/notesSlide6.xml><?xml version="1.0" encoding="utf-8"?>
+<p:notes xmlns:a="http://schemas.openxmlformats.org/drawingml/2006/main" xmlns:r="http://schemas.openxmlformats.org/officeDocument/2006/relationships" xmlns:p="http://schemas.openxmlformats.org/presentationml/2006/main">
+  <p:cSld>
+    <p:spTree>
+      <p:nvGrpSpPr>
+        <p:cNvPr id="1" name=""/>
+        <p:cNvGrpSpPr/>
+        <p:nvPr/>
+      </p:nvGrpSpPr>
+      <p:grpSpPr>
+        <a:xfrm>
+          <a:off x="0" y="0"/>
+          <a:ext cx="0" cy="0"/>
+          <a:chOff x="0" y="0"/>
+          <a:chExt cx="0" cy="0"/>
+        </a:xfrm>
+      </p:grpSpPr>
+      <p:sp>
+        <p:nvSpPr>
+          <p:cNvPr id="2" name="Slide Image Placeholder 1"/>
+          <p:cNvSpPr>
+            <a:spLocks noGrp="1" noRot="1" noChangeAspect="1"/>
+          </p:cNvSpPr>
+          <p:nvPr>
+            <p:ph type="sldImg"/>
+          </p:nvPr>
+        </p:nvSpPr>
+        <p:spPr/>
+      </p:sp>
+      <p:sp>
+        <p:nvSpPr>
+          <p:cNvPr id="3" name="Notes Placeholder 2"/>
+          <p:cNvSpPr>
+            <a:spLocks noGrp="1"/>
+          </p:cNvSpPr>
+          <p:nvPr>
+            <p:ph type="body" idx="1"/>
+          </p:nvPr>
+        </p:nvSpPr>
+        <p:spPr/>
+        <p:txBody>
+          <a:bodyPr/>
+          <a:lstStyle/>
+          <a:p>
+            <a:endParaRPr lang="en-US" dirty="0"/>
+          </a:p>
+        </p:txBody>
+      </p:sp>
+      <p:sp>
+        <p:nvSpPr>
+          <p:cNvPr id="4" name="Slide Number Placeholder 3"/>
+          <p:cNvSpPr>
+            <a:spLocks noGrp="1"/>
+          </p:cNvSpPr>
+          <p:nvPr>
+            <p:ph type="sldNum" sz="quarter" idx="5"/>
+          </p:nvPr>
+        </p:nvSpPr>
+        <p:spPr/>
+        <p:txBody>
+          <a:bodyPr/>
+          <a:lstStyle/>
+          <a:p>
+            <a:fld id="{2524059C-20AD-48E2-B243-62F40DF01D90}" type="slidenum">
+              <a:rPr lang="en-US" smtClean="0"/>
+              <a:t>27</a:t>
             </a:fld>
             <a:endParaRPr lang="en-US"/>
           </a:p>
@@ -1208,7 +1603,7 @@
           <a:p>
             <a:fld id="{548C5E67-172B-4F6A-B3B9-DEF72F952E5B}" type="datetimeFigureOut">
               <a:rPr lang="en-US" smtClean="0"/>
-              <a:t>1/6/2022</a:t>
+              <a:t>2/12/2024</a:t>
             </a:fld>
             <a:endParaRPr lang="en-US"/>
           </a:p>
@@ -1412,7 +1807,7 @@
           <a:p>
             <a:fld id="{548C5E67-172B-4F6A-B3B9-DEF72F952E5B}" type="datetimeFigureOut">
               <a:rPr lang="en-US" smtClean="0"/>
-              <a:t>1/6/2022</a:t>
+              <a:t>2/12/2024</a:t>
             </a:fld>
             <a:endParaRPr lang="en-US"/>
           </a:p>
@@ -1606,7 +2001,7 @@
           <a:p>
             <a:fld id="{548C5E67-172B-4F6A-B3B9-DEF72F952E5B}" type="datetimeFigureOut">
               <a:rPr lang="en-US" smtClean="0"/>
-              <a:t>1/6/2022</a:t>
+              <a:t>2/12/2024</a:t>
             </a:fld>
             <a:endParaRPr lang="en-US"/>
           </a:p>
@@ -2651,7 +3046,7 @@
           <a:p>
             <a:fld id="{548C5E67-172B-4F6A-B3B9-DEF72F952E5B}" type="datetimeFigureOut">
               <a:rPr lang="en-US" smtClean="0"/>
-              <a:t>1/6/2022</a:t>
+              <a:t>2/12/2024</a:t>
             </a:fld>
             <a:endParaRPr lang="en-US"/>
           </a:p>
@@ -2932,7 +3327,7 @@
           <a:p>
             <a:fld id="{548C5E67-172B-4F6A-B3B9-DEF72F952E5B}" type="datetimeFigureOut">
               <a:rPr lang="en-US" smtClean="0"/>
-              <a:t>1/6/2022</a:t>
+              <a:t>2/12/2024</a:t>
             </a:fld>
             <a:endParaRPr lang="en-US"/>
           </a:p>
@@ -3588,8 +3983,8 @@
         </p:nvSpPr>
         <p:spPr>
           <a:xfrm>
-            <a:off x="838200" y="1485900"/>
-            <a:ext cx="5918200" cy="5006975"/>
+            <a:off x="838199" y="1485900"/>
+            <a:ext cx="10982325" cy="5006975"/>
           </a:xfrm>
         </p:spPr>
         <p:txBody>
@@ -3760,7 +4155,7 @@
         <p:spPr>
           <a:xfrm>
             <a:off x="838200" y="1825625"/>
-            <a:ext cx="6172200" cy="2809875"/>
+            <a:ext cx="11353800" cy="2809875"/>
           </a:xfrm>
         </p:spPr>
         <p:txBody>
@@ -4153,8 +4548,8 @@
         </p:nvSpPr>
         <p:spPr>
           <a:xfrm>
-            <a:off x="838200" y="1825625"/>
-            <a:ext cx="7100944" cy="1463675"/>
+            <a:off x="838199" y="1825625"/>
+            <a:ext cx="10658475" cy="1463675"/>
           </a:xfrm>
         </p:spPr>
         <p:txBody>
@@ -4616,7 +5011,7 @@
         <p:spPr>
           <a:xfrm>
             <a:off x="838200" y="1825625"/>
-            <a:ext cx="7100944" cy="1755775"/>
+            <a:ext cx="10153650" cy="1755775"/>
           </a:xfrm>
         </p:spPr>
         <p:txBody>
@@ -5185,14 +5580,19 @@
             <p:ph type="title"/>
           </p:nvPr>
         </p:nvSpPr>
-        <p:spPr/>
+        <p:spPr>
+          <a:xfrm>
+            <a:off x="523875" y="336550"/>
+            <a:ext cx="10515600" cy="815975"/>
+          </a:xfrm>
+        </p:spPr>
         <p:txBody>
           <a:bodyPr/>
           <a:lstStyle/>
           <a:p>
             <a:r>
               <a:rPr lang="en-US" dirty="0"/>
-              <a:t>The parts of JDBC</a:t>
+              <a:t>Java Database Connectivity (JDBC)</a:t>
             </a:r>
           </a:p>
         </p:txBody>
@@ -5215,96 +5615,117 @@
         </p:nvSpPr>
         <p:spPr>
           <a:xfrm>
-            <a:off x="838200" y="1825625"/>
-            <a:ext cx="6057900" cy="4667250"/>
+            <a:off x="314325" y="1395413"/>
+            <a:ext cx="11239500" cy="4667250"/>
           </a:xfrm>
         </p:spPr>
         <p:txBody>
-          <a:bodyPr/>
+          <a:bodyPr>
+            <a:normAutofit/>
+          </a:bodyPr>
           <a:lstStyle/>
           <a:p>
             <a:r>
               <a:rPr lang="en-US" dirty="0">
                 <a:solidFill>
-                  <a:srgbClr val="FF9900"/>
-                </a:solidFill>
-              </a:rPr>
-              <a:t>Connection</a:t>
-            </a:r>
-            <a:r>
-              <a:rPr lang="en-US" dirty="0"/>
-              <a:t>: </a:t>
+                  <a:schemeClr val="tx1">
+                    <a:lumMod val="85000"/>
+                  </a:schemeClr>
+                </a:solidFill>
+              </a:rPr>
+              <a:t>The </a:t>
+            </a:r>
+            <a:r>
+              <a:rPr lang="en-US" dirty="0">
+                <a:solidFill>
+                  <a:srgbClr val="00B0F0"/>
+                </a:solidFill>
+              </a:rPr>
+              <a:t>Java Database Connectivity (JDBC) </a:t>
+            </a:r>
+            <a:r>
+              <a:rPr lang="en-US" dirty="0">
+                <a:solidFill>
+                  <a:schemeClr val="tx1">
+                    <a:lumMod val="85000"/>
+                  </a:schemeClr>
+                </a:solidFill>
+              </a:rPr>
+              <a:t>API provides universal data access from the Java programming language</a:t>
+            </a:r>
+          </a:p>
+          <a:p>
+            <a:r>
+              <a:rPr lang="en-US" dirty="0">
+                <a:solidFill>
+                  <a:schemeClr val="tx1">
+                    <a:lumMod val="85000"/>
+                  </a:schemeClr>
+                </a:solidFill>
+              </a:rPr>
+              <a:t>Using the JDBC API, you can access virtually any data source, from relational databases to spreadsheets and flat files</a:t>
+            </a:r>
+          </a:p>
+          <a:p>
+            <a:endParaRPr lang="en-US" dirty="0">
+              <a:solidFill>
+                <a:schemeClr val="tx1">
+                  <a:lumMod val="85000"/>
+                </a:schemeClr>
+              </a:solidFill>
+            </a:endParaRPr>
+          </a:p>
+          <a:p>
+            <a:r>
+              <a:rPr lang="en-US" dirty="0">
+                <a:solidFill>
+                  <a:schemeClr val="tx1">
+                    <a:lumMod val="85000"/>
+                  </a:schemeClr>
+                </a:solidFill>
+              </a:rPr>
+              <a:t>The JDBC API is comprised of two packages:</a:t>
             </a:r>
           </a:p>
           <a:p>
             <a:pPr lvl="1"/>
             <a:r>
-              <a:rPr lang="en-US" dirty="0"/>
-              <a:t>Loads the driver</a:t>
-            </a:r>
+              <a:rPr lang="en-US" dirty="0" err="1">
+                <a:solidFill>
+                  <a:schemeClr val="tx1">
+                    <a:lumMod val="85000"/>
+                  </a:schemeClr>
+                </a:solidFill>
+              </a:rPr>
+              <a:t>java.sql</a:t>
+            </a:r>
+            <a:endParaRPr lang="en-US" dirty="0">
+              <a:solidFill>
+                <a:schemeClr val="tx1">
+                  <a:lumMod val="85000"/>
+                </a:schemeClr>
+              </a:solidFill>
+            </a:endParaRPr>
           </a:p>
           <a:p>
             <a:pPr lvl="1"/>
             <a:r>
-              <a:rPr lang="en-US" dirty="0"/>
-              <a:t>Establishes a TCP connection with MySQL server</a:t>
-            </a:r>
-          </a:p>
-          <a:p>
-            <a:r>
-              <a:rPr lang="en-US" dirty="0">
-                <a:solidFill>
-                  <a:srgbClr val="FF9900"/>
-                </a:solidFill>
-              </a:rPr>
-              <a:t>Statement</a:t>
-            </a:r>
-            <a:r>
-              <a:rPr lang="en-US" dirty="0"/>
-              <a:t>:</a:t>
-            </a:r>
-          </a:p>
-          <a:p>
-            <a:pPr lvl="1"/>
-            <a:r>
-              <a:rPr lang="en-US" dirty="0"/>
-              <a:t>Queries or updates MySQL with SQL instructions</a:t>
-            </a:r>
-          </a:p>
-          <a:p>
-            <a:pPr lvl="1"/>
-            <a:r>
-              <a:rPr lang="en-US" dirty="0"/>
-              <a:t>Translates from SQL to MySQL dialect</a:t>
-            </a:r>
-          </a:p>
-          <a:p>
-            <a:r>
               <a:rPr lang="en-US" dirty="0" err="1">
                 <a:solidFill>
-                  <a:srgbClr val="FF9900"/>
-                </a:solidFill>
-              </a:rPr>
-              <a:t>ResultSet</a:t>
-            </a:r>
-            <a:r>
-              <a:rPr lang="en-US" dirty="0"/>
-              <a:t>:</a:t>
-            </a:r>
-          </a:p>
-          <a:p>
-            <a:pPr lvl="1"/>
-            <a:r>
-              <a:rPr lang="en-US" dirty="0"/>
-              <a:t>Contains results of a query</a:t>
-            </a:r>
-          </a:p>
-          <a:p>
-            <a:pPr lvl="1"/>
-            <a:r>
-              <a:rPr lang="en-US" dirty="0"/>
-              <a:t>Only used in queries</a:t>
-            </a:r>
+                  <a:schemeClr val="tx1">
+                    <a:lumMod val="85000"/>
+                  </a:schemeClr>
+                </a:solidFill>
+              </a:rPr>
+              <a:t>javax.sql</a:t>
+            </a:r>
+            <a:endParaRPr lang="en-US" dirty="0">
+              <a:solidFill>
+                <a:schemeClr val="tx1">
+                  <a:lumMod val="85000"/>
+                </a:schemeClr>
+              </a:solidFill>
+            </a:endParaRPr>
           </a:p>
         </p:txBody>
       </p:sp>
@@ -5334,6 +5755,201 @@
 </file>
 
 <file path=ppt/slides/slide16.xml><?xml version="1.0" encoding="utf-8"?>
+<p:sld xmlns:a="http://schemas.openxmlformats.org/drawingml/2006/main" xmlns:r="http://schemas.openxmlformats.org/officeDocument/2006/relationships" xmlns:p="http://schemas.openxmlformats.org/presentationml/2006/main">
+  <p:cSld>
+    <p:spTree>
+      <p:nvGrpSpPr>
+        <p:cNvPr id="1" name="">
+          <a:extLst>
+            <a:ext uri="{FF2B5EF4-FFF2-40B4-BE49-F238E27FC236}">
+              <a16:creationId xmlns:a16="http://schemas.microsoft.com/office/drawing/2014/main" id="{A1F98278-DA4B-CD2E-EBA8-08A961579E7E}"/>
+            </a:ext>
+          </a:extLst>
+        </p:cNvPr>
+        <p:cNvGrpSpPr/>
+        <p:nvPr/>
+      </p:nvGrpSpPr>
+      <p:grpSpPr>
+        <a:xfrm>
+          <a:off x="0" y="0"/>
+          <a:ext cx="0" cy="0"/>
+          <a:chOff x="0" y="0"/>
+          <a:chExt cx="0" cy="0"/>
+        </a:xfrm>
+      </p:grpSpPr>
+      <p:sp>
+        <p:nvSpPr>
+          <p:cNvPr id="2" name="Title 1">
+            <a:extLst>
+              <a:ext uri="{FF2B5EF4-FFF2-40B4-BE49-F238E27FC236}">
+                <a16:creationId xmlns:a16="http://schemas.microsoft.com/office/drawing/2014/main" id="{77A48894-B9DB-2C9C-1C3E-5721421C21BE}"/>
+              </a:ext>
+            </a:extLst>
+          </p:cNvPr>
+          <p:cNvSpPr>
+            <a:spLocks noGrp="1"/>
+          </p:cNvSpPr>
+          <p:nvPr>
+            <p:ph type="title"/>
+          </p:nvPr>
+        </p:nvSpPr>
+        <p:spPr/>
+        <p:txBody>
+          <a:bodyPr/>
+          <a:lstStyle/>
+          <a:p>
+            <a:r>
+              <a:rPr lang="en-US" dirty="0"/>
+              <a:t>The core parts of JDBC</a:t>
+            </a:r>
+          </a:p>
+        </p:txBody>
+      </p:sp>
+      <p:sp>
+        <p:nvSpPr>
+          <p:cNvPr id="3" name="Content Placeholder 2">
+            <a:extLst>
+              <a:ext uri="{FF2B5EF4-FFF2-40B4-BE49-F238E27FC236}">
+                <a16:creationId xmlns:a16="http://schemas.microsoft.com/office/drawing/2014/main" id="{4D4C703F-0C2D-F5CB-CDC3-04B9735146FC}"/>
+              </a:ext>
+            </a:extLst>
+          </p:cNvPr>
+          <p:cNvSpPr>
+            <a:spLocks noGrp="1"/>
+          </p:cNvSpPr>
+          <p:nvPr>
+            <p:ph idx="1"/>
+          </p:nvPr>
+        </p:nvSpPr>
+        <p:spPr>
+          <a:xfrm>
+            <a:off x="838199" y="1825625"/>
+            <a:ext cx="8067675" cy="4667250"/>
+          </a:xfrm>
+        </p:spPr>
+        <p:txBody>
+          <a:bodyPr/>
+          <a:lstStyle/>
+          <a:p>
+            <a:r>
+              <a:rPr lang="en-US" dirty="0">
+                <a:solidFill>
+                  <a:srgbClr val="FF9900"/>
+                </a:solidFill>
+              </a:rPr>
+              <a:t>Connection</a:t>
+            </a:r>
+            <a:r>
+              <a:rPr lang="en-US" dirty="0"/>
+              <a:t>: </a:t>
+            </a:r>
+          </a:p>
+          <a:p>
+            <a:pPr lvl="1"/>
+            <a:r>
+              <a:rPr lang="en-US" dirty="0"/>
+              <a:t>Loads the driver</a:t>
+            </a:r>
+          </a:p>
+          <a:p>
+            <a:pPr lvl="1"/>
+            <a:r>
+              <a:rPr lang="en-US" dirty="0"/>
+              <a:t>Establishes a TCP connection with MySQL server</a:t>
+            </a:r>
+          </a:p>
+          <a:p>
+            <a:r>
+              <a:rPr lang="en-US" dirty="0">
+                <a:solidFill>
+                  <a:srgbClr val="FF9900"/>
+                </a:solidFill>
+              </a:rPr>
+              <a:t>Statement / </a:t>
+            </a:r>
+            <a:r>
+              <a:rPr lang="en-US" dirty="0" err="1">
+                <a:solidFill>
+                  <a:srgbClr val="FF9900"/>
+                </a:solidFill>
+              </a:rPr>
+              <a:t>PreparedStatement</a:t>
+            </a:r>
+            <a:r>
+              <a:rPr lang="en-US" dirty="0"/>
+              <a:t>:</a:t>
+            </a:r>
+          </a:p>
+          <a:p>
+            <a:pPr lvl="1"/>
+            <a:r>
+              <a:rPr lang="en-US" dirty="0"/>
+              <a:t>Queries or updates MySQL with SQL instructions</a:t>
+            </a:r>
+          </a:p>
+          <a:p>
+            <a:pPr lvl="1"/>
+            <a:r>
+              <a:rPr lang="en-US" dirty="0"/>
+              <a:t>Translates from SQL to MySQL dialect</a:t>
+            </a:r>
+          </a:p>
+          <a:p>
+            <a:r>
+              <a:rPr lang="en-US" dirty="0" err="1">
+                <a:solidFill>
+                  <a:srgbClr val="FF9900"/>
+                </a:solidFill>
+              </a:rPr>
+              <a:t>ResultSet</a:t>
+            </a:r>
+            <a:r>
+              <a:rPr lang="en-US" dirty="0"/>
+              <a:t>:</a:t>
+            </a:r>
+          </a:p>
+          <a:p>
+            <a:pPr lvl="1"/>
+            <a:r>
+              <a:rPr lang="en-US" dirty="0"/>
+              <a:t>Contains results of a query</a:t>
+            </a:r>
+          </a:p>
+          <a:p>
+            <a:pPr lvl="1"/>
+            <a:r>
+              <a:rPr lang="en-US" dirty="0"/>
+              <a:t>Only used in queries</a:t>
+            </a:r>
+          </a:p>
+        </p:txBody>
+      </p:sp>
+    </p:spTree>
+    <p:extLst>
+      <p:ext uri="{BB962C8B-B14F-4D97-AF65-F5344CB8AC3E}">
+        <p14:creationId xmlns:p14="http://schemas.microsoft.com/office/powerpoint/2010/main" val="463020371"/>
+      </p:ext>
+    </p:extLst>
+  </p:cSld>
+  <p:clrMapOvr>
+    <a:masterClrMapping/>
+  </p:clrMapOvr>
+  <mc:AlternateContent xmlns:mc="http://schemas.openxmlformats.org/markup-compatibility/2006">
+    <mc:Choice xmlns:p14="http://schemas.microsoft.com/office/powerpoint/2010/main" Requires="p14">
+      <p:transition spd="med" p14:dur="700">
+        <p:fade/>
+      </p:transition>
+    </mc:Choice>
+    <mc:Fallback>
+      <p:transition spd="med">
+        <p:fade/>
+      </p:transition>
+    </mc:Fallback>
+  </mc:AlternateContent>
+</p:sld>
+</file>
+
+<file path=ppt/slides/slide17.xml><?xml version="1.0" encoding="utf-8"?>
 <p:sld xmlns:a="http://schemas.openxmlformats.org/drawingml/2006/main" xmlns:r="http://schemas.openxmlformats.org/officeDocument/2006/relationships" xmlns:p="http://schemas.openxmlformats.org/presentationml/2006/main">
   <p:cSld>
     <p:spTree>
@@ -5396,13 +6012,13 @@
         </p:nvSpPr>
         <p:spPr>
           <a:xfrm>
-            <a:off x="838200" y="1825625"/>
-            <a:ext cx="6096000" cy="4351338"/>
+            <a:off x="633412" y="1690688"/>
+            <a:ext cx="10925175" cy="4351338"/>
           </a:xfrm>
         </p:spPr>
         <p:txBody>
           <a:bodyPr>
-            <a:normAutofit lnSpcReduction="10000"/>
+            <a:normAutofit/>
           </a:bodyPr>
           <a:lstStyle/>
           <a:p>
@@ -5470,6 +6086,18 @@
             </a:r>
             <a:r>
               <a:rPr lang="en-US" dirty="0"/>
+              <a:t>s / </a:t>
+            </a:r>
+            <a:r>
+              <a:rPr lang="en-US" dirty="0" err="1">
+                <a:solidFill>
+                  <a:srgbClr val="FF9900"/>
+                </a:solidFill>
+              </a:rPr>
+              <a:t>PrearedStatement</a:t>
+            </a:r>
+            <a:r>
+              <a:rPr lang="en-US" dirty="0" err="1"/>
               <a:t>s</a:t>
             </a:r>
             <a:endParaRPr lang="en-US" dirty="0">
@@ -5522,528 +6150,6 @@
     <p:extLst>
       <p:ext uri="{BB962C8B-B14F-4D97-AF65-F5344CB8AC3E}">
         <p14:creationId xmlns:p14="http://schemas.microsoft.com/office/powerpoint/2010/main" val="3471185320"/>
-      </p:ext>
-    </p:extLst>
-  </p:cSld>
-  <p:clrMapOvr>
-    <a:masterClrMapping/>
-  </p:clrMapOvr>
-  <mc:AlternateContent xmlns:mc="http://schemas.openxmlformats.org/markup-compatibility/2006" xmlns:p14="http://schemas.microsoft.com/office/powerpoint/2010/main">
-    <mc:Choice Requires="p14">
-      <p:transition spd="med" p14:dur="700">
-        <p:fade/>
-      </p:transition>
-    </mc:Choice>
-    <mc:Fallback xmlns="">
-      <p:transition spd="med">
-        <p:fade/>
-      </p:transition>
-    </mc:Fallback>
-  </mc:AlternateContent>
-</p:sld>
-</file>
-
-<file path=ppt/slides/slide17.xml><?xml version="1.0" encoding="utf-8"?>
-<p:sld xmlns:a="http://schemas.openxmlformats.org/drawingml/2006/main" xmlns:r="http://schemas.openxmlformats.org/officeDocument/2006/relationships" xmlns:p="http://schemas.openxmlformats.org/presentationml/2006/main">
-  <p:cSld>
-    <p:spTree>
-      <p:nvGrpSpPr>
-        <p:cNvPr id="1" name=""/>
-        <p:cNvGrpSpPr/>
-        <p:nvPr/>
-      </p:nvGrpSpPr>
-      <p:grpSpPr>
-        <a:xfrm>
-          <a:off x="0" y="0"/>
-          <a:ext cx="0" cy="0"/>
-          <a:chOff x="0" y="0"/>
-          <a:chExt cx="0" cy="0"/>
-        </a:xfrm>
-      </p:grpSpPr>
-      <p:sp>
-        <p:nvSpPr>
-          <p:cNvPr id="2" name="Title 1">
-            <a:extLst>
-              <a:ext uri="{FF2B5EF4-FFF2-40B4-BE49-F238E27FC236}">
-                <a16:creationId xmlns:a16="http://schemas.microsoft.com/office/drawing/2014/main" id="{F18833BD-AA23-44CB-93F9-2D6CF5B661F5}"/>
-              </a:ext>
-            </a:extLst>
-          </p:cNvPr>
-          <p:cNvSpPr>
-            <a:spLocks noGrp="1"/>
-          </p:cNvSpPr>
-          <p:nvPr>
-            <p:ph type="title"/>
-          </p:nvPr>
-        </p:nvSpPr>
-        <p:spPr/>
-        <p:txBody>
-          <a:bodyPr/>
-          <a:lstStyle/>
-          <a:p>
-            <a:r>
-              <a:rPr lang="en-US" dirty="0"/>
-              <a:t>JDBC pre-Java 1.7</a:t>
-            </a:r>
-          </a:p>
-        </p:txBody>
-      </p:sp>
-      <p:sp>
-        <p:nvSpPr>
-          <p:cNvPr id="3" name="Content Placeholder 2">
-            <a:extLst>
-              <a:ext uri="{FF2B5EF4-FFF2-40B4-BE49-F238E27FC236}">
-                <a16:creationId xmlns:a16="http://schemas.microsoft.com/office/drawing/2014/main" id="{50F7F7B7-814E-4AA6-BECF-F6550AD2158A}"/>
-              </a:ext>
-            </a:extLst>
-          </p:cNvPr>
-          <p:cNvSpPr>
-            <a:spLocks noGrp="1"/>
-          </p:cNvSpPr>
-          <p:nvPr>
-            <p:ph idx="1"/>
-          </p:nvPr>
-        </p:nvSpPr>
-        <p:spPr/>
-        <p:txBody>
-          <a:bodyPr>
-            <a:normAutofit fontScale="92500" lnSpcReduction="10000"/>
-          </a:bodyPr>
-          <a:lstStyle/>
-          <a:p>
-            <a:pPr marL="0" indent="0">
-              <a:spcBef>
-                <a:spcPts val="0"/>
-              </a:spcBef>
-              <a:buNone/>
-            </a:pPr>
-            <a:r>
-              <a:rPr lang="en-US" sz="2000" dirty="0">
-                <a:latin typeface="Courier New" panose="02070309020205020404" pitchFamily="49" charset="0"/>
-                <a:cs typeface="Courier New" panose="02070309020205020404" pitchFamily="49" charset="0"/>
-              </a:rPr>
-              <a:t>Connection conn = null;</a:t>
-            </a:r>
-          </a:p>
-          <a:p>
-            <a:pPr marL="0" indent="0">
-              <a:spcBef>
-                <a:spcPts val="0"/>
-              </a:spcBef>
-              <a:buNone/>
-            </a:pPr>
-            <a:endParaRPr lang="en-US" sz="2000" dirty="0">
-              <a:latin typeface="Courier New" panose="02070309020205020404" pitchFamily="49" charset="0"/>
-              <a:cs typeface="Courier New" panose="02070309020205020404" pitchFamily="49" charset="0"/>
-            </a:endParaRPr>
-          </a:p>
-          <a:p>
-            <a:pPr marL="0" indent="0">
-              <a:spcBef>
-                <a:spcPts val="0"/>
-              </a:spcBef>
-              <a:buNone/>
-            </a:pPr>
-            <a:r>
-              <a:rPr lang="en-US" sz="2000" dirty="0">
-                <a:solidFill>
-                  <a:srgbClr val="FF9900"/>
-                </a:solidFill>
-                <a:latin typeface="Courier New" panose="02070309020205020404" pitchFamily="49" charset="0"/>
-                <a:cs typeface="Courier New" panose="02070309020205020404" pitchFamily="49" charset="0"/>
-              </a:rPr>
-              <a:t>try</a:t>
-            </a:r>
-            <a:r>
-              <a:rPr lang="en-US" sz="2000" dirty="0">
-                <a:latin typeface="Courier New" panose="02070309020205020404" pitchFamily="49" charset="0"/>
-                <a:cs typeface="Courier New" panose="02070309020205020404" pitchFamily="49" charset="0"/>
-              </a:rPr>
-              <a:t> {</a:t>
-            </a:r>
-          </a:p>
-          <a:p>
-            <a:pPr marL="0" indent="0">
-              <a:spcBef>
-                <a:spcPts val="0"/>
-              </a:spcBef>
-              <a:buNone/>
-            </a:pPr>
-            <a:r>
-              <a:rPr lang="en-US" sz="2000" dirty="0">
-                <a:latin typeface="Courier New" panose="02070309020205020404" pitchFamily="49" charset="0"/>
-                <a:cs typeface="Courier New" panose="02070309020205020404" pitchFamily="49" charset="0"/>
-              </a:rPr>
-              <a:t>  conn = </a:t>
-            </a:r>
-            <a:r>
-              <a:rPr lang="en-US" sz="2000" dirty="0" err="1">
-                <a:solidFill>
-                  <a:srgbClr val="00B0F0"/>
-                </a:solidFill>
-                <a:latin typeface="Courier New" panose="02070309020205020404" pitchFamily="49" charset="0"/>
-                <a:cs typeface="Courier New" panose="02070309020205020404" pitchFamily="49" charset="0"/>
-              </a:rPr>
-              <a:t>getConnection</a:t>
-            </a:r>
-            <a:r>
-              <a:rPr lang="en-US" sz="2000" dirty="0">
-                <a:latin typeface="Courier New" panose="02070309020205020404" pitchFamily="49" charset="0"/>
-                <a:cs typeface="Courier New" panose="02070309020205020404" pitchFamily="49" charset="0"/>
-              </a:rPr>
-              <a:t>();</a:t>
-            </a:r>
-          </a:p>
-          <a:p>
-            <a:pPr marL="0" indent="0">
-              <a:spcBef>
-                <a:spcPts val="0"/>
-              </a:spcBef>
-              <a:buNone/>
-            </a:pPr>
-            <a:r>
-              <a:rPr lang="en-US" sz="2000" dirty="0">
-                <a:latin typeface="Courier New" panose="02070309020205020404" pitchFamily="49" charset="0"/>
-                <a:cs typeface="Courier New" panose="02070309020205020404" pitchFamily="49" charset="0"/>
-              </a:rPr>
-              <a:t>} </a:t>
-            </a:r>
-          </a:p>
-          <a:p>
-            <a:pPr marL="0" indent="0">
-              <a:spcBef>
-                <a:spcPts val="0"/>
-              </a:spcBef>
-              <a:buNone/>
-            </a:pPr>
-            <a:r>
-              <a:rPr lang="en-US" sz="2000" dirty="0">
-                <a:solidFill>
-                  <a:srgbClr val="FF9900"/>
-                </a:solidFill>
-                <a:latin typeface="Courier New" panose="02070309020205020404" pitchFamily="49" charset="0"/>
-                <a:cs typeface="Courier New" panose="02070309020205020404" pitchFamily="49" charset="0"/>
-              </a:rPr>
-              <a:t>catch</a:t>
-            </a:r>
-            <a:r>
-              <a:rPr lang="en-US" sz="2000" dirty="0">
-                <a:latin typeface="Courier New" panose="02070309020205020404" pitchFamily="49" charset="0"/>
-                <a:cs typeface="Courier New" panose="02070309020205020404" pitchFamily="49" charset="0"/>
-              </a:rPr>
-              <a:t>(</a:t>
-            </a:r>
-            <a:r>
-              <a:rPr lang="en-US" sz="2000" dirty="0" err="1">
-                <a:latin typeface="Courier New" panose="02070309020205020404" pitchFamily="49" charset="0"/>
-                <a:cs typeface="Courier New" panose="02070309020205020404" pitchFamily="49" charset="0"/>
-              </a:rPr>
-              <a:t>SQLException</a:t>
-            </a:r>
-            <a:r>
-              <a:rPr lang="en-US" sz="2000" dirty="0">
-                <a:latin typeface="Courier New" panose="02070309020205020404" pitchFamily="49" charset="0"/>
-                <a:cs typeface="Courier New" panose="02070309020205020404" pitchFamily="49" charset="0"/>
-              </a:rPr>
-              <a:t> e) {</a:t>
-            </a:r>
-          </a:p>
-          <a:p>
-            <a:pPr marL="0" indent="0">
-              <a:spcBef>
-                <a:spcPts val="0"/>
-              </a:spcBef>
-              <a:buNone/>
-            </a:pPr>
-            <a:r>
-              <a:rPr lang="en-US" sz="2000" dirty="0">
-                <a:latin typeface="Courier New" panose="02070309020205020404" pitchFamily="49" charset="0"/>
-                <a:cs typeface="Courier New" panose="02070309020205020404" pitchFamily="49" charset="0"/>
-              </a:rPr>
-              <a:t>  throw new </a:t>
-            </a:r>
-            <a:r>
-              <a:rPr lang="en-US" sz="2000" dirty="0" err="1">
-                <a:latin typeface="Courier New" panose="02070309020205020404" pitchFamily="49" charset="0"/>
-                <a:cs typeface="Courier New" panose="02070309020205020404" pitchFamily="49" charset="0"/>
-              </a:rPr>
-              <a:t>RuntimeException</a:t>
-            </a:r>
-            <a:r>
-              <a:rPr lang="en-US" sz="2000" dirty="0">
-                <a:latin typeface="Courier New" panose="02070309020205020404" pitchFamily="49" charset="0"/>
-                <a:cs typeface="Courier New" panose="02070309020205020404" pitchFamily="49" charset="0"/>
-              </a:rPr>
-              <a:t>(e);</a:t>
-            </a:r>
-          </a:p>
-          <a:p>
-            <a:pPr marL="0" indent="0">
-              <a:spcBef>
-                <a:spcPts val="0"/>
-              </a:spcBef>
-              <a:buNone/>
-            </a:pPr>
-            <a:r>
-              <a:rPr lang="en-US" sz="2000" dirty="0">
-                <a:latin typeface="Courier New" panose="02070309020205020404" pitchFamily="49" charset="0"/>
-                <a:cs typeface="Courier New" panose="02070309020205020404" pitchFamily="49" charset="0"/>
-              </a:rPr>
-              <a:t>}</a:t>
-            </a:r>
-          </a:p>
-          <a:p>
-            <a:pPr marL="0" indent="0">
-              <a:spcBef>
-                <a:spcPts val="0"/>
-              </a:spcBef>
-              <a:buNone/>
-            </a:pPr>
-            <a:r>
-              <a:rPr lang="en-US" sz="2000" dirty="0">
-                <a:solidFill>
-                  <a:srgbClr val="FF9900"/>
-                </a:solidFill>
-                <a:latin typeface="Courier New" panose="02070309020205020404" pitchFamily="49" charset="0"/>
-                <a:cs typeface="Courier New" panose="02070309020205020404" pitchFamily="49" charset="0"/>
-              </a:rPr>
-              <a:t>finally</a:t>
-            </a:r>
-            <a:r>
-              <a:rPr lang="en-US" sz="2000" dirty="0">
-                <a:latin typeface="Courier New" panose="02070309020205020404" pitchFamily="49" charset="0"/>
-                <a:cs typeface="Courier New" panose="02070309020205020404" pitchFamily="49" charset="0"/>
-              </a:rPr>
-              <a:t> {</a:t>
-            </a:r>
-          </a:p>
-          <a:p>
-            <a:pPr marL="0" indent="0">
-              <a:spcBef>
-                <a:spcPts val="0"/>
-              </a:spcBef>
-              <a:buNone/>
-            </a:pPr>
-            <a:r>
-              <a:rPr lang="en-US" sz="2000" dirty="0">
-                <a:latin typeface="Courier New" panose="02070309020205020404" pitchFamily="49" charset="0"/>
-                <a:cs typeface="Courier New" panose="02070309020205020404" pitchFamily="49" charset="0"/>
-              </a:rPr>
-              <a:t>  if(conn != null) {</a:t>
-            </a:r>
-          </a:p>
-          <a:p>
-            <a:pPr marL="0" indent="0">
-              <a:spcBef>
-                <a:spcPts val="0"/>
-              </a:spcBef>
-              <a:buNone/>
-            </a:pPr>
-            <a:r>
-              <a:rPr lang="en-US" sz="2000" dirty="0">
-                <a:latin typeface="Courier New" panose="02070309020205020404" pitchFamily="49" charset="0"/>
-                <a:cs typeface="Courier New" panose="02070309020205020404" pitchFamily="49" charset="0"/>
-              </a:rPr>
-              <a:t>    </a:t>
-            </a:r>
-            <a:r>
-              <a:rPr lang="en-US" sz="2000" dirty="0">
-                <a:solidFill>
-                  <a:srgbClr val="FF9900"/>
-                </a:solidFill>
-                <a:latin typeface="Courier New" panose="02070309020205020404" pitchFamily="49" charset="0"/>
-                <a:cs typeface="Courier New" panose="02070309020205020404" pitchFamily="49" charset="0"/>
-              </a:rPr>
-              <a:t>try</a:t>
-            </a:r>
-            <a:r>
-              <a:rPr lang="en-US" sz="2000" dirty="0">
-                <a:latin typeface="Courier New" panose="02070309020205020404" pitchFamily="49" charset="0"/>
-                <a:cs typeface="Courier New" panose="02070309020205020404" pitchFamily="49" charset="0"/>
-              </a:rPr>
-              <a:t> {</a:t>
-            </a:r>
-          </a:p>
-          <a:p>
-            <a:pPr marL="0" indent="0">
-              <a:spcBef>
-                <a:spcPts val="0"/>
-              </a:spcBef>
-              <a:buNone/>
-            </a:pPr>
-            <a:r>
-              <a:rPr lang="en-US" sz="2000" dirty="0">
-                <a:latin typeface="Courier New" panose="02070309020205020404" pitchFamily="49" charset="0"/>
-                <a:cs typeface="Courier New" panose="02070309020205020404" pitchFamily="49" charset="0"/>
-              </a:rPr>
-              <a:t>      </a:t>
-            </a:r>
-            <a:r>
-              <a:rPr lang="en-US" sz="2000" dirty="0" err="1">
-                <a:latin typeface="Courier New" panose="02070309020205020404" pitchFamily="49" charset="0"/>
-                <a:cs typeface="Courier New" panose="02070309020205020404" pitchFamily="49" charset="0"/>
-              </a:rPr>
-              <a:t>conn.</a:t>
-            </a:r>
-            <a:r>
-              <a:rPr lang="en-US" sz="2000" dirty="0" err="1">
-                <a:solidFill>
-                  <a:srgbClr val="00B0F0"/>
-                </a:solidFill>
-                <a:latin typeface="Courier New" panose="02070309020205020404" pitchFamily="49" charset="0"/>
-                <a:cs typeface="Courier New" panose="02070309020205020404" pitchFamily="49" charset="0"/>
-              </a:rPr>
-              <a:t>close</a:t>
-            </a:r>
-            <a:r>
-              <a:rPr lang="en-US" sz="2000" dirty="0">
-                <a:latin typeface="Courier New" panose="02070309020205020404" pitchFamily="49" charset="0"/>
-                <a:cs typeface="Courier New" panose="02070309020205020404" pitchFamily="49" charset="0"/>
-              </a:rPr>
-              <a:t>();</a:t>
-            </a:r>
-          </a:p>
-          <a:p>
-            <a:pPr marL="0" indent="0">
-              <a:spcBef>
-                <a:spcPts val="0"/>
-              </a:spcBef>
-              <a:buNone/>
-            </a:pPr>
-            <a:r>
-              <a:rPr lang="en-US" sz="2000" dirty="0">
-                <a:latin typeface="Courier New" panose="02070309020205020404" pitchFamily="49" charset="0"/>
-                <a:cs typeface="Courier New" panose="02070309020205020404" pitchFamily="49" charset="0"/>
-              </a:rPr>
-              <a:t>    }</a:t>
-            </a:r>
-          </a:p>
-          <a:p>
-            <a:pPr marL="0" indent="0">
-              <a:spcBef>
-                <a:spcPts val="0"/>
-              </a:spcBef>
-              <a:buNone/>
-            </a:pPr>
-            <a:r>
-              <a:rPr lang="en-US" sz="2000" dirty="0">
-                <a:latin typeface="Courier New" panose="02070309020205020404" pitchFamily="49" charset="0"/>
-                <a:cs typeface="Courier New" panose="02070309020205020404" pitchFamily="49" charset="0"/>
-              </a:rPr>
-              <a:t>    </a:t>
-            </a:r>
-            <a:r>
-              <a:rPr lang="en-US" sz="2000" dirty="0">
-                <a:solidFill>
-                  <a:srgbClr val="FF9900"/>
-                </a:solidFill>
-                <a:latin typeface="Courier New" panose="02070309020205020404" pitchFamily="49" charset="0"/>
-                <a:cs typeface="Courier New" panose="02070309020205020404" pitchFamily="49" charset="0"/>
-              </a:rPr>
-              <a:t>catch</a:t>
-            </a:r>
-            <a:r>
-              <a:rPr lang="en-US" sz="2000" dirty="0">
-                <a:latin typeface="Courier New" panose="02070309020205020404" pitchFamily="49" charset="0"/>
-                <a:cs typeface="Courier New" panose="02070309020205020404" pitchFamily="49" charset="0"/>
-              </a:rPr>
-              <a:t>(</a:t>
-            </a:r>
-            <a:r>
-              <a:rPr lang="en-US" sz="2000" dirty="0" err="1">
-                <a:latin typeface="Courier New" panose="02070309020205020404" pitchFamily="49" charset="0"/>
-                <a:cs typeface="Courier New" panose="02070309020205020404" pitchFamily="49" charset="0"/>
-              </a:rPr>
-              <a:t>SQLException</a:t>
-            </a:r>
-            <a:r>
-              <a:rPr lang="en-US" sz="2000" dirty="0">
-                <a:latin typeface="Courier New" panose="02070309020205020404" pitchFamily="49" charset="0"/>
-                <a:cs typeface="Courier New" panose="02070309020205020404" pitchFamily="49" charset="0"/>
-              </a:rPr>
-              <a:t> e) {</a:t>
-            </a:r>
-          </a:p>
-          <a:p>
-            <a:pPr marL="0" indent="0">
-              <a:spcBef>
-                <a:spcPts val="0"/>
-              </a:spcBef>
-              <a:buNone/>
-            </a:pPr>
-            <a:r>
-              <a:rPr lang="en-US" sz="2000" dirty="0">
-                <a:latin typeface="Courier New" panose="02070309020205020404" pitchFamily="49" charset="0"/>
-                <a:cs typeface="Courier New" panose="02070309020205020404" pitchFamily="49" charset="0"/>
-              </a:rPr>
-              <a:t>      throw new </a:t>
-            </a:r>
-            <a:r>
-              <a:rPr lang="en-US" sz="2000" dirty="0" err="1">
-                <a:latin typeface="Courier New" panose="02070309020205020404" pitchFamily="49" charset="0"/>
-                <a:cs typeface="Courier New" panose="02070309020205020404" pitchFamily="49" charset="0"/>
-              </a:rPr>
-              <a:t>RuntimeExection</a:t>
-            </a:r>
-            <a:r>
-              <a:rPr lang="en-US" sz="2000" dirty="0">
-                <a:latin typeface="Courier New" panose="02070309020205020404" pitchFamily="49" charset="0"/>
-                <a:cs typeface="Courier New" panose="02070309020205020404" pitchFamily="49" charset="0"/>
-              </a:rPr>
-              <a:t>(e);</a:t>
-            </a:r>
-          </a:p>
-          <a:p>
-            <a:pPr marL="0" indent="0">
-              <a:spcBef>
-                <a:spcPts val="0"/>
-              </a:spcBef>
-              <a:buNone/>
-            </a:pPr>
-            <a:r>
-              <a:rPr lang="en-US" sz="2000" dirty="0">
-                <a:latin typeface="Courier New" panose="02070309020205020404" pitchFamily="49" charset="0"/>
-                <a:cs typeface="Courier New" panose="02070309020205020404" pitchFamily="49" charset="0"/>
-              </a:rPr>
-              <a:t>    }</a:t>
-            </a:r>
-          </a:p>
-          <a:p>
-            <a:pPr marL="0" indent="0">
-              <a:spcBef>
-                <a:spcPts val="0"/>
-              </a:spcBef>
-              <a:buNone/>
-            </a:pPr>
-            <a:r>
-              <a:rPr lang="en-US" sz="2000" dirty="0">
-                <a:latin typeface="Courier New" panose="02070309020205020404" pitchFamily="49" charset="0"/>
-                <a:cs typeface="Courier New" panose="02070309020205020404" pitchFamily="49" charset="0"/>
-              </a:rPr>
-              <a:t>  }</a:t>
-            </a:r>
-          </a:p>
-          <a:p>
-            <a:pPr marL="0" indent="0">
-              <a:spcBef>
-                <a:spcPts val="0"/>
-              </a:spcBef>
-              <a:buNone/>
-            </a:pPr>
-            <a:r>
-              <a:rPr lang="en-US" sz="2000" dirty="0">
-                <a:latin typeface="Courier New" panose="02070309020205020404" pitchFamily="49" charset="0"/>
-                <a:cs typeface="Courier New" panose="02070309020205020404" pitchFamily="49" charset="0"/>
-              </a:rPr>
-              <a:t>}</a:t>
-            </a:r>
-          </a:p>
-        </p:txBody>
-      </p:sp>
-    </p:spTree>
-    <p:extLst>
-      <p:ext uri="{BB962C8B-B14F-4D97-AF65-F5344CB8AC3E}">
-        <p14:creationId xmlns:p14="http://schemas.microsoft.com/office/powerpoint/2010/main" val="3384255568"/>
       </p:ext>
     </p:extLst>
   </p:cSld>
@@ -6087,7 +6193,7 @@
           <p:cNvPr id="2" name="Title 1">
             <a:extLst>
               <a:ext uri="{FF2B5EF4-FFF2-40B4-BE49-F238E27FC236}">
-                <a16:creationId xmlns:a16="http://schemas.microsoft.com/office/drawing/2014/main" id="{1CF3FDDF-2CE8-43AF-B3B3-3077B2F8DF97}"/>
+                <a16:creationId xmlns:a16="http://schemas.microsoft.com/office/drawing/2014/main" id="{F18833BD-AA23-44CB-93F9-2D6CF5B661F5}"/>
               </a:ext>
             </a:extLst>
           </p:cNvPr>
@@ -6105,7 +6211,7 @@
           <a:p>
             <a:r>
               <a:rPr lang="en-US" dirty="0"/>
-              <a:t>Repeat!</a:t>
+              <a:t>JDBC pre-Java 1.7</a:t>
             </a:r>
           </a:p>
         </p:txBody>
@@ -6115,7 +6221,7 @@
           <p:cNvPr id="3" name="Content Placeholder 2">
             <a:extLst>
               <a:ext uri="{FF2B5EF4-FFF2-40B4-BE49-F238E27FC236}">
-                <a16:creationId xmlns:a16="http://schemas.microsoft.com/office/drawing/2014/main" id="{E67B58F4-6F4F-4DC9-B128-562B4AB2E595}"/>
+                <a16:creationId xmlns:a16="http://schemas.microsoft.com/office/drawing/2014/main" id="{50F7F7B7-814E-4AA6-BECF-F6550AD2158A}"/>
               </a:ext>
             </a:extLst>
           </p:cNvPr>
@@ -6126,123 +6232,438 @@
             <p:ph idx="1"/>
           </p:nvPr>
         </p:nvSpPr>
-        <p:spPr>
-          <a:xfrm>
-            <a:off x="838200" y="1825625"/>
-            <a:ext cx="6591300" cy="4351338"/>
-          </a:xfrm>
-        </p:spPr>
+        <p:spPr/>
         <p:txBody>
-          <a:bodyPr/>
+          <a:bodyPr>
+            <a:normAutofit fontScale="92500" lnSpcReduction="10000"/>
+          </a:bodyPr>
           <a:lstStyle/>
           <a:p>
-            <a:r>
-              <a:rPr lang="en-US" dirty="0"/>
-              <a:t>Code that closes </a:t>
-            </a:r>
-            <a:r>
-              <a:rPr lang="en-US" dirty="0">
+            <a:pPr marL="0" indent="0">
+              <a:spcBef>
+                <a:spcPts val="0"/>
+              </a:spcBef>
+              <a:buNone/>
+            </a:pPr>
+            <a:r>
+              <a:rPr lang="en-US" sz="2000" dirty="0">
+                <a:latin typeface="Courier New" panose="02070309020205020404" pitchFamily="49" charset="0"/>
+                <a:cs typeface="Courier New" panose="02070309020205020404" pitchFamily="49" charset="0"/>
+              </a:rPr>
+              <a:t>Connection conn = null;</a:t>
+            </a:r>
+          </a:p>
+          <a:p>
+            <a:pPr marL="0" indent="0">
+              <a:spcBef>
+                <a:spcPts val="0"/>
+              </a:spcBef>
+              <a:buNone/>
+            </a:pPr>
+            <a:endParaRPr lang="en-US" sz="2000" dirty="0">
+              <a:latin typeface="Courier New" panose="02070309020205020404" pitchFamily="49" charset="0"/>
+              <a:cs typeface="Courier New" panose="02070309020205020404" pitchFamily="49" charset="0"/>
+            </a:endParaRPr>
+          </a:p>
+          <a:p>
+            <a:pPr marL="0" indent="0">
+              <a:spcBef>
+                <a:spcPts val="0"/>
+              </a:spcBef>
+              <a:buNone/>
+            </a:pPr>
+            <a:r>
+              <a:rPr lang="en-US" sz="2000" dirty="0">
                 <a:solidFill>
                   <a:srgbClr val="FF9900"/>
                 </a:solidFill>
-              </a:rPr>
-              <a:t>Connection</a:t>
-            </a:r>
-            <a:r>
-              <a:rPr lang="en-US" dirty="0"/>
-              <a:t>s must be duplicated for </a:t>
-            </a:r>
-            <a:r>
-              <a:rPr lang="en-US" dirty="0">
+                <a:latin typeface="Courier New" panose="02070309020205020404" pitchFamily="49" charset="0"/>
+                <a:cs typeface="Courier New" panose="02070309020205020404" pitchFamily="49" charset="0"/>
+              </a:rPr>
+              <a:t>try</a:t>
+            </a:r>
+            <a:r>
+              <a:rPr lang="en-US" sz="2000" dirty="0">
+                <a:latin typeface="Courier New" panose="02070309020205020404" pitchFamily="49" charset="0"/>
+                <a:cs typeface="Courier New" panose="02070309020205020404" pitchFamily="49" charset="0"/>
+              </a:rPr>
+              <a:t> {</a:t>
+            </a:r>
+          </a:p>
+          <a:p>
+            <a:pPr marL="0" indent="0">
+              <a:spcBef>
+                <a:spcPts val="0"/>
+              </a:spcBef>
+              <a:buNone/>
+            </a:pPr>
+            <a:r>
+              <a:rPr lang="en-US" sz="2000" dirty="0">
+                <a:latin typeface="Courier New" panose="02070309020205020404" pitchFamily="49" charset="0"/>
+                <a:cs typeface="Courier New" panose="02070309020205020404" pitchFamily="49" charset="0"/>
+              </a:rPr>
+              <a:t>  conn = </a:t>
+            </a:r>
+            <a:r>
+              <a:rPr lang="en-US" sz="2000" dirty="0" err="1">
+                <a:solidFill>
+                  <a:srgbClr val="00B0F0"/>
+                </a:solidFill>
+                <a:latin typeface="Courier New" panose="02070309020205020404" pitchFamily="49" charset="0"/>
+                <a:cs typeface="Courier New" panose="02070309020205020404" pitchFamily="49" charset="0"/>
+              </a:rPr>
+              <a:t>getConnection</a:t>
+            </a:r>
+            <a:r>
+              <a:rPr lang="en-US" sz="2000" dirty="0">
+                <a:latin typeface="Courier New" panose="02070309020205020404" pitchFamily="49" charset="0"/>
+                <a:cs typeface="Courier New" panose="02070309020205020404" pitchFamily="49" charset="0"/>
+              </a:rPr>
+              <a:t>();</a:t>
+            </a:r>
+          </a:p>
+          <a:p>
+            <a:pPr marL="0" indent="0">
+              <a:spcBef>
+                <a:spcPts val="0"/>
+              </a:spcBef>
+              <a:buNone/>
+            </a:pPr>
+            <a:r>
+              <a:rPr lang="en-US" sz="2000" dirty="0">
+                <a:latin typeface="Courier New" panose="02070309020205020404" pitchFamily="49" charset="0"/>
+                <a:cs typeface="Courier New" panose="02070309020205020404" pitchFamily="49" charset="0"/>
+              </a:rPr>
+              <a:t>} </a:t>
+            </a:r>
+          </a:p>
+          <a:p>
+            <a:pPr marL="0" indent="0">
+              <a:spcBef>
+                <a:spcPts val="0"/>
+              </a:spcBef>
+              <a:buNone/>
+            </a:pPr>
+            <a:r>
+              <a:rPr lang="en-US" sz="2000" dirty="0">
                 <a:solidFill>
                   <a:srgbClr val="FF9900"/>
                 </a:solidFill>
-              </a:rPr>
-              <a:t>Statement</a:t>
-            </a:r>
-            <a:r>
-              <a:rPr lang="en-US" dirty="0"/>
-              <a:t>s and </a:t>
-            </a:r>
-            <a:r>
-              <a:rPr lang="en-US" dirty="0" err="1">
+                <a:latin typeface="Courier New" panose="02070309020205020404" pitchFamily="49" charset="0"/>
+                <a:cs typeface="Courier New" panose="02070309020205020404" pitchFamily="49" charset="0"/>
+              </a:rPr>
+              <a:t>catch</a:t>
+            </a:r>
+            <a:r>
+              <a:rPr lang="en-US" sz="2000" dirty="0">
+                <a:latin typeface="Courier New" panose="02070309020205020404" pitchFamily="49" charset="0"/>
+                <a:cs typeface="Courier New" panose="02070309020205020404" pitchFamily="49" charset="0"/>
+              </a:rPr>
+              <a:t>(</a:t>
+            </a:r>
+            <a:r>
+              <a:rPr lang="en-US" sz="2000" dirty="0" err="1">
+                <a:latin typeface="Courier New" panose="02070309020205020404" pitchFamily="49" charset="0"/>
+                <a:cs typeface="Courier New" panose="02070309020205020404" pitchFamily="49" charset="0"/>
+              </a:rPr>
+              <a:t>SQLException</a:t>
+            </a:r>
+            <a:r>
+              <a:rPr lang="en-US" sz="2000" dirty="0">
+                <a:latin typeface="Courier New" panose="02070309020205020404" pitchFamily="49" charset="0"/>
+                <a:cs typeface="Courier New" panose="02070309020205020404" pitchFamily="49" charset="0"/>
+              </a:rPr>
+              <a:t> e) {</a:t>
+            </a:r>
+          </a:p>
+          <a:p>
+            <a:pPr marL="0" indent="0">
+              <a:spcBef>
+                <a:spcPts val="0"/>
+              </a:spcBef>
+              <a:buNone/>
+            </a:pPr>
+            <a:r>
+              <a:rPr lang="en-US" sz="2000" dirty="0">
+                <a:latin typeface="Courier New" panose="02070309020205020404" pitchFamily="49" charset="0"/>
+                <a:cs typeface="Courier New" panose="02070309020205020404" pitchFamily="49" charset="0"/>
+              </a:rPr>
+              <a:t>  throw new </a:t>
+            </a:r>
+            <a:r>
+              <a:rPr lang="en-US" sz="2000" dirty="0" err="1">
+                <a:latin typeface="Courier New" panose="02070309020205020404" pitchFamily="49" charset="0"/>
+                <a:cs typeface="Courier New" panose="02070309020205020404" pitchFamily="49" charset="0"/>
+              </a:rPr>
+              <a:t>RuntimeException</a:t>
+            </a:r>
+            <a:r>
+              <a:rPr lang="en-US" sz="2000" dirty="0">
+                <a:latin typeface="Courier New" panose="02070309020205020404" pitchFamily="49" charset="0"/>
+                <a:cs typeface="Courier New" panose="02070309020205020404" pitchFamily="49" charset="0"/>
+              </a:rPr>
+              <a:t>(e);</a:t>
+            </a:r>
+          </a:p>
+          <a:p>
+            <a:pPr marL="0" indent="0">
+              <a:spcBef>
+                <a:spcPts val="0"/>
+              </a:spcBef>
+              <a:buNone/>
+            </a:pPr>
+            <a:r>
+              <a:rPr lang="en-US" sz="2000" dirty="0">
+                <a:latin typeface="Courier New" panose="02070309020205020404" pitchFamily="49" charset="0"/>
+                <a:cs typeface="Courier New" panose="02070309020205020404" pitchFamily="49" charset="0"/>
+              </a:rPr>
+              <a:t>}</a:t>
+            </a:r>
+          </a:p>
+          <a:p>
+            <a:pPr marL="0" indent="0">
+              <a:spcBef>
+                <a:spcPts val="0"/>
+              </a:spcBef>
+              <a:buNone/>
+            </a:pPr>
+            <a:r>
+              <a:rPr lang="en-US" sz="2000" dirty="0">
                 <a:solidFill>
                   <a:srgbClr val="FF9900"/>
                 </a:solidFill>
-              </a:rPr>
-              <a:t>ResultSet</a:t>
-            </a:r>
-            <a:r>
-              <a:rPr lang="en-US" dirty="0" err="1"/>
-              <a:t>s</a:t>
-            </a:r>
-            <a:endParaRPr lang="en-US" dirty="0"/>
-          </a:p>
-          <a:p>
-            <a:r>
-              <a:rPr lang="en-US" dirty="0"/>
-              <a:t>This leads to a lot of </a:t>
-            </a:r>
-            <a:r>
-              <a:rPr lang="en-US" dirty="0">
+                <a:latin typeface="Courier New" panose="02070309020205020404" pitchFamily="49" charset="0"/>
+                <a:cs typeface="Courier New" panose="02070309020205020404" pitchFamily="49" charset="0"/>
+              </a:rPr>
+              <a:t>finally</a:t>
+            </a:r>
+            <a:r>
+              <a:rPr lang="en-US" sz="2000" dirty="0">
+                <a:latin typeface="Courier New" panose="02070309020205020404" pitchFamily="49" charset="0"/>
+                <a:cs typeface="Courier New" panose="02070309020205020404" pitchFamily="49" charset="0"/>
+              </a:rPr>
+              <a:t> {</a:t>
+            </a:r>
+          </a:p>
+          <a:p>
+            <a:pPr marL="0" indent="0">
+              <a:spcBef>
+                <a:spcPts val="0"/>
+              </a:spcBef>
+              <a:buNone/>
+            </a:pPr>
+            <a:r>
+              <a:rPr lang="en-US" sz="2000" dirty="0">
+                <a:latin typeface="Courier New" panose="02070309020205020404" pitchFamily="49" charset="0"/>
+                <a:cs typeface="Courier New" panose="02070309020205020404" pitchFamily="49" charset="0"/>
+              </a:rPr>
+              <a:t>  if(conn != null) {</a:t>
+            </a:r>
+          </a:p>
+          <a:p>
+            <a:pPr marL="0" indent="0">
+              <a:spcBef>
+                <a:spcPts val="0"/>
+              </a:spcBef>
+              <a:buNone/>
+            </a:pPr>
+            <a:r>
+              <a:rPr lang="en-US" sz="2000" dirty="0">
+                <a:latin typeface="Courier New" panose="02070309020205020404" pitchFamily="49" charset="0"/>
+                <a:cs typeface="Courier New" panose="02070309020205020404" pitchFamily="49" charset="0"/>
+              </a:rPr>
+              <a:t>    </a:t>
+            </a:r>
+            <a:r>
+              <a:rPr lang="en-US" sz="2000" dirty="0">
+                <a:solidFill>
+                  <a:srgbClr val="FF9900"/>
+                </a:solidFill>
+                <a:latin typeface="Courier New" panose="02070309020205020404" pitchFamily="49" charset="0"/>
+                <a:cs typeface="Courier New" panose="02070309020205020404" pitchFamily="49" charset="0"/>
+              </a:rPr>
+              <a:t>try</a:t>
+            </a:r>
+            <a:r>
+              <a:rPr lang="en-US" sz="2000" dirty="0">
+                <a:latin typeface="Courier New" panose="02070309020205020404" pitchFamily="49" charset="0"/>
+                <a:cs typeface="Courier New" panose="02070309020205020404" pitchFamily="49" charset="0"/>
+              </a:rPr>
+              <a:t> {</a:t>
+            </a:r>
+          </a:p>
+          <a:p>
+            <a:pPr marL="0" indent="0">
+              <a:spcBef>
+                <a:spcPts val="0"/>
+              </a:spcBef>
+              <a:buNone/>
+            </a:pPr>
+            <a:r>
+              <a:rPr lang="en-US" sz="2000" dirty="0">
+                <a:latin typeface="Courier New" panose="02070309020205020404" pitchFamily="49" charset="0"/>
+                <a:cs typeface="Courier New" panose="02070309020205020404" pitchFamily="49" charset="0"/>
+              </a:rPr>
+              <a:t>      </a:t>
+            </a:r>
+            <a:r>
+              <a:rPr lang="en-US" sz="2000" dirty="0" err="1">
+                <a:latin typeface="Courier New" panose="02070309020205020404" pitchFamily="49" charset="0"/>
+                <a:cs typeface="Courier New" panose="02070309020205020404" pitchFamily="49" charset="0"/>
+              </a:rPr>
+              <a:t>conn.</a:t>
+            </a:r>
+            <a:r>
+              <a:rPr lang="en-US" sz="2000" dirty="0" err="1">
                 <a:solidFill>
                   <a:srgbClr val="00B0F0"/>
                 </a:solidFill>
-              </a:rPr>
-              <a:t>intricate code</a:t>
-            </a:r>
-          </a:p>
-          <a:p>
-            <a:pPr lvl="1"/>
-            <a:r>
-              <a:rPr lang="en-US" dirty="0"/>
-              <a:t>Easy to leave something out</a:t>
-            </a:r>
-          </a:p>
-          <a:p>
-            <a:pPr lvl="1"/>
-            <a:r>
-              <a:rPr lang="en-US" dirty="0"/>
-              <a:t>Hard to make changes</a:t>
-            </a:r>
-          </a:p>
-          <a:p>
-            <a:pPr lvl="1"/>
-            <a:r>
-              <a:rPr lang="en-US" dirty="0"/>
-              <a:t>Very large methods</a:t>
-            </a:r>
-          </a:p>
-          <a:p>
-            <a:r>
-              <a:rPr lang="en-US" dirty="0"/>
-              <a:t>If you don't do it right you will make a mistake and </a:t>
-            </a:r>
-            <a:r>
-              <a:rPr lang="en-US" dirty="0">
-                <a:solidFill>
-                  <a:srgbClr val="00B0F0"/>
-                </a:solidFill>
-              </a:rPr>
-              <a:t>leak resources</a:t>
-            </a:r>
-          </a:p>
-          <a:p>
-            <a:r>
-              <a:rPr lang="en-US" dirty="0"/>
-              <a:t>It's </a:t>
-            </a:r>
-            <a:r>
-              <a:rPr lang="en-US" dirty="0">
-                <a:solidFill>
-                  <a:srgbClr val="00B0F0"/>
-                </a:solidFill>
-              </a:rPr>
-              <a:t>easy</a:t>
-            </a:r>
-            <a:r>
-              <a:rPr lang="en-US" dirty="0"/>
-              <a:t> to make a mistake!</a:t>
+                <a:latin typeface="Courier New" panose="02070309020205020404" pitchFamily="49" charset="0"/>
+                <a:cs typeface="Courier New" panose="02070309020205020404" pitchFamily="49" charset="0"/>
+              </a:rPr>
+              <a:t>close</a:t>
+            </a:r>
+            <a:r>
+              <a:rPr lang="en-US" sz="2000" dirty="0">
+                <a:latin typeface="Courier New" panose="02070309020205020404" pitchFamily="49" charset="0"/>
+                <a:cs typeface="Courier New" panose="02070309020205020404" pitchFamily="49" charset="0"/>
+              </a:rPr>
+              <a:t>();</a:t>
+            </a:r>
+          </a:p>
+          <a:p>
+            <a:pPr marL="0" indent="0">
+              <a:spcBef>
+                <a:spcPts val="0"/>
+              </a:spcBef>
+              <a:buNone/>
+            </a:pPr>
+            <a:r>
+              <a:rPr lang="en-US" sz="2000" dirty="0">
+                <a:latin typeface="Courier New" panose="02070309020205020404" pitchFamily="49" charset="0"/>
+                <a:cs typeface="Courier New" panose="02070309020205020404" pitchFamily="49" charset="0"/>
+              </a:rPr>
+              <a:t>    }</a:t>
+            </a:r>
+          </a:p>
+          <a:p>
+            <a:pPr marL="0" indent="0">
+              <a:spcBef>
+                <a:spcPts val="0"/>
+              </a:spcBef>
+              <a:buNone/>
+            </a:pPr>
+            <a:r>
+              <a:rPr lang="en-US" sz="2000" dirty="0">
+                <a:latin typeface="Courier New" panose="02070309020205020404" pitchFamily="49" charset="0"/>
+                <a:cs typeface="Courier New" panose="02070309020205020404" pitchFamily="49" charset="0"/>
+              </a:rPr>
+              <a:t>    </a:t>
+            </a:r>
+            <a:r>
+              <a:rPr lang="en-US" sz="2000" dirty="0">
+                <a:solidFill>
+                  <a:srgbClr val="FF9900"/>
+                </a:solidFill>
+                <a:latin typeface="Courier New" panose="02070309020205020404" pitchFamily="49" charset="0"/>
+                <a:cs typeface="Courier New" panose="02070309020205020404" pitchFamily="49" charset="0"/>
+              </a:rPr>
+              <a:t>catch</a:t>
+            </a:r>
+            <a:r>
+              <a:rPr lang="en-US" sz="2000" dirty="0">
+                <a:latin typeface="Courier New" panose="02070309020205020404" pitchFamily="49" charset="0"/>
+                <a:cs typeface="Courier New" panose="02070309020205020404" pitchFamily="49" charset="0"/>
+              </a:rPr>
+              <a:t>(</a:t>
+            </a:r>
+            <a:r>
+              <a:rPr lang="en-US" sz="2000" dirty="0" err="1">
+                <a:latin typeface="Courier New" panose="02070309020205020404" pitchFamily="49" charset="0"/>
+                <a:cs typeface="Courier New" panose="02070309020205020404" pitchFamily="49" charset="0"/>
+              </a:rPr>
+              <a:t>SQLException</a:t>
+            </a:r>
+            <a:r>
+              <a:rPr lang="en-US" sz="2000" dirty="0">
+                <a:latin typeface="Courier New" panose="02070309020205020404" pitchFamily="49" charset="0"/>
+                <a:cs typeface="Courier New" panose="02070309020205020404" pitchFamily="49" charset="0"/>
+              </a:rPr>
+              <a:t> e) {</a:t>
+            </a:r>
+          </a:p>
+          <a:p>
+            <a:pPr marL="0" indent="0">
+              <a:spcBef>
+                <a:spcPts val="0"/>
+              </a:spcBef>
+              <a:buNone/>
+            </a:pPr>
+            <a:r>
+              <a:rPr lang="en-US" sz="2000" dirty="0">
+                <a:latin typeface="Courier New" panose="02070309020205020404" pitchFamily="49" charset="0"/>
+                <a:cs typeface="Courier New" panose="02070309020205020404" pitchFamily="49" charset="0"/>
+              </a:rPr>
+              <a:t>      throw new </a:t>
+            </a:r>
+            <a:r>
+              <a:rPr lang="en-US" sz="2000" dirty="0" err="1">
+                <a:latin typeface="Courier New" panose="02070309020205020404" pitchFamily="49" charset="0"/>
+                <a:cs typeface="Courier New" panose="02070309020205020404" pitchFamily="49" charset="0"/>
+              </a:rPr>
+              <a:t>RuntimeExection</a:t>
+            </a:r>
+            <a:r>
+              <a:rPr lang="en-US" sz="2000" dirty="0">
+                <a:latin typeface="Courier New" panose="02070309020205020404" pitchFamily="49" charset="0"/>
+                <a:cs typeface="Courier New" panose="02070309020205020404" pitchFamily="49" charset="0"/>
+              </a:rPr>
+              <a:t>(e);</a:t>
+            </a:r>
+          </a:p>
+          <a:p>
+            <a:pPr marL="0" indent="0">
+              <a:spcBef>
+                <a:spcPts val="0"/>
+              </a:spcBef>
+              <a:buNone/>
+            </a:pPr>
+            <a:r>
+              <a:rPr lang="en-US" sz="2000" dirty="0">
+                <a:latin typeface="Courier New" panose="02070309020205020404" pitchFamily="49" charset="0"/>
+                <a:cs typeface="Courier New" panose="02070309020205020404" pitchFamily="49" charset="0"/>
+              </a:rPr>
+              <a:t>    }</a:t>
+            </a:r>
+          </a:p>
+          <a:p>
+            <a:pPr marL="0" indent="0">
+              <a:spcBef>
+                <a:spcPts val="0"/>
+              </a:spcBef>
+              <a:buNone/>
+            </a:pPr>
+            <a:r>
+              <a:rPr lang="en-US" sz="2000" dirty="0">
+                <a:latin typeface="Courier New" panose="02070309020205020404" pitchFamily="49" charset="0"/>
+                <a:cs typeface="Courier New" panose="02070309020205020404" pitchFamily="49" charset="0"/>
+              </a:rPr>
+              <a:t>  }</a:t>
+            </a:r>
+          </a:p>
+          <a:p>
+            <a:pPr marL="0" indent="0">
+              <a:spcBef>
+                <a:spcPts val="0"/>
+              </a:spcBef>
+              <a:buNone/>
+            </a:pPr>
+            <a:r>
+              <a:rPr lang="en-US" sz="2000" dirty="0">
+                <a:latin typeface="Courier New" panose="02070309020205020404" pitchFamily="49" charset="0"/>
+                <a:cs typeface="Courier New" panose="02070309020205020404" pitchFamily="49" charset="0"/>
+              </a:rPr>
+              <a:t>}</a:t>
             </a:r>
           </a:p>
         </p:txBody>
@@ -6250,7 +6671,7 @@
     </p:spTree>
     <p:extLst>
       <p:ext uri="{BB962C8B-B14F-4D97-AF65-F5344CB8AC3E}">
-        <p14:creationId xmlns:p14="http://schemas.microsoft.com/office/powerpoint/2010/main" val="36490458"/>
+        <p14:creationId xmlns:p14="http://schemas.microsoft.com/office/powerpoint/2010/main" val="3384255568"/>
       </p:ext>
     </p:extLst>
   </p:cSld>
@@ -6291,10 +6712,38 @@
       </p:grpSpPr>
       <p:sp>
         <p:nvSpPr>
+          <p:cNvPr id="2" name="Title 1">
+            <a:extLst>
+              <a:ext uri="{FF2B5EF4-FFF2-40B4-BE49-F238E27FC236}">
+                <a16:creationId xmlns:a16="http://schemas.microsoft.com/office/drawing/2014/main" id="{1CF3FDDF-2CE8-43AF-B3B3-3077B2F8DF97}"/>
+              </a:ext>
+            </a:extLst>
+          </p:cNvPr>
+          <p:cNvSpPr>
+            <a:spLocks noGrp="1"/>
+          </p:cNvSpPr>
+          <p:nvPr>
+            <p:ph type="title"/>
+          </p:nvPr>
+        </p:nvSpPr>
+        <p:spPr/>
+        <p:txBody>
+          <a:bodyPr/>
+          <a:lstStyle/>
+          <a:p>
+            <a:r>
+              <a:rPr lang="en-US" dirty="0"/>
+              <a:t>Repeat!</a:t>
+            </a:r>
+          </a:p>
+        </p:txBody>
+      </p:sp>
+      <p:sp>
+        <p:nvSpPr>
           <p:cNvPr id="3" name="Content Placeholder 2">
             <a:extLst>
               <a:ext uri="{FF2B5EF4-FFF2-40B4-BE49-F238E27FC236}">
-                <a16:creationId xmlns:a16="http://schemas.microsoft.com/office/drawing/2014/main" id="{80D7DF93-8995-4BAA-8BAB-7AF3E5E862D3}"/>
+                <a16:creationId xmlns:a16="http://schemas.microsoft.com/office/drawing/2014/main" id="{E67B58F4-6F4F-4DC9-B128-562B4AB2E595}"/>
               </a:ext>
             </a:extLst>
           </p:cNvPr>
@@ -6307,1181 +6756,121 @@
         </p:nvSpPr>
         <p:spPr>
           <a:xfrm>
-            <a:off x="431800" y="190500"/>
-            <a:ext cx="7100944" cy="6451600"/>
+            <a:off x="838199" y="1825625"/>
+            <a:ext cx="11210925" cy="4351338"/>
           </a:xfrm>
         </p:spPr>
         <p:txBody>
-          <a:bodyPr>
-            <a:noAutofit/>
-          </a:bodyPr>
+          <a:bodyPr/>
           <a:lstStyle/>
           <a:p>
-            <a:pPr marL="0" indent="0">
-              <a:spcBef>
-                <a:spcPts val="0"/>
-              </a:spcBef>
-              <a:buNone/>
-            </a:pPr>
-            <a:r>
-              <a:rPr lang="en-US" sz="800" dirty="0">
-                <a:latin typeface="Courier New" panose="02070309020205020404" pitchFamily="49" charset="0"/>
-                <a:cs typeface="Courier New" panose="02070309020205020404" pitchFamily="49" charset="0"/>
-              </a:rPr>
-              <a:t>Connection conn = null;</a:t>
-            </a:r>
-          </a:p>
-          <a:p>
-            <a:pPr marL="0" indent="0">
-              <a:spcBef>
-                <a:spcPts val="0"/>
-              </a:spcBef>
-              <a:buNone/>
-            </a:pPr>
-            <a:r>
-              <a:rPr lang="en-US" sz="800" dirty="0">
-                <a:latin typeface="Courier New" panose="02070309020205020404" pitchFamily="49" charset="0"/>
-                <a:cs typeface="Courier New" panose="02070309020205020404" pitchFamily="49" charset="0"/>
-              </a:rPr>
-              <a:t>Statement </a:t>
-            </a:r>
-            <a:r>
-              <a:rPr lang="en-US" sz="800" dirty="0" err="1">
-                <a:latin typeface="Courier New" panose="02070309020205020404" pitchFamily="49" charset="0"/>
-                <a:cs typeface="Courier New" panose="02070309020205020404" pitchFamily="49" charset="0"/>
-              </a:rPr>
-              <a:t>stmt</a:t>
-            </a:r>
-            <a:r>
-              <a:rPr lang="en-US" sz="800" dirty="0">
-                <a:latin typeface="Courier New" panose="02070309020205020404" pitchFamily="49" charset="0"/>
-                <a:cs typeface="Courier New" panose="02070309020205020404" pitchFamily="49" charset="0"/>
-              </a:rPr>
-              <a:t> = null;</a:t>
-            </a:r>
-          </a:p>
-          <a:p>
-            <a:pPr marL="0" indent="0">
-              <a:spcBef>
-                <a:spcPts val="0"/>
-              </a:spcBef>
-              <a:buNone/>
-            </a:pPr>
-            <a:r>
-              <a:rPr lang="en-US" sz="800" dirty="0" err="1">
-                <a:latin typeface="Courier New" panose="02070309020205020404" pitchFamily="49" charset="0"/>
-                <a:cs typeface="Courier New" panose="02070309020205020404" pitchFamily="49" charset="0"/>
+            <a:r>
+              <a:rPr lang="en-US" dirty="0"/>
+              <a:t>Code that closes </a:t>
+            </a:r>
+            <a:r>
+              <a:rPr lang="en-US" dirty="0">
+                <a:solidFill>
+                  <a:srgbClr val="FF9900"/>
+                </a:solidFill>
+              </a:rPr>
+              <a:t>Connection</a:t>
+            </a:r>
+            <a:r>
+              <a:rPr lang="en-US" dirty="0"/>
+              <a:t>s must be duplicated for </a:t>
+            </a:r>
+            <a:r>
+              <a:rPr lang="en-US" dirty="0">
+                <a:solidFill>
+                  <a:srgbClr val="FF9900"/>
+                </a:solidFill>
+              </a:rPr>
+              <a:t>Statement</a:t>
+            </a:r>
+            <a:r>
+              <a:rPr lang="en-US" dirty="0"/>
+              <a:t>s and </a:t>
+            </a:r>
+            <a:r>
+              <a:rPr lang="en-US" dirty="0" err="1">
+                <a:solidFill>
+                  <a:srgbClr val="FF9900"/>
+                </a:solidFill>
               </a:rPr>
               <a:t>ResultSet</a:t>
             </a:r>
             <a:r>
-              <a:rPr lang="en-US" sz="800" dirty="0">
-                <a:latin typeface="Courier New" panose="02070309020205020404" pitchFamily="49" charset="0"/>
-                <a:cs typeface="Courier New" panose="02070309020205020404" pitchFamily="49" charset="0"/>
-              </a:rPr>
-              <a:t> </a:t>
-            </a:r>
-            <a:r>
-              <a:rPr lang="en-US" sz="800" dirty="0" err="1">
-                <a:latin typeface="Courier New" panose="02070309020205020404" pitchFamily="49" charset="0"/>
-                <a:cs typeface="Courier New" panose="02070309020205020404" pitchFamily="49" charset="0"/>
-              </a:rPr>
-              <a:t>rs</a:t>
-            </a:r>
-            <a:r>
-              <a:rPr lang="en-US" sz="800" dirty="0">
-                <a:latin typeface="Courier New" panose="02070309020205020404" pitchFamily="49" charset="0"/>
-                <a:cs typeface="Courier New" panose="02070309020205020404" pitchFamily="49" charset="0"/>
-              </a:rPr>
-              <a:t> = null;</a:t>
-            </a:r>
-          </a:p>
-          <a:p>
-            <a:pPr marL="0" indent="0">
-              <a:spcBef>
-                <a:spcPts val="0"/>
-              </a:spcBef>
-              <a:buNone/>
-            </a:pPr>
-            <a:r>
-              <a:rPr lang="en-US" sz="800" dirty="0" err="1">
-                <a:latin typeface="Courier New" panose="02070309020205020404" pitchFamily="49" charset="0"/>
-                <a:cs typeface="Courier New" panose="02070309020205020404" pitchFamily="49" charset="0"/>
-              </a:rPr>
-              <a:t>boolean</a:t>
-            </a:r>
-            <a:r>
-              <a:rPr lang="en-US" sz="800" dirty="0">
-                <a:latin typeface="Courier New" panose="02070309020205020404" pitchFamily="49" charset="0"/>
-                <a:cs typeface="Courier New" panose="02070309020205020404" pitchFamily="49" charset="0"/>
-              </a:rPr>
-              <a:t> error = false;</a:t>
-            </a:r>
-          </a:p>
-          <a:p>
-            <a:pPr marL="0" indent="0">
-              <a:spcBef>
-                <a:spcPts val="0"/>
-              </a:spcBef>
-              <a:buNone/>
-            </a:pPr>
-            <a:endParaRPr lang="en-US" sz="800" dirty="0">
-              <a:latin typeface="Courier New" panose="02070309020205020404" pitchFamily="49" charset="0"/>
-              <a:cs typeface="Courier New" panose="02070309020205020404" pitchFamily="49" charset="0"/>
-            </a:endParaRPr>
-          </a:p>
-          <a:p>
-            <a:pPr marL="0" indent="0">
-              <a:spcBef>
-                <a:spcPts val="0"/>
-              </a:spcBef>
-              <a:buNone/>
-            </a:pPr>
-            <a:r>
-              <a:rPr lang="en-US" sz="800" dirty="0">
-                <a:latin typeface="Courier New" panose="02070309020205020404" pitchFamily="49" charset="0"/>
-                <a:cs typeface="Courier New" panose="02070309020205020404" pitchFamily="49" charset="0"/>
-              </a:rPr>
-              <a:t>try {</a:t>
-            </a:r>
-          </a:p>
-          <a:p>
-            <a:pPr marL="0" indent="0">
-              <a:spcBef>
-                <a:spcPts val="0"/>
-              </a:spcBef>
-              <a:buNone/>
-            </a:pPr>
-            <a:r>
-              <a:rPr lang="en-US" sz="800" dirty="0">
-                <a:latin typeface="Courier New" panose="02070309020205020404" pitchFamily="49" charset="0"/>
-                <a:cs typeface="Courier New" panose="02070309020205020404" pitchFamily="49" charset="0"/>
-              </a:rPr>
-              <a:t>  conn = </a:t>
-            </a:r>
-            <a:r>
-              <a:rPr lang="en-US" sz="800" dirty="0" err="1">
-                <a:latin typeface="Courier New" panose="02070309020205020404" pitchFamily="49" charset="0"/>
-                <a:cs typeface="Courier New" panose="02070309020205020404" pitchFamily="49" charset="0"/>
-              </a:rPr>
-              <a:t>getConnection</a:t>
-            </a:r>
-            <a:r>
-              <a:rPr lang="en-US" sz="800" dirty="0">
-                <a:latin typeface="Courier New" panose="02070309020205020404" pitchFamily="49" charset="0"/>
-                <a:cs typeface="Courier New" panose="02070309020205020404" pitchFamily="49" charset="0"/>
-              </a:rPr>
-              <a:t>();</a:t>
-            </a:r>
-          </a:p>
-          <a:p>
-            <a:pPr marL="0" indent="0">
-              <a:spcBef>
-                <a:spcPts val="0"/>
-              </a:spcBef>
-              <a:buNone/>
-            </a:pPr>
-            <a:r>
-              <a:rPr lang="en-US" sz="800" dirty="0">
-                <a:latin typeface="Courier New" panose="02070309020205020404" pitchFamily="49" charset="0"/>
-                <a:cs typeface="Courier New" panose="02070309020205020404" pitchFamily="49" charset="0"/>
-              </a:rPr>
-              <a:t>  </a:t>
-            </a:r>
-            <a:r>
-              <a:rPr lang="en-US" sz="800" dirty="0" err="1">
-                <a:latin typeface="Courier New" panose="02070309020205020404" pitchFamily="49" charset="0"/>
-                <a:cs typeface="Courier New" panose="02070309020205020404" pitchFamily="49" charset="0"/>
-              </a:rPr>
-              <a:t>startTransaction</a:t>
-            </a:r>
-            <a:r>
-              <a:rPr lang="en-US" sz="800" dirty="0">
-                <a:latin typeface="Courier New" panose="02070309020205020404" pitchFamily="49" charset="0"/>
-                <a:cs typeface="Courier New" panose="02070309020205020404" pitchFamily="49" charset="0"/>
-              </a:rPr>
-              <a:t>();</a:t>
-            </a:r>
-          </a:p>
-          <a:p>
-            <a:pPr marL="0" indent="0">
-              <a:spcBef>
-                <a:spcPts val="0"/>
-              </a:spcBef>
-              <a:buNone/>
-            </a:pPr>
-            <a:r>
-              <a:rPr lang="en-US" sz="800" dirty="0">
-                <a:latin typeface="Courier New" panose="02070309020205020404" pitchFamily="49" charset="0"/>
-                <a:cs typeface="Courier New" panose="02070309020205020404" pitchFamily="49" charset="0"/>
-              </a:rPr>
-              <a:t>  </a:t>
-            </a:r>
-          </a:p>
-          <a:p>
-            <a:pPr marL="0" indent="0">
-              <a:spcBef>
-                <a:spcPts val="0"/>
-              </a:spcBef>
-              <a:buNone/>
-            </a:pPr>
-            <a:r>
-              <a:rPr lang="en-US" sz="800" dirty="0">
-                <a:latin typeface="Courier New" panose="02070309020205020404" pitchFamily="49" charset="0"/>
-                <a:cs typeface="Courier New" panose="02070309020205020404" pitchFamily="49" charset="0"/>
-              </a:rPr>
-              <a:t>  try {</a:t>
-            </a:r>
-          </a:p>
-          <a:p>
-            <a:pPr marL="0" indent="0">
-              <a:spcBef>
-                <a:spcPts val="0"/>
-              </a:spcBef>
-              <a:buNone/>
-            </a:pPr>
-            <a:r>
-              <a:rPr lang="en-US" sz="800" dirty="0">
-                <a:latin typeface="Courier New" panose="02070309020205020404" pitchFamily="49" charset="0"/>
-                <a:cs typeface="Courier New" panose="02070309020205020404" pitchFamily="49" charset="0"/>
-              </a:rPr>
-              <a:t>    Statement </a:t>
-            </a:r>
-            <a:r>
-              <a:rPr lang="en-US" sz="800" dirty="0" err="1">
-                <a:latin typeface="Courier New" panose="02070309020205020404" pitchFamily="49" charset="0"/>
-                <a:cs typeface="Courier New" panose="02070309020205020404" pitchFamily="49" charset="0"/>
-              </a:rPr>
-              <a:t>stmt</a:t>
-            </a:r>
-            <a:r>
-              <a:rPr lang="en-US" sz="800" dirty="0">
-                <a:latin typeface="Courier New" panose="02070309020205020404" pitchFamily="49" charset="0"/>
-                <a:cs typeface="Courier New" panose="02070309020205020404" pitchFamily="49" charset="0"/>
-              </a:rPr>
-              <a:t> = </a:t>
-            </a:r>
-            <a:r>
-              <a:rPr lang="en-US" sz="800" dirty="0" err="1">
-                <a:latin typeface="Courier New" panose="02070309020205020404" pitchFamily="49" charset="0"/>
-                <a:cs typeface="Courier New" panose="02070309020205020404" pitchFamily="49" charset="0"/>
-              </a:rPr>
-              <a:t>conn.createStatement</a:t>
-            </a:r>
-            <a:r>
-              <a:rPr lang="en-US" sz="800" dirty="0">
-                <a:latin typeface="Courier New" panose="02070309020205020404" pitchFamily="49" charset="0"/>
-                <a:cs typeface="Courier New" panose="02070309020205020404" pitchFamily="49" charset="0"/>
-              </a:rPr>
-              <a:t>(</a:t>
-            </a:r>
-            <a:r>
-              <a:rPr lang="en-US" sz="800" dirty="0" err="1">
-                <a:latin typeface="Courier New" panose="02070309020205020404" pitchFamily="49" charset="0"/>
-                <a:cs typeface="Courier New" panose="02070309020205020404" pitchFamily="49" charset="0"/>
-              </a:rPr>
-              <a:t>sql</a:t>
-            </a:r>
-            <a:r>
-              <a:rPr lang="en-US" sz="800" dirty="0">
-                <a:latin typeface="Courier New" panose="02070309020205020404" pitchFamily="49" charset="0"/>
-                <a:cs typeface="Courier New" panose="02070309020205020404" pitchFamily="49" charset="0"/>
-              </a:rPr>
-              <a:t>);</a:t>
-            </a:r>
-          </a:p>
-          <a:p>
-            <a:pPr marL="0" indent="0">
-              <a:spcBef>
-                <a:spcPts val="0"/>
-              </a:spcBef>
-              <a:buNone/>
-            </a:pPr>
-            <a:r>
-              <a:rPr lang="en-US" sz="800" dirty="0">
-                <a:latin typeface="Courier New" panose="02070309020205020404" pitchFamily="49" charset="0"/>
-                <a:cs typeface="Courier New" panose="02070309020205020404" pitchFamily="49" charset="0"/>
-              </a:rPr>
-              <a:t>    </a:t>
-            </a:r>
-            <a:r>
-              <a:rPr lang="en-US" sz="800" dirty="0" err="1">
-                <a:latin typeface="Courier New" panose="02070309020205020404" pitchFamily="49" charset="0"/>
-                <a:cs typeface="Courier New" panose="02070309020205020404" pitchFamily="49" charset="0"/>
-              </a:rPr>
-              <a:t>ResultSet</a:t>
-            </a:r>
-            <a:r>
-              <a:rPr lang="en-US" sz="800" dirty="0">
-                <a:latin typeface="Courier New" panose="02070309020205020404" pitchFamily="49" charset="0"/>
-                <a:cs typeface="Courier New" panose="02070309020205020404" pitchFamily="49" charset="0"/>
-              </a:rPr>
-              <a:t> </a:t>
-            </a:r>
-            <a:r>
-              <a:rPr lang="en-US" sz="800" dirty="0" err="1">
-                <a:latin typeface="Courier New" panose="02070309020205020404" pitchFamily="49" charset="0"/>
-                <a:cs typeface="Courier New" panose="02070309020205020404" pitchFamily="49" charset="0"/>
-              </a:rPr>
-              <a:t>rs</a:t>
-            </a:r>
-            <a:r>
-              <a:rPr lang="en-US" sz="800" dirty="0">
-                <a:latin typeface="Courier New" panose="02070309020205020404" pitchFamily="49" charset="0"/>
-                <a:cs typeface="Courier New" panose="02070309020205020404" pitchFamily="49" charset="0"/>
-              </a:rPr>
-              <a:t> = </a:t>
-            </a:r>
-            <a:r>
-              <a:rPr lang="en-US" sz="800" dirty="0" err="1">
-                <a:latin typeface="Courier New" panose="02070309020205020404" pitchFamily="49" charset="0"/>
-                <a:cs typeface="Courier New" panose="02070309020205020404" pitchFamily="49" charset="0"/>
-              </a:rPr>
-              <a:t>stmt.executeQuery</a:t>
-            </a:r>
-            <a:r>
-              <a:rPr lang="en-US" sz="800" dirty="0">
-                <a:latin typeface="Courier New" panose="02070309020205020404" pitchFamily="49" charset="0"/>
-                <a:cs typeface="Courier New" panose="02070309020205020404" pitchFamily="49" charset="0"/>
-              </a:rPr>
-              <a:t>();</a:t>
-            </a:r>
-          </a:p>
-          <a:p>
-            <a:pPr marL="0" indent="0">
-              <a:spcBef>
-                <a:spcPts val="0"/>
-              </a:spcBef>
-              <a:buNone/>
-            </a:pPr>
-            <a:endParaRPr lang="en-US" sz="800" dirty="0">
-              <a:latin typeface="Courier New" panose="02070309020205020404" pitchFamily="49" charset="0"/>
-              <a:cs typeface="Courier New" panose="02070309020205020404" pitchFamily="49" charset="0"/>
-            </a:endParaRPr>
-          </a:p>
-          <a:p>
-            <a:pPr marL="0" indent="0">
-              <a:spcBef>
-                <a:spcPts val="0"/>
-              </a:spcBef>
-              <a:buNone/>
-            </a:pPr>
-            <a:r>
-              <a:rPr lang="en-US" sz="800" dirty="0">
-                <a:latin typeface="Courier New" panose="02070309020205020404" pitchFamily="49" charset="0"/>
-                <a:cs typeface="Courier New" panose="02070309020205020404" pitchFamily="49" charset="0"/>
-              </a:rPr>
-              <a:t>    while(</a:t>
-            </a:r>
-            <a:r>
-              <a:rPr lang="en-US" sz="800" dirty="0" err="1">
-                <a:latin typeface="Courier New" panose="02070309020205020404" pitchFamily="49" charset="0"/>
-                <a:cs typeface="Courier New" panose="02070309020205020404" pitchFamily="49" charset="0"/>
-              </a:rPr>
-              <a:t>rs.next</a:t>
-            </a:r>
-            <a:r>
-              <a:rPr lang="en-US" sz="800" dirty="0">
-                <a:latin typeface="Courier New" panose="02070309020205020404" pitchFamily="49" charset="0"/>
-                <a:cs typeface="Courier New" panose="02070309020205020404" pitchFamily="49" charset="0"/>
-              </a:rPr>
-              <a:t>()) {</a:t>
-            </a:r>
-          </a:p>
-          <a:p>
-            <a:pPr marL="0" indent="0">
-              <a:spcBef>
-                <a:spcPts val="0"/>
-              </a:spcBef>
-              <a:buNone/>
-            </a:pPr>
-            <a:r>
-              <a:rPr lang="en-US" sz="800" dirty="0">
-                <a:latin typeface="Courier New" panose="02070309020205020404" pitchFamily="49" charset="0"/>
-                <a:cs typeface="Courier New" panose="02070309020205020404" pitchFamily="49" charset="0"/>
-              </a:rPr>
-              <a:t>      // ...</a:t>
-            </a:r>
-          </a:p>
-          <a:p>
-            <a:pPr marL="0" indent="0">
-              <a:spcBef>
-                <a:spcPts val="0"/>
-              </a:spcBef>
-              <a:buNone/>
-            </a:pPr>
-            <a:r>
-              <a:rPr lang="en-US" sz="800" dirty="0">
-                <a:latin typeface="Courier New" panose="02070309020205020404" pitchFamily="49" charset="0"/>
-                <a:cs typeface="Courier New" panose="02070309020205020404" pitchFamily="49" charset="0"/>
-              </a:rPr>
-              <a:t>    }</a:t>
-            </a:r>
-          </a:p>
-          <a:p>
-            <a:pPr marL="0" indent="0">
-              <a:spcBef>
-                <a:spcPts val="0"/>
-              </a:spcBef>
-              <a:buNone/>
-            </a:pPr>
-            <a:endParaRPr lang="en-US" sz="800" dirty="0">
-              <a:latin typeface="Courier New" panose="02070309020205020404" pitchFamily="49" charset="0"/>
-              <a:cs typeface="Courier New" panose="02070309020205020404" pitchFamily="49" charset="0"/>
-            </a:endParaRPr>
-          </a:p>
-          <a:p>
-            <a:pPr marL="0" indent="0">
-              <a:spcBef>
-                <a:spcPts val="0"/>
-              </a:spcBef>
-              <a:buNone/>
-            </a:pPr>
-            <a:r>
-              <a:rPr lang="en-US" sz="800" dirty="0">
-                <a:latin typeface="Courier New" panose="02070309020205020404" pitchFamily="49" charset="0"/>
-                <a:cs typeface="Courier New" panose="02070309020205020404" pitchFamily="49" charset="0"/>
-              </a:rPr>
-              <a:t>    </a:t>
-            </a:r>
-            <a:r>
-              <a:rPr lang="en-US" sz="800" dirty="0" err="1">
-                <a:latin typeface="Courier New" panose="02070309020205020404" pitchFamily="49" charset="0"/>
-                <a:cs typeface="Courier New" panose="02070309020205020404" pitchFamily="49" charset="0"/>
-              </a:rPr>
-              <a:t>commitTransaction</a:t>
-            </a:r>
-            <a:r>
-              <a:rPr lang="en-US" sz="800" dirty="0">
-                <a:latin typeface="Courier New" panose="02070309020205020404" pitchFamily="49" charset="0"/>
-                <a:cs typeface="Courier New" panose="02070309020205020404" pitchFamily="49" charset="0"/>
-              </a:rPr>
-              <a:t>();</a:t>
-            </a:r>
-          </a:p>
-          <a:p>
-            <a:pPr marL="0" indent="0">
-              <a:spcBef>
-                <a:spcPts val="0"/>
-              </a:spcBef>
-              <a:buNone/>
-            </a:pPr>
-            <a:r>
-              <a:rPr lang="en-US" sz="800" dirty="0">
-                <a:latin typeface="Courier New" panose="02070309020205020404" pitchFamily="49" charset="0"/>
-                <a:cs typeface="Courier New" panose="02070309020205020404" pitchFamily="49" charset="0"/>
-              </a:rPr>
-              <a:t>  }</a:t>
-            </a:r>
-          </a:p>
-          <a:p>
-            <a:pPr marL="0" indent="0">
-              <a:spcBef>
-                <a:spcPts val="0"/>
-              </a:spcBef>
-              <a:buNone/>
-            </a:pPr>
-            <a:r>
-              <a:rPr lang="en-US" sz="800" dirty="0">
-                <a:latin typeface="Courier New" panose="02070309020205020404" pitchFamily="49" charset="0"/>
-                <a:cs typeface="Courier New" panose="02070309020205020404" pitchFamily="49" charset="0"/>
-              </a:rPr>
-              <a:t>  catch(Exception e) {</a:t>
-            </a:r>
-          </a:p>
-          <a:p>
-            <a:pPr marL="0" indent="0">
-              <a:spcBef>
-                <a:spcPts val="0"/>
-              </a:spcBef>
-              <a:buNone/>
-            </a:pPr>
-            <a:r>
-              <a:rPr lang="en-US" sz="800" dirty="0">
-                <a:latin typeface="Courier New" panose="02070309020205020404" pitchFamily="49" charset="0"/>
-                <a:cs typeface="Courier New" panose="02070309020205020404" pitchFamily="49" charset="0"/>
-              </a:rPr>
-              <a:t>    </a:t>
-            </a:r>
-            <a:r>
-              <a:rPr lang="en-US" sz="800" dirty="0" err="1">
-                <a:latin typeface="Courier New" panose="02070309020205020404" pitchFamily="49" charset="0"/>
-                <a:cs typeface="Courier New" panose="02070309020205020404" pitchFamily="49" charset="0"/>
-              </a:rPr>
-              <a:t>rollbackTransaction</a:t>
-            </a:r>
-            <a:r>
-              <a:rPr lang="en-US" sz="800" dirty="0">
-                <a:latin typeface="Courier New" panose="02070309020205020404" pitchFamily="49" charset="0"/>
-                <a:cs typeface="Courier New" panose="02070309020205020404" pitchFamily="49" charset="0"/>
-              </a:rPr>
-              <a:t>();</a:t>
-            </a:r>
-          </a:p>
-          <a:p>
-            <a:pPr marL="0" indent="0">
-              <a:spcBef>
-                <a:spcPts val="0"/>
-              </a:spcBef>
-              <a:buNone/>
-            </a:pPr>
-            <a:r>
-              <a:rPr lang="en-US" sz="800" dirty="0">
-                <a:latin typeface="Courier New" panose="02070309020205020404" pitchFamily="49" charset="0"/>
-                <a:cs typeface="Courier New" panose="02070309020205020404" pitchFamily="49" charset="0"/>
-              </a:rPr>
-              <a:t>    error = true;</a:t>
-            </a:r>
-          </a:p>
-          <a:p>
-            <a:pPr marL="0" indent="0">
-              <a:spcBef>
-                <a:spcPts val="0"/>
-              </a:spcBef>
-              <a:buNone/>
-            </a:pPr>
-            <a:r>
-              <a:rPr lang="en-US" sz="800" dirty="0">
-                <a:latin typeface="Courier New" panose="02070309020205020404" pitchFamily="49" charset="0"/>
-                <a:cs typeface="Courier New" panose="02070309020205020404" pitchFamily="49" charset="0"/>
-              </a:rPr>
-              <a:t>  }</a:t>
-            </a:r>
-          </a:p>
-          <a:p>
-            <a:pPr marL="0" indent="0">
-              <a:spcBef>
-                <a:spcPts val="0"/>
-              </a:spcBef>
-              <a:buNone/>
-            </a:pPr>
-            <a:r>
-              <a:rPr lang="en-US" sz="800" dirty="0">
-                <a:latin typeface="Courier New" panose="02070309020205020404" pitchFamily="49" charset="0"/>
-                <a:cs typeface="Courier New" panose="02070309020205020404" pitchFamily="49" charset="0"/>
-              </a:rPr>
-              <a:t>}</a:t>
-            </a:r>
-          </a:p>
-          <a:p>
-            <a:pPr marL="0" indent="0">
-              <a:spcBef>
-                <a:spcPts val="0"/>
-              </a:spcBef>
-              <a:buNone/>
-            </a:pPr>
-            <a:r>
-              <a:rPr lang="en-US" sz="800" dirty="0">
-                <a:latin typeface="Courier New" panose="02070309020205020404" pitchFamily="49" charset="0"/>
-                <a:cs typeface="Courier New" panose="02070309020205020404" pitchFamily="49" charset="0"/>
-              </a:rPr>
-              <a:t>catch(</a:t>
-            </a:r>
-            <a:r>
-              <a:rPr lang="en-US" sz="800" dirty="0" err="1">
-                <a:latin typeface="Courier New" panose="02070309020205020404" pitchFamily="49" charset="0"/>
-                <a:cs typeface="Courier New" panose="02070309020205020404" pitchFamily="49" charset="0"/>
-              </a:rPr>
-              <a:t>SQLException</a:t>
-            </a:r>
-            <a:r>
-              <a:rPr lang="en-US" sz="800" dirty="0">
-                <a:latin typeface="Courier New" panose="02070309020205020404" pitchFamily="49" charset="0"/>
-                <a:cs typeface="Courier New" panose="02070309020205020404" pitchFamily="49" charset="0"/>
-              </a:rPr>
-              <a:t> e) {</a:t>
-            </a:r>
-          </a:p>
-          <a:p>
-            <a:pPr marL="0" indent="0">
-              <a:spcBef>
-                <a:spcPts val="0"/>
-              </a:spcBef>
-              <a:buNone/>
-            </a:pPr>
-            <a:r>
-              <a:rPr lang="en-US" sz="800" dirty="0">
-                <a:latin typeface="Courier New" panose="02070309020205020404" pitchFamily="49" charset="0"/>
-                <a:cs typeface="Courier New" panose="02070309020205020404" pitchFamily="49" charset="0"/>
-              </a:rPr>
-              <a:t>  error = true;</a:t>
-            </a:r>
-          </a:p>
-          <a:p>
-            <a:pPr marL="0" indent="0">
-              <a:spcBef>
-                <a:spcPts val="0"/>
-              </a:spcBef>
-              <a:buNone/>
-            </a:pPr>
-            <a:r>
-              <a:rPr lang="en-US" sz="800" dirty="0">
-                <a:latin typeface="Courier New" panose="02070309020205020404" pitchFamily="49" charset="0"/>
-                <a:cs typeface="Courier New" panose="02070309020205020404" pitchFamily="49" charset="0"/>
-              </a:rPr>
-              <a:t>}</a:t>
-            </a:r>
-          </a:p>
-          <a:p>
-            <a:pPr marL="0" indent="0">
-              <a:spcBef>
-                <a:spcPts val="0"/>
-              </a:spcBef>
-              <a:buNone/>
-            </a:pPr>
-            <a:r>
-              <a:rPr lang="en-US" sz="800" dirty="0">
-                <a:latin typeface="Courier New" panose="02070309020205020404" pitchFamily="49" charset="0"/>
-                <a:cs typeface="Courier New" panose="02070309020205020404" pitchFamily="49" charset="0"/>
-              </a:rPr>
-              <a:t>finally {</a:t>
-            </a:r>
-          </a:p>
-          <a:p>
-            <a:pPr marL="0" indent="0">
-              <a:spcBef>
-                <a:spcPts val="0"/>
-              </a:spcBef>
-              <a:buNone/>
-            </a:pPr>
-            <a:r>
-              <a:rPr lang="en-US" sz="800" dirty="0">
-                <a:latin typeface="Courier New" panose="02070309020205020404" pitchFamily="49" charset="0"/>
-                <a:cs typeface="Courier New" panose="02070309020205020404" pitchFamily="49" charset="0"/>
-              </a:rPr>
-              <a:t>  if(</a:t>
-            </a:r>
-            <a:r>
-              <a:rPr lang="en-US" sz="800" dirty="0" err="1">
-                <a:latin typeface="Courier New" panose="02070309020205020404" pitchFamily="49" charset="0"/>
-                <a:cs typeface="Courier New" panose="02070309020205020404" pitchFamily="49" charset="0"/>
-              </a:rPr>
-              <a:t>rs</a:t>
-            </a:r>
-            <a:r>
-              <a:rPr lang="en-US" sz="800" dirty="0">
-                <a:latin typeface="Courier New" panose="02070309020205020404" pitchFamily="49" charset="0"/>
-                <a:cs typeface="Courier New" panose="02070309020205020404" pitchFamily="49" charset="0"/>
-              </a:rPr>
-              <a:t> != null) {</a:t>
-            </a:r>
-          </a:p>
-          <a:p>
-            <a:pPr marL="0" indent="0">
-              <a:spcBef>
-                <a:spcPts val="0"/>
-              </a:spcBef>
-              <a:buNone/>
-            </a:pPr>
-            <a:r>
-              <a:rPr lang="en-US" sz="800" dirty="0">
-                <a:latin typeface="Courier New" panose="02070309020205020404" pitchFamily="49" charset="0"/>
-                <a:cs typeface="Courier New" panose="02070309020205020404" pitchFamily="49" charset="0"/>
-              </a:rPr>
-              <a:t>    try {</a:t>
-            </a:r>
-          </a:p>
-          <a:p>
-            <a:pPr marL="0" indent="0">
-              <a:spcBef>
-                <a:spcPts val="0"/>
-              </a:spcBef>
-              <a:buNone/>
-            </a:pPr>
-            <a:r>
-              <a:rPr lang="en-US" sz="800" dirty="0">
-                <a:latin typeface="Courier New" panose="02070309020205020404" pitchFamily="49" charset="0"/>
-                <a:cs typeface="Courier New" panose="02070309020205020404" pitchFamily="49" charset="0"/>
-              </a:rPr>
-              <a:t>      </a:t>
-            </a:r>
-            <a:r>
-              <a:rPr lang="en-US" sz="800" dirty="0" err="1">
-                <a:latin typeface="Courier New" panose="02070309020205020404" pitchFamily="49" charset="0"/>
-                <a:cs typeface="Courier New" panose="02070309020205020404" pitchFamily="49" charset="0"/>
-              </a:rPr>
-              <a:t>rs.close</a:t>
-            </a:r>
-            <a:r>
-              <a:rPr lang="en-US" sz="800" dirty="0">
-                <a:latin typeface="Courier New" panose="02070309020205020404" pitchFamily="49" charset="0"/>
-                <a:cs typeface="Courier New" panose="02070309020205020404" pitchFamily="49" charset="0"/>
-              </a:rPr>
-              <a:t>();</a:t>
-            </a:r>
-          </a:p>
-          <a:p>
-            <a:pPr marL="0" indent="0">
-              <a:spcBef>
-                <a:spcPts val="0"/>
-              </a:spcBef>
-              <a:buNone/>
-            </a:pPr>
-            <a:r>
-              <a:rPr lang="en-US" sz="800" dirty="0">
-                <a:latin typeface="Courier New" panose="02070309020205020404" pitchFamily="49" charset="0"/>
-                <a:cs typeface="Courier New" panose="02070309020205020404" pitchFamily="49" charset="0"/>
-              </a:rPr>
-              <a:t>    }</a:t>
-            </a:r>
-          </a:p>
-          <a:p>
-            <a:pPr marL="0" indent="0">
-              <a:spcBef>
-                <a:spcPts val="0"/>
-              </a:spcBef>
-              <a:buNone/>
-            </a:pPr>
-            <a:r>
-              <a:rPr lang="en-US" sz="800" dirty="0">
-                <a:latin typeface="Courier New" panose="02070309020205020404" pitchFamily="49" charset="0"/>
-                <a:cs typeface="Courier New" panose="02070309020205020404" pitchFamily="49" charset="0"/>
-              </a:rPr>
-              <a:t>    catch(Exception e) {</a:t>
-            </a:r>
-          </a:p>
-          <a:p>
-            <a:pPr marL="0" indent="0">
-              <a:spcBef>
-                <a:spcPts val="0"/>
-              </a:spcBef>
-              <a:buNone/>
-            </a:pPr>
-            <a:r>
-              <a:rPr lang="en-US" sz="800" dirty="0">
-                <a:latin typeface="Courier New" panose="02070309020205020404" pitchFamily="49" charset="0"/>
-                <a:cs typeface="Courier New" panose="02070309020205020404" pitchFamily="49" charset="0"/>
-              </a:rPr>
-              <a:t>      error = true;</a:t>
-            </a:r>
-          </a:p>
-          <a:p>
-            <a:pPr marL="0" indent="0">
-              <a:spcBef>
-                <a:spcPts val="0"/>
-              </a:spcBef>
-              <a:buNone/>
-            </a:pPr>
-            <a:r>
-              <a:rPr lang="en-US" sz="800" dirty="0">
-                <a:latin typeface="Courier New" panose="02070309020205020404" pitchFamily="49" charset="0"/>
-                <a:cs typeface="Courier New" panose="02070309020205020404" pitchFamily="49" charset="0"/>
-              </a:rPr>
-              <a:t>    }</a:t>
-            </a:r>
-          </a:p>
-          <a:p>
-            <a:pPr marL="0" indent="0">
-              <a:spcBef>
-                <a:spcPts val="0"/>
-              </a:spcBef>
-              <a:buNone/>
-            </a:pPr>
-            <a:r>
-              <a:rPr lang="en-US" sz="800" dirty="0">
-                <a:latin typeface="Courier New" panose="02070309020205020404" pitchFamily="49" charset="0"/>
-                <a:cs typeface="Courier New" panose="02070309020205020404" pitchFamily="49" charset="0"/>
-              </a:rPr>
-              <a:t>  }</a:t>
-            </a:r>
-          </a:p>
-          <a:p>
-            <a:pPr marL="0" indent="0">
-              <a:spcBef>
-                <a:spcPts val="0"/>
-              </a:spcBef>
-              <a:buNone/>
-            </a:pPr>
-            <a:endParaRPr lang="en-US" sz="800" dirty="0">
-              <a:latin typeface="Courier New" panose="02070309020205020404" pitchFamily="49" charset="0"/>
-              <a:cs typeface="Courier New" panose="02070309020205020404" pitchFamily="49" charset="0"/>
-            </a:endParaRPr>
-          </a:p>
-          <a:p>
-            <a:pPr marL="0" indent="0">
-              <a:spcBef>
-                <a:spcPts val="0"/>
-              </a:spcBef>
-              <a:buNone/>
-            </a:pPr>
-            <a:r>
-              <a:rPr lang="en-US" sz="800" dirty="0">
-                <a:latin typeface="Courier New" panose="02070309020205020404" pitchFamily="49" charset="0"/>
-                <a:cs typeface="Courier New" panose="02070309020205020404" pitchFamily="49" charset="0"/>
-              </a:rPr>
-              <a:t>  if(</a:t>
-            </a:r>
-            <a:r>
-              <a:rPr lang="en-US" sz="800" dirty="0" err="1">
-                <a:latin typeface="Courier New" panose="02070309020205020404" pitchFamily="49" charset="0"/>
-                <a:cs typeface="Courier New" panose="02070309020205020404" pitchFamily="49" charset="0"/>
-              </a:rPr>
-              <a:t>stmt</a:t>
-            </a:r>
-            <a:r>
-              <a:rPr lang="en-US" sz="800" dirty="0">
-                <a:latin typeface="Courier New" panose="02070309020205020404" pitchFamily="49" charset="0"/>
-                <a:cs typeface="Courier New" panose="02070309020205020404" pitchFamily="49" charset="0"/>
-              </a:rPr>
-              <a:t> != null) {</a:t>
-            </a:r>
-          </a:p>
-          <a:p>
-            <a:pPr marL="0" indent="0">
-              <a:spcBef>
-                <a:spcPts val="0"/>
-              </a:spcBef>
-              <a:buNone/>
-            </a:pPr>
-            <a:r>
-              <a:rPr lang="en-US" sz="800" dirty="0">
-                <a:latin typeface="Courier New" panose="02070309020205020404" pitchFamily="49" charset="0"/>
-                <a:cs typeface="Courier New" panose="02070309020205020404" pitchFamily="49" charset="0"/>
-              </a:rPr>
-              <a:t>    try {</a:t>
-            </a:r>
-          </a:p>
-          <a:p>
-            <a:pPr marL="0" indent="0">
-              <a:spcBef>
-                <a:spcPts val="0"/>
-              </a:spcBef>
-              <a:buNone/>
-            </a:pPr>
-            <a:r>
-              <a:rPr lang="en-US" sz="800" dirty="0">
-                <a:latin typeface="Courier New" panose="02070309020205020404" pitchFamily="49" charset="0"/>
-                <a:cs typeface="Courier New" panose="02070309020205020404" pitchFamily="49" charset="0"/>
-              </a:rPr>
-              <a:t>      </a:t>
-            </a:r>
-            <a:r>
-              <a:rPr lang="en-US" sz="800" dirty="0" err="1">
-                <a:latin typeface="Courier New" panose="02070309020205020404" pitchFamily="49" charset="0"/>
-                <a:cs typeface="Courier New" panose="02070309020205020404" pitchFamily="49" charset="0"/>
-              </a:rPr>
-              <a:t>stmt.close</a:t>
-            </a:r>
-            <a:r>
-              <a:rPr lang="en-US" sz="800" dirty="0">
-                <a:latin typeface="Courier New" panose="02070309020205020404" pitchFamily="49" charset="0"/>
-                <a:cs typeface="Courier New" panose="02070309020205020404" pitchFamily="49" charset="0"/>
-              </a:rPr>
-              <a:t>();</a:t>
-            </a:r>
-          </a:p>
-          <a:p>
-            <a:pPr marL="0" indent="0">
-              <a:spcBef>
-                <a:spcPts val="0"/>
-              </a:spcBef>
-              <a:buNone/>
-            </a:pPr>
-            <a:r>
-              <a:rPr lang="en-US" sz="800" dirty="0">
-                <a:latin typeface="Courier New" panose="02070309020205020404" pitchFamily="49" charset="0"/>
-                <a:cs typeface="Courier New" panose="02070309020205020404" pitchFamily="49" charset="0"/>
-              </a:rPr>
-              <a:t>    }</a:t>
-            </a:r>
-          </a:p>
-          <a:p>
-            <a:pPr marL="0" indent="0">
-              <a:spcBef>
-                <a:spcPts val="0"/>
-              </a:spcBef>
-              <a:buNone/>
-            </a:pPr>
-            <a:r>
-              <a:rPr lang="en-US" sz="800" dirty="0">
-                <a:latin typeface="Courier New" panose="02070309020205020404" pitchFamily="49" charset="0"/>
-                <a:cs typeface="Courier New" panose="02070309020205020404" pitchFamily="49" charset="0"/>
-              </a:rPr>
-              <a:t>    catch(Exception e) {</a:t>
-            </a:r>
-          </a:p>
-          <a:p>
-            <a:pPr marL="0" indent="0">
-              <a:spcBef>
-                <a:spcPts val="0"/>
-              </a:spcBef>
-              <a:buNone/>
-            </a:pPr>
-            <a:r>
-              <a:rPr lang="en-US" sz="800" dirty="0">
-                <a:latin typeface="Courier New" panose="02070309020205020404" pitchFamily="49" charset="0"/>
-                <a:cs typeface="Courier New" panose="02070309020205020404" pitchFamily="49" charset="0"/>
-              </a:rPr>
-              <a:t>      error = true;</a:t>
-            </a:r>
-          </a:p>
-          <a:p>
-            <a:pPr marL="0" indent="0">
-              <a:spcBef>
-                <a:spcPts val="0"/>
-              </a:spcBef>
-              <a:buNone/>
-            </a:pPr>
-            <a:r>
-              <a:rPr lang="en-US" sz="800" dirty="0">
-                <a:latin typeface="Courier New" panose="02070309020205020404" pitchFamily="49" charset="0"/>
-                <a:cs typeface="Courier New" panose="02070309020205020404" pitchFamily="49" charset="0"/>
-              </a:rPr>
-              <a:t>    }</a:t>
-            </a:r>
-          </a:p>
-          <a:p>
-            <a:pPr marL="0" indent="0">
-              <a:spcBef>
-                <a:spcPts val="0"/>
-              </a:spcBef>
-              <a:buNone/>
-            </a:pPr>
-            <a:r>
-              <a:rPr lang="en-US" sz="800" dirty="0">
-                <a:latin typeface="Courier New" panose="02070309020205020404" pitchFamily="49" charset="0"/>
-                <a:cs typeface="Courier New" panose="02070309020205020404" pitchFamily="49" charset="0"/>
-              </a:rPr>
-              <a:t>  }</a:t>
-            </a:r>
-          </a:p>
-          <a:p>
-            <a:pPr marL="0" indent="0">
-              <a:spcBef>
-                <a:spcPts val="0"/>
-              </a:spcBef>
-              <a:buNone/>
-            </a:pPr>
-            <a:endParaRPr lang="en-US" sz="800" dirty="0">
-              <a:latin typeface="Courier New" panose="02070309020205020404" pitchFamily="49" charset="0"/>
-              <a:cs typeface="Courier New" panose="02070309020205020404" pitchFamily="49" charset="0"/>
-            </a:endParaRPr>
-          </a:p>
-          <a:p>
-            <a:pPr marL="0" indent="0">
-              <a:spcBef>
-                <a:spcPts val="0"/>
-              </a:spcBef>
-              <a:buNone/>
-            </a:pPr>
-            <a:r>
-              <a:rPr lang="en-US" sz="800" dirty="0">
-                <a:latin typeface="Courier New" panose="02070309020205020404" pitchFamily="49" charset="0"/>
-                <a:cs typeface="Courier New" panose="02070309020205020404" pitchFamily="49" charset="0"/>
-              </a:rPr>
-              <a:t>  if(conn != null) {</a:t>
-            </a:r>
-          </a:p>
-          <a:p>
-            <a:pPr marL="0" indent="0">
-              <a:spcBef>
-                <a:spcPts val="0"/>
-              </a:spcBef>
-              <a:buNone/>
-            </a:pPr>
-            <a:r>
-              <a:rPr lang="en-US" sz="800" dirty="0">
-                <a:latin typeface="Courier New" panose="02070309020205020404" pitchFamily="49" charset="0"/>
-                <a:cs typeface="Courier New" panose="02070309020205020404" pitchFamily="49" charset="0"/>
-              </a:rPr>
-              <a:t>    try {</a:t>
-            </a:r>
-          </a:p>
-          <a:p>
-            <a:pPr marL="0" indent="0">
-              <a:spcBef>
-                <a:spcPts val="0"/>
-              </a:spcBef>
-              <a:buNone/>
-            </a:pPr>
-            <a:r>
-              <a:rPr lang="en-US" sz="800" dirty="0">
-                <a:latin typeface="Courier New" panose="02070309020205020404" pitchFamily="49" charset="0"/>
-                <a:cs typeface="Courier New" panose="02070309020205020404" pitchFamily="49" charset="0"/>
-              </a:rPr>
-              <a:t>      </a:t>
-            </a:r>
-            <a:r>
-              <a:rPr lang="en-US" sz="800" dirty="0" err="1">
-                <a:latin typeface="Courier New" panose="02070309020205020404" pitchFamily="49" charset="0"/>
-                <a:cs typeface="Courier New" panose="02070309020205020404" pitchFamily="49" charset="0"/>
-              </a:rPr>
-              <a:t>conn.close</a:t>
-            </a:r>
-            <a:r>
-              <a:rPr lang="en-US" sz="800" dirty="0">
-                <a:latin typeface="Courier New" panose="02070309020205020404" pitchFamily="49" charset="0"/>
-                <a:cs typeface="Courier New" panose="02070309020205020404" pitchFamily="49" charset="0"/>
-              </a:rPr>
-              <a:t>();</a:t>
-            </a:r>
-          </a:p>
-          <a:p>
-            <a:pPr marL="0" indent="0">
-              <a:spcBef>
-                <a:spcPts val="0"/>
-              </a:spcBef>
-              <a:buNone/>
-            </a:pPr>
-            <a:r>
-              <a:rPr lang="en-US" sz="800" dirty="0">
-                <a:latin typeface="Courier New" panose="02070309020205020404" pitchFamily="49" charset="0"/>
-                <a:cs typeface="Courier New" panose="02070309020205020404" pitchFamily="49" charset="0"/>
-              </a:rPr>
-              <a:t>    }</a:t>
-            </a:r>
-          </a:p>
-          <a:p>
-            <a:pPr marL="0" indent="0">
-              <a:spcBef>
-                <a:spcPts val="0"/>
-              </a:spcBef>
-              <a:buNone/>
-            </a:pPr>
-            <a:r>
-              <a:rPr lang="en-US" sz="800" dirty="0">
-                <a:latin typeface="Courier New" panose="02070309020205020404" pitchFamily="49" charset="0"/>
-                <a:cs typeface="Courier New" panose="02070309020205020404" pitchFamily="49" charset="0"/>
-              </a:rPr>
-              <a:t>    catch(Exception e) {</a:t>
-            </a:r>
-          </a:p>
-          <a:p>
-            <a:pPr marL="0" indent="0">
-              <a:spcBef>
-                <a:spcPts val="0"/>
-              </a:spcBef>
-              <a:buNone/>
-            </a:pPr>
-            <a:r>
-              <a:rPr lang="en-US" sz="800" dirty="0">
-                <a:latin typeface="Courier New" panose="02070309020205020404" pitchFamily="49" charset="0"/>
-                <a:cs typeface="Courier New" panose="02070309020205020404" pitchFamily="49" charset="0"/>
-              </a:rPr>
-              <a:t>      error = true;</a:t>
-            </a:r>
-          </a:p>
-          <a:p>
-            <a:pPr marL="0" indent="0">
-              <a:spcBef>
-                <a:spcPts val="0"/>
-              </a:spcBef>
-              <a:buNone/>
-            </a:pPr>
-            <a:r>
-              <a:rPr lang="en-US" sz="800" dirty="0">
-                <a:latin typeface="Courier New" panose="02070309020205020404" pitchFamily="49" charset="0"/>
-                <a:cs typeface="Courier New" panose="02070309020205020404" pitchFamily="49" charset="0"/>
-              </a:rPr>
-              <a:t>    }</a:t>
-            </a:r>
-          </a:p>
-          <a:p>
-            <a:pPr marL="0" indent="0">
-              <a:spcBef>
-                <a:spcPts val="0"/>
-              </a:spcBef>
-              <a:buNone/>
-            </a:pPr>
-            <a:r>
-              <a:rPr lang="en-US" sz="800" dirty="0">
-                <a:latin typeface="Courier New" panose="02070309020205020404" pitchFamily="49" charset="0"/>
-                <a:cs typeface="Courier New" panose="02070309020205020404" pitchFamily="49" charset="0"/>
-              </a:rPr>
-              <a:t>  }</a:t>
-            </a:r>
-          </a:p>
-          <a:p>
-            <a:pPr marL="0" indent="0">
-              <a:spcBef>
-                <a:spcPts val="0"/>
-              </a:spcBef>
-              <a:buNone/>
-            </a:pPr>
-            <a:r>
-              <a:rPr lang="en-US" sz="800" dirty="0">
-                <a:latin typeface="Courier New" panose="02070309020205020404" pitchFamily="49" charset="0"/>
-                <a:cs typeface="Courier New" panose="02070309020205020404" pitchFamily="49" charset="0"/>
-              </a:rPr>
-              <a:t>}</a:t>
-            </a:r>
-          </a:p>
-          <a:p>
-            <a:pPr marL="0" indent="0">
-              <a:spcBef>
-                <a:spcPts val="0"/>
-              </a:spcBef>
-              <a:buNone/>
-            </a:pPr>
-            <a:endParaRPr lang="en-US" sz="800" dirty="0">
-              <a:latin typeface="Courier New" panose="02070309020205020404" pitchFamily="49" charset="0"/>
-              <a:cs typeface="Courier New" panose="02070309020205020404" pitchFamily="49" charset="0"/>
-            </a:endParaRPr>
-          </a:p>
-          <a:p>
-            <a:pPr marL="0" indent="0">
-              <a:spcBef>
-                <a:spcPts val="0"/>
-              </a:spcBef>
-              <a:buNone/>
-            </a:pPr>
-            <a:r>
-              <a:rPr lang="en-US" sz="800">
-                <a:latin typeface="Courier New" panose="02070309020205020404" pitchFamily="49" charset="0"/>
-                <a:cs typeface="Courier New" panose="02070309020205020404" pitchFamily="49" charset="0"/>
-              </a:rPr>
-              <a:t>if(error) </a:t>
-            </a:r>
-            <a:r>
-              <a:rPr lang="en-US" sz="800" dirty="0">
-                <a:latin typeface="Courier New" panose="02070309020205020404" pitchFamily="49" charset="0"/>
-                <a:cs typeface="Courier New" panose="02070309020205020404" pitchFamily="49" charset="0"/>
-              </a:rPr>
-              <a:t>{</a:t>
-            </a:r>
-          </a:p>
-          <a:p>
-            <a:pPr marL="0" indent="0">
-              <a:spcBef>
-                <a:spcPts val="0"/>
-              </a:spcBef>
-              <a:buNone/>
-            </a:pPr>
-            <a:r>
-              <a:rPr lang="en-US" sz="800" dirty="0">
-                <a:latin typeface="Courier New" panose="02070309020205020404" pitchFamily="49" charset="0"/>
-                <a:cs typeface="Courier New" panose="02070309020205020404" pitchFamily="49" charset="0"/>
-              </a:rPr>
-              <a:t>  throw new </a:t>
-            </a:r>
-            <a:r>
-              <a:rPr lang="en-US" sz="800" dirty="0" err="1">
-                <a:latin typeface="Courier New" panose="02070309020205020404" pitchFamily="49" charset="0"/>
-                <a:cs typeface="Courier New" panose="02070309020205020404" pitchFamily="49" charset="0"/>
-              </a:rPr>
-              <a:t>RuntimeException</a:t>
-            </a:r>
-            <a:r>
-              <a:rPr lang="en-US" sz="800" dirty="0">
-                <a:latin typeface="Courier New" panose="02070309020205020404" pitchFamily="49" charset="0"/>
-                <a:cs typeface="Courier New" panose="02070309020205020404" pitchFamily="49" charset="0"/>
-              </a:rPr>
-              <a:t>("Resources may have leaked!");</a:t>
-            </a:r>
-          </a:p>
-          <a:p>
-            <a:pPr marL="0" indent="0">
-              <a:spcBef>
-                <a:spcPts val="0"/>
-              </a:spcBef>
-              <a:buNone/>
-            </a:pPr>
-            <a:r>
-              <a:rPr lang="en-US" sz="800" dirty="0">
-                <a:latin typeface="Courier New" panose="02070309020205020404" pitchFamily="49" charset="0"/>
-                <a:cs typeface="Courier New" panose="02070309020205020404" pitchFamily="49" charset="0"/>
-              </a:rPr>
-              <a:t>}</a:t>
+              <a:rPr lang="en-US" dirty="0" err="1"/>
+              <a:t>s</a:t>
+            </a:r>
+            <a:endParaRPr lang="en-US" dirty="0"/>
+          </a:p>
+          <a:p>
+            <a:r>
+              <a:rPr lang="en-US" dirty="0"/>
+              <a:t>This leads to a lot of </a:t>
+            </a:r>
+            <a:r>
+              <a:rPr lang="en-US" dirty="0">
+                <a:solidFill>
+                  <a:srgbClr val="00B0F0"/>
+                </a:solidFill>
+              </a:rPr>
+              <a:t>intricate code</a:t>
+            </a:r>
+          </a:p>
+          <a:p>
+            <a:pPr lvl="1"/>
+            <a:r>
+              <a:rPr lang="en-US" dirty="0"/>
+              <a:t>Easy to leave something out</a:t>
+            </a:r>
+          </a:p>
+          <a:p>
+            <a:pPr lvl="1"/>
+            <a:r>
+              <a:rPr lang="en-US" dirty="0"/>
+              <a:t>Hard to make changes</a:t>
+            </a:r>
+          </a:p>
+          <a:p>
+            <a:pPr lvl="1"/>
+            <a:r>
+              <a:rPr lang="en-US" dirty="0"/>
+              <a:t>Very large methods</a:t>
+            </a:r>
+          </a:p>
+          <a:p>
+            <a:r>
+              <a:rPr lang="en-US" dirty="0"/>
+              <a:t>If you don't do it right you will make a mistake and </a:t>
+            </a:r>
+            <a:r>
+              <a:rPr lang="en-US" dirty="0">
+                <a:solidFill>
+                  <a:srgbClr val="00B0F0"/>
+                </a:solidFill>
+              </a:rPr>
+              <a:t>leak resources</a:t>
+            </a:r>
+          </a:p>
+          <a:p>
+            <a:r>
+              <a:rPr lang="en-US" dirty="0"/>
+              <a:t>It's </a:t>
+            </a:r>
+            <a:r>
+              <a:rPr lang="en-US" dirty="0">
+                <a:solidFill>
+                  <a:srgbClr val="00B0F0"/>
+                </a:solidFill>
+              </a:rPr>
+              <a:t>easy</a:t>
+            </a:r>
+            <a:r>
+              <a:rPr lang="en-US" dirty="0"/>
+              <a:t> to make a mistake!</a:t>
             </a:r>
           </a:p>
         </p:txBody>
@@ -7489,7 +6878,7 @@
     </p:spTree>
     <p:extLst>
       <p:ext uri="{BB962C8B-B14F-4D97-AF65-F5344CB8AC3E}">
-        <p14:creationId xmlns:p14="http://schemas.microsoft.com/office/powerpoint/2010/main" val="401835362"/>
+        <p14:creationId xmlns:p14="http://schemas.microsoft.com/office/powerpoint/2010/main" val="36490458"/>
       </p:ext>
     </p:extLst>
   </p:cSld>
@@ -7771,38 +7160,10 @@
       </p:grpSpPr>
       <p:sp>
         <p:nvSpPr>
-          <p:cNvPr id="2" name="Title 1">
-            <a:extLst>
-              <a:ext uri="{FF2B5EF4-FFF2-40B4-BE49-F238E27FC236}">
-                <a16:creationId xmlns:a16="http://schemas.microsoft.com/office/drawing/2014/main" id="{B938384F-C933-4645-AF58-DAF65C1D10D4}"/>
-              </a:ext>
-            </a:extLst>
-          </p:cNvPr>
-          <p:cNvSpPr>
-            <a:spLocks noGrp="1"/>
-          </p:cNvSpPr>
-          <p:nvPr>
-            <p:ph type="title"/>
-          </p:nvPr>
-        </p:nvSpPr>
-        <p:spPr/>
-        <p:txBody>
-          <a:bodyPr/>
-          <a:lstStyle/>
-          <a:p>
-            <a:r>
-              <a:rPr lang="en-US" dirty="0"/>
-              <a:t>Java 1.7 helped</a:t>
-            </a:r>
-          </a:p>
-        </p:txBody>
-      </p:sp>
-      <p:sp>
-        <p:nvSpPr>
           <p:cNvPr id="3" name="Content Placeholder 2">
             <a:extLst>
               <a:ext uri="{FF2B5EF4-FFF2-40B4-BE49-F238E27FC236}">
-                <a16:creationId xmlns:a16="http://schemas.microsoft.com/office/drawing/2014/main" id="{7642810F-1239-4C92-8AD3-23104A38A0CC}"/>
+                <a16:creationId xmlns:a16="http://schemas.microsoft.com/office/drawing/2014/main" id="{80D7DF93-8995-4BAA-8BAB-7AF3E5E862D3}"/>
               </a:ext>
             </a:extLst>
           </p:cNvPr>
@@ -7813,94 +7174,1184 @@
             <p:ph idx="1"/>
           </p:nvPr>
         </p:nvSpPr>
-        <p:spPr/>
+        <p:spPr>
+          <a:xfrm>
+            <a:off x="431800" y="190500"/>
+            <a:ext cx="7100944" cy="6451600"/>
+          </a:xfrm>
+        </p:spPr>
         <p:txBody>
-          <a:bodyPr/>
+          <a:bodyPr>
+            <a:noAutofit/>
+          </a:bodyPr>
           <a:lstStyle/>
           <a:p>
-            <a:r>
-              <a:rPr lang="en-US" dirty="0"/>
-              <a:t>Java 1.7 introduced </a:t>
-            </a:r>
-            <a:r>
-              <a:rPr lang="en-US" dirty="0">
-                <a:solidFill>
-                  <a:srgbClr val="00B0F0"/>
-                </a:solidFill>
-              </a:rPr>
-              <a:t>try-with-resource</a:t>
-            </a:r>
-          </a:p>
-          <a:p>
-            <a:r>
-              <a:rPr lang="en-US" dirty="0"/>
-              <a:t>This </a:t>
-            </a:r>
-            <a:r>
-              <a:rPr lang="en-US" dirty="0">
-                <a:solidFill>
-                  <a:srgbClr val="00B0F0"/>
-                </a:solidFill>
-              </a:rPr>
-              <a:t>automatically</a:t>
-            </a:r>
-            <a:r>
-              <a:rPr lang="en-US" dirty="0"/>
-              <a:t> closes objects that implement the Closeable interface</a:t>
-            </a:r>
-          </a:p>
-          <a:p>
-            <a:pPr lvl="1"/>
-            <a:r>
-              <a:rPr lang="en-US" dirty="0">
-                <a:solidFill>
-                  <a:srgbClr val="FF9900"/>
-                </a:solidFill>
-              </a:rPr>
-              <a:t>Connection</a:t>
-            </a:r>
-            <a:r>
-              <a:rPr lang="en-US" dirty="0"/>
-              <a:t>s</a:t>
-            </a:r>
-          </a:p>
-          <a:p>
-            <a:pPr lvl="1"/>
-            <a:r>
-              <a:rPr lang="en-US" dirty="0">
-                <a:solidFill>
-                  <a:srgbClr val="FF9900"/>
-                </a:solidFill>
-              </a:rPr>
-              <a:t>Statement</a:t>
-            </a:r>
-            <a:r>
-              <a:rPr lang="en-US" dirty="0"/>
-              <a:t>s</a:t>
-            </a:r>
-          </a:p>
-          <a:p>
-            <a:pPr lvl="1"/>
-            <a:r>
-              <a:rPr lang="en-US" dirty="0" err="1">
-                <a:solidFill>
-                  <a:srgbClr val="FF9900"/>
-                </a:solidFill>
+            <a:pPr marL="0" indent="0">
+              <a:spcBef>
+                <a:spcPts val="0"/>
+              </a:spcBef>
+              <a:buNone/>
+            </a:pPr>
+            <a:r>
+              <a:rPr lang="en-US" sz="800" dirty="0">
+                <a:latin typeface="Courier New" panose="02070309020205020404" pitchFamily="49" charset="0"/>
+                <a:cs typeface="Courier New" panose="02070309020205020404" pitchFamily="49" charset="0"/>
+              </a:rPr>
+              <a:t>Connection conn = null;</a:t>
+            </a:r>
+          </a:p>
+          <a:p>
+            <a:pPr marL="0" indent="0">
+              <a:spcBef>
+                <a:spcPts val="0"/>
+              </a:spcBef>
+              <a:buNone/>
+            </a:pPr>
+            <a:r>
+              <a:rPr lang="en-US" sz="800" dirty="0">
+                <a:latin typeface="Courier New" panose="02070309020205020404" pitchFamily="49" charset="0"/>
+                <a:cs typeface="Courier New" panose="02070309020205020404" pitchFamily="49" charset="0"/>
+              </a:rPr>
+              <a:t>Statement </a:t>
+            </a:r>
+            <a:r>
+              <a:rPr lang="en-US" sz="800" dirty="0" err="1">
+                <a:latin typeface="Courier New" panose="02070309020205020404" pitchFamily="49" charset="0"/>
+                <a:cs typeface="Courier New" panose="02070309020205020404" pitchFamily="49" charset="0"/>
+              </a:rPr>
+              <a:t>stmt</a:t>
+            </a:r>
+            <a:r>
+              <a:rPr lang="en-US" sz="800" dirty="0">
+                <a:latin typeface="Courier New" panose="02070309020205020404" pitchFamily="49" charset="0"/>
+                <a:cs typeface="Courier New" panose="02070309020205020404" pitchFamily="49" charset="0"/>
+              </a:rPr>
+              <a:t> = null;</a:t>
+            </a:r>
+          </a:p>
+          <a:p>
+            <a:pPr marL="0" indent="0">
+              <a:spcBef>
+                <a:spcPts val="0"/>
+              </a:spcBef>
+              <a:buNone/>
+            </a:pPr>
+            <a:r>
+              <a:rPr lang="en-US" sz="800" dirty="0" err="1">
+                <a:latin typeface="Courier New" panose="02070309020205020404" pitchFamily="49" charset="0"/>
+                <a:cs typeface="Courier New" panose="02070309020205020404" pitchFamily="49" charset="0"/>
               </a:rPr>
               <a:t>ResultSet</a:t>
             </a:r>
             <a:r>
-              <a:rPr lang="en-US" dirty="0" err="1"/>
-              <a:t>s</a:t>
-            </a:r>
-            <a:endParaRPr lang="en-US" dirty="0"/>
+              <a:rPr lang="en-US" sz="800" dirty="0">
+                <a:latin typeface="Courier New" panose="02070309020205020404" pitchFamily="49" charset="0"/>
+                <a:cs typeface="Courier New" panose="02070309020205020404" pitchFamily="49" charset="0"/>
+              </a:rPr>
+              <a:t> </a:t>
+            </a:r>
+            <a:r>
+              <a:rPr lang="en-US" sz="800" dirty="0" err="1">
+                <a:latin typeface="Courier New" panose="02070309020205020404" pitchFamily="49" charset="0"/>
+                <a:cs typeface="Courier New" panose="02070309020205020404" pitchFamily="49" charset="0"/>
+              </a:rPr>
+              <a:t>rs</a:t>
+            </a:r>
+            <a:r>
+              <a:rPr lang="en-US" sz="800" dirty="0">
+                <a:latin typeface="Courier New" panose="02070309020205020404" pitchFamily="49" charset="0"/>
+                <a:cs typeface="Courier New" panose="02070309020205020404" pitchFamily="49" charset="0"/>
+              </a:rPr>
+              <a:t> = null;</a:t>
+            </a:r>
+          </a:p>
+          <a:p>
+            <a:pPr marL="0" indent="0">
+              <a:spcBef>
+                <a:spcPts val="0"/>
+              </a:spcBef>
+              <a:buNone/>
+            </a:pPr>
+            <a:r>
+              <a:rPr lang="en-US" sz="800" dirty="0" err="1">
+                <a:latin typeface="Courier New" panose="02070309020205020404" pitchFamily="49" charset="0"/>
+                <a:cs typeface="Courier New" panose="02070309020205020404" pitchFamily="49" charset="0"/>
+              </a:rPr>
+              <a:t>boolean</a:t>
+            </a:r>
+            <a:r>
+              <a:rPr lang="en-US" sz="800" dirty="0">
+                <a:latin typeface="Courier New" panose="02070309020205020404" pitchFamily="49" charset="0"/>
+                <a:cs typeface="Courier New" panose="02070309020205020404" pitchFamily="49" charset="0"/>
+              </a:rPr>
+              <a:t> error = false;</a:t>
+            </a:r>
+          </a:p>
+          <a:p>
+            <a:pPr marL="0" indent="0">
+              <a:spcBef>
+                <a:spcPts val="0"/>
+              </a:spcBef>
+              <a:buNone/>
+            </a:pPr>
+            <a:endParaRPr lang="en-US" sz="800" dirty="0">
+              <a:latin typeface="Courier New" panose="02070309020205020404" pitchFamily="49" charset="0"/>
+              <a:cs typeface="Courier New" panose="02070309020205020404" pitchFamily="49" charset="0"/>
+            </a:endParaRPr>
+          </a:p>
+          <a:p>
+            <a:pPr marL="0" indent="0">
+              <a:spcBef>
+                <a:spcPts val="0"/>
+              </a:spcBef>
+              <a:buNone/>
+            </a:pPr>
+            <a:r>
+              <a:rPr lang="en-US" sz="800" dirty="0">
+                <a:latin typeface="Courier New" panose="02070309020205020404" pitchFamily="49" charset="0"/>
+                <a:cs typeface="Courier New" panose="02070309020205020404" pitchFamily="49" charset="0"/>
+              </a:rPr>
+              <a:t>try {</a:t>
+            </a:r>
+          </a:p>
+          <a:p>
+            <a:pPr marL="0" indent="0">
+              <a:spcBef>
+                <a:spcPts val="0"/>
+              </a:spcBef>
+              <a:buNone/>
+            </a:pPr>
+            <a:r>
+              <a:rPr lang="en-US" sz="800" dirty="0">
+                <a:latin typeface="Courier New" panose="02070309020205020404" pitchFamily="49" charset="0"/>
+                <a:cs typeface="Courier New" panose="02070309020205020404" pitchFamily="49" charset="0"/>
+              </a:rPr>
+              <a:t>  conn = </a:t>
+            </a:r>
+            <a:r>
+              <a:rPr lang="en-US" sz="800" dirty="0" err="1">
+                <a:latin typeface="Courier New" panose="02070309020205020404" pitchFamily="49" charset="0"/>
+                <a:cs typeface="Courier New" panose="02070309020205020404" pitchFamily="49" charset="0"/>
+              </a:rPr>
+              <a:t>getConnection</a:t>
+            </a:r>
+            <a:r>
+              <a:rPr lang="en-US" sz="800" dirty="0">
+                <a:latin typeface="Courier New" panose="02070309020205020404" pitchFamily="49" charset="0"/>
+                <a:cs typeface="Courier New" panose="02070309020205020404" pitchFamily="49" charset="0"/>
+              </a:rPr>
+              <a:t>();</a:t>
+            </a:r>
+          </a:p>
+          <a:p>
+            <a:pPr marL="0" indent="0">
+              <a:spcBef>
+                <a:spcPts val="0"/>
+              </a:spcBef>
+              <a:buNone/>
+            </a:pPr>
+            <a:r>
+              <a:rPr lang="en-US" sz="800" dirty="0">
+                <a:latin typeface="Courier New" panose="02070309020205020404" pitchFamily="49" charset="0"/>
+                <a:cs typeface="Courier New" panose="02070309020205020404" pitchFamily="49" charset="0"/>
+              </a:rPr>
+              <a:t>  </a:t>
+            </a:r>
+            <a:r>
+              <a:rPr lang="en-US" sz="800" dirty="0" err="1">
+                <a:latin typeface="Courier New" panose="02070309020205020404" pitchFamily="49" charset="0"/>
+                <a:cs typeface="Courier New" panose="02070309020205020404" pitchFamily="49" charset="0"/>
+              </a:rPr>
+              <a:t>startTransaction</a:t>
+            </a:r>
+            <a:r>
+              <a:rPr lang="en-US" sz="800" dirty="0">
+                <a:latin typeface="Courier New" panose="02070309020205020404" pitchFamily="49" charset="0"/>
+                <a:cs typeface="Courier New" panose="02070309020205020404" pitchFamily="49" charset="0"/>
+              </a:rPr>
+              <a:t>();</a:t>
+            </a:r>
+          </a:p>
+          <a:p>
+            <a:pPr marL="0" indent="0">
+              <a:spcBef>
+                <a:spcPts val="0"/>
+              </a:spcBef>
+              <a:buNone/>
+            </a:pPr>
+            <a:r>
+              <a:rPr lang="en-US" sz="800" dirty="0">
+                <a:latin typeface="Courier New" panose="02070309020205020404" pitchFamily="49" charset="0"/>
+                <a:cs typeface="Courier New" panose="02070309020205020404" pitchFamily="49" charset="0"/>
+              </a:rPr>
+              <a:t>  </a:t>
+            </a:r>
+          </a:p>
+          <a:p>
+            <a:pPr marL="0" indent="0">
+              <a:spcBef>
+                <a:spcPts val="0"/>
+              </a:spcBef>
+              <a:buNone/>
+            </a:pPr>
+            <a:r>
+              <a:rPr lang="en-US" sz="800" dirty="0">
+                <a:latin typeface="Courier New" panose="02070309020205020404" pitchFamily="49" charset="0"/>
+                <a:cs typeface="Courier New" panose="02070309020205020404" pitchFamily="49" charset="0"/>
+              </a:rPr>
+              <a:t>  try {</a:t>
+            </a:r>
+          </a:p>
+          <a:p>
+            <a:pPr marL="0" indent="0">
+              <a:spcBef>
+                <a:spcPts val="0"/>
+              </a:spcBef>
+              <a:buNone/>
+            </a:pPr>
+            <a:r>
+              <a:rPr lang="en-US" sz="800" dirty="0">
+                <a:latin typeface="Courier New" panose="02070309020205020404" pitchFamily="49" charset="0"/>
+                <a:cs typeface="Courier New" panose="02070309020205020404" pitchFamily="49" charset="0"/>
+              </a:rPr>
+              <a:t>    Statement </a:t>
+            </a:r>
+            <a:r>
+              <a:rPr lang="en-US" sz="800" dirty="0" err="1">
+                <a:latin typeface="Courier New" panose="02070309020205020404" pitchFamily="49" charset="0"/>
+                <a:cs typeface="Courier New" panose="02070309020205020404" pitchFamily="49" charset="0"/>
+              </a:rPr>
+              <a:t>stmt</a:t>
+            </a:r>
+            <a:r>
+              <a:rPr lang="en-US" sz="800" dirty="0">
+                <a:latin typeface="Courier New" panose="02070309020205020404" pitchFamily="49" charset="0"/>
+                <a:cs typeface="Courier New" panose="02070309020205020404" pitchFamily="49" charset="0"/>
+              </a:rPr>
+              <a:t> = </a:t>
+            </a:r>
+            <a:r>
+              <a:rPr lang="en-US" sz="800" dirty="0" err="1">
+                <a:latin typeface="Courier New" panose="02070309020205020404" pitchFamily="49" charset="0"/>
+                <a:cs typeface="Courier New" panose="02070309020205020404" pitchFamily="49" charset="0"/>
+              </a:rPr>
+              <a:t>conn.createStatement</a:t>
+            </a:r>
+            <a:r>
+              <a:rPr lang="en-US" sz="800" dirty="0">
+                <a:latin typeface="Courier New" panose="02070309020205020404" pitchFamily="49" charset="0"/>
+                <a:cs typeface="Courier New" panose="02070309020205020404" pitchFamily="49" charset="0"/>
+              </a:rPr>
+              <a:t>(</a:t>
+            </a:r>
+            <a:r>
+              <a:rPr lang="en-US" sz="800" dirty="0" err="1">
+                <a:latin typeface="Courier New" panose="02070309020205020404" pitchFamily="49" charset="0"/>
+                <a:cs typeface="Courier New" panose="02070309020205020404" pitchFamily="49" charset="0"/>
+              </a:rPr>
+              <a:t>sql</a:t>
+            </a:r>
+            <a:r>
+              <a:rPr lang="en-US" sz="800" dirty="0">
+                <a:latin typeface="Courier New" panose="02070309020205020404" pitchFamily="49" charset="0"/>
+                <a:cs typeface="Courier New" panose="02070309020205020404" pitchFamily="49" charset="0"/>
+              </a:rPr>
+              <a:t>);</a:t>
+            </a:r>
+          </a:p>
+          <a:p>
+            <a:pPr marL="0" indent="0">
+              <a:spcBef>
+                <a:spcPts val="0"/>
+              </a:spcBef>
+              <a:buNone/>
+            </a:pPr>
+            <a:r>
+              <a:rPr lang="en-US" sz="800" dirty="0">
+                <a:latin typeface="Courier New" panose="02070309020205020404" pitchFamily="49" charset="0"/>
+                <a:cs typeface="Courier New" panose="02070309020205020404" pitchFamily="49" charset="0"/>
+              </a:rPr>
+              <a:t>    </a:t>
+            </a:r>
+            <a:r>
+              <a:rPr lang="en-US" sz="800" dirty="0" err="1">
+                <a:latin typeface="Courier New" panose="02070309020205020404" pitchFamily="49" charset="0"/>
+                <a:cs typeface="Courier New" panose="02070309020205020404" pitchFamily="49" charset="0"/>
+              </a:rPr>
+              <a:t>ResultSet</a:t>
+            </a:r>
+            <a:r>
+              <a:rPr lang="en-US" sz="800" dirty="0">
+                <a:latin typeface="Courier New" panose="02070309020205020404" pitchFamily="49" charset="0"/>
+                <a:cs typeface="Courier New" panose="02070309020205020404" pitchFamily="49" charset="0"/>
+              </a:rPr>
+              <a:t> </a:t>
+            </a:r>
+            <a:r>
+              <a:rPr lang="en-US" sz="800" dirty="0" err="1">
+                <a:latin typeface="Courier New" panose="02070309020205020404" pitchFamily="49" charset="0"/>
+                <a:cs typeface="Courier New" panose="02070309020205020404" pitchFamily="49" charset="0"/>
+              </a:rPr>
+              <a:t>rs</a:t>
+            </a:r>
+            <a:r>
+              <a:rPr lang="en-US" sz="800" dirty="0">
+                <a:latin typeface="Courier New" panose="02070309020205020404" pitchFamily="49" charset="0"/>
+                <a:cs typeface="Courier New" panose="02070309020205020404" pitchFamily="49" charset="0"/>
+              </a:rPr>
+              <a:t> = </a:t>
+            </a:r>
+            <a:r>
+              <a:rPr lang="en-US" sz="800" dirty="0" err="1">
+                <a:latin typeface="Courier New" panose="02070309020205020404" pitchFamily="49" charset="0"/>
+                <a:cs typeface="Courier New" panose="02070309020205020404" pitchFamily="49" charset="0"/>
+              </a:rPr>
+              <a:t>stmt.executeQuery</a:t>
+            </a:r>
+            <a:r>
+              <a:rPr lang="en-US" sz="800" dirty="0">
+                <a:latin typeface="Courier New" panose="02070309020205020404" pitchFamily="49" charset="0"/>
+                <a:cs typeface="Courier New" panose="02070309020205020404" pitchFamily="49" charset="0"/>
+              </a:rPr>
+              <a:t>();</a:t>
+            </a:r>
+          </a:p>
+          <a:p>
+            <a:pPr marL="0" indent="0">
+              <a:spcBef>
+                <a:spcPts val="0"/>
+              </a:spcBef>
+              <a:buNone/>
+            </a:pPr>
+            <a:endParaRPr lang="en-US" sz="800" dirty="0">
+              <a:latin typeface="Courier New" panose="02070309020205020404" pitchFamily="49" charset="0"/>
+              <a:cs typeface="Courier New" panose="02070309020205020404" pitchFamily="49" charset="0"/>
+            </a:endParaRPr>
+          </a:p>
+          <a:p>
+            <a:pPr marL="0" indent="0">
+              <a:spcBef>
+                <a:spcPts val="0"/>
+              </a:spcBef>
+              <a:buNone/>
+            </a:pPr>
+            <a:r>
+              <a:rPr lang="en-US" sz="800" dirty="0">
+                <a:latin typeface="Courier New" panose="02070309020205020404" pitchFamily="49" charset="0"/>
+                <a:cs typeface="Courier New" panose="02070309020205020404" pitchFamily="49" charset="0"/>
+              </a:rPr>
+              <a:t>    while(</a:t>
+            </a:r>
+            <a:r>
+              <a:rPr lang="en-US" sz="800" dirty="0" err="1">
+                <a:latin typeface="Courier New" panose="02070309020205020404" pitchFamily="49" charset="0"/>
+                <a:cs typeface="Courier New" panose="02070309020205020404" pitchFamily="49" charset="0"/>
+              </a:rPr>
+              <a:t>rs.next</a:t>
+            </a:r>
+            <a:r>
+              <a:rPr lang="en-US" sz="800" dirty="0">
+                <a:latin typeface="Courier New" panose="02070309020205020404" pitchFamily="49" charset="0"/>
+                <a:cs typeface="Courier New" panose="02070309020205020404" pitchFamily="49" charset="0"/>
+              </a:rPr>
+              <a:t>()) {</a:t>
+            </a:r>
+          </a:p>
+          <a:p>
+            <a:pPr marL="0" indent="0">
+              <a:spcBef>
+                <a:spcPts val="0"/>
+              </a:spcBef>
+              <a:buNone/>
+            </a:pPr>
+            <a:r>
+              <a:rPr lang="en-US" sz="800" dirty="0">
+                <a:latin typeface="Courier New" panose="02070309020205020404" pitchFamily="49" charset="0"/>
+                <a:cs typeface="Courier New" panose="02070309020205020404" pitchFamily="49" charset="0"/>
+              </a:rPr>
+              <a:t>      // ...</a:t>
+            </a:r>
+          </a:p>
+          <a:p>
+            <a:pPr marL="0" indent="0">
+              <a:spcBef>
+                <a:spcPts val="0"/>
+              </a:spcBef>
+              <a:buNone/>
+            </a:pPr>
+            <a:r>
+              <a:rPr lang="en-US" sz="800" dirty="0">
+                <a:latin typeface="Courier New" panose="02070309020205020404" pitchFamily="49" charset="0"/>
+                <a:cs typeface="Courier New" panose="02070309020205020404" pitchFamily="49" charset="0"/>
+              </a:rPr>
+              <a:t>    }</a:t>
+            </a:r>
+          </a:p>
+          <a:p>
+            <a:pPr marL="0" indent="0">
+              <a:spcBef>
+                <a:spcPts val="0"/>
+              </a:spcBef>
+              <a:buNone/>
+            </a:pPr>
+            <a:endParaRPr lang="en-US" sz="800" dirty="0">
+              <a:latin typeface="Courier New" panose="02070309020205020404" pitchFamily="49" charset="0"/>
+              <a:cs typeface="Courier New" panose="02070309020205020404" pitchFamily="49" charset="0"/>
+            </a:endParaRPr>
+          </a:p>
+          <a:p>
+            <a:pPr marL="0" indent="0">
+              <a:spcBef>
+                <a:spcPts val="0"/>
+              </a:spcBef>
+              <a:buNone/>
+            </a:pPr>
+            <a:r>
+              <a:rPr lang="en-US" sz="800" dirty="0">
+                <a:latin typeface="Courier New" panose="02070309020205020404" pitchFamily="49" charset="0"/>
+                <a:cs typeface="Courier New" panose="02070309020205020404" pitchFamily="49" charset="0"/>
+              </a:rPr>
+              <a:t>    </a:t>
+            </a:r>
+            <a:r>
+              <a:rPr lang="en-US" sz="800" dirty="0" err="1">
+                <a:latin typeface="Courier New" panose="02070309020205020404" pitchFamily="49" charset="0"/>
+                <a:cs typeface="Courier New" panose="02070309020205020404" pitchFamily="49" charset="0"/>
+              </a:rPr>
+              <a:t>commitTransaction</a:t>
+            </a:r>
+            <a:r>
+              <a:rPr lang="en-US" sz="800" dirty="0">
+                <a:latin typeface="Courier New" panose="02070309020205020404" pitchFamily="49" charset="0"/>
+                <a:cs typeface="Courier New" panose="02070309020205020404" pitchFamily="49" charset="0"/>
+              </a:rPr>
+              <a:t>();</a:t>
+            </a:r>
+          </a:p>
+          <a:p>
+            <a:pPr marL="0" indent="0">
+              <a:spcBef>
+                <a:spcPts val="0"/>
+              </a:spcBef>
+              <a:buNone/>
+            </a:pPr>
+            <a:r>
+              <a:rPr lang="en-US" sz="800" dirty="0">
+                <a:latin typeface="Courier New" panose="02070309020205020404" pitchFamily="49" charset="0"/>
+                <a:cs typeface="Courier New" panose="02070309020205020404" pitchFamily="49" charset="0"/>
+              </a:rPr>
+              <a:t>  }</a:t>
+            </a:r>
+          </a:p>
+          <a:p>
+            <a:pPr marL="0" indent="0">
+              <a:spcBef>
+                <a:spcPts val="0"/>
+              </a:spcBef>
+              <a:buNone/>
+            </a:pPr>
+            <a:r>
+              <a:rPr lang="en-US" sz="800" dirty="0">
+                <a:latin typeface="Courier New" panose="02070309020205020404" pitchFamily="49" charset="0"/>
+                <a:cs typeface="Courier New" panose="02070309020205020404" pitchFamily="49" charset="0"/>
+              </a:rPr>
+              <a:t>  catch(Exception e) {</a:t>
+            </a:r>
+          </a:p>
+          <a:p>
+            <a:pPr marL="0" indent="0">
+              <a:spcBef>
+                <a:spcPts val="0"/>
+              </a:spcBef>
+              <a:buNone/>
+            </a:pPr>
+            <a:r>
+              <a:rPr lang="en-US" sz="800" dirty="0">
+                <a:latin typeface="Courier New" panose="02070309020205020404" pitchFamily="49" charset="0"/>
+                <a:cs typeface="Courier New" panose="02070309020205020404" pitchFamily="49" charset="0"/>
+              </a:rPr>
+              <a:t>    </a:t>
+            </a:r>
+            <a:r>
+              <a:rPr lang="en-US" sz="800" dirty="0" err="1">
+                <a:latin typeface="Courier New" panose="02070309020205020404" pitchFamily="49" charset="0"/>
+                <a:cs typeface="Courier New" panose="02070309020205020404" pitchFamily="49" charset="0"/>
+              </a:rPr>
+              <a:t>rollbackTransaction</a:t>
+            </a:r>
+            <a:r>
+              <a:rPr lang="en-US" sz="800" dirty="0">
+                <a:latin typeface="Courier New" panose="02070309020205020404" pitchFamily="49" charset="0"/>
+                <a:cs typeface="Courier New" panose="02070309020205020404" pitchFamily="49" charset="0"/>
+              </a:rPr>
+              <a:t>();</a:t>
+            </a:r>
+          </a:p>
+          <a:p>
+            <a:pPr marL="0" indent="0">
+              <a:spcBef>
+                <a:spcPts val="0"/>
+              </a:spcBef>
+              <a:buNone/>
+            </a:pPr>
+            <a:r>
+              <a:rPr lang="en-US" sz="800" dirty="0">
+                <a:latin typeface="Courier New" panose="02070309020205020404" pitchFamily="49" charset="0"/>
+                <a:cs typeface="Courier New" panose="02070309020205020404" pitchFamily="49" charset="0"/>
+              </a:rPr>
+              <a:t>    error = true;</a:t>
+            </a:r>
+          </a:p>
+          <a:p>
+            <a:pPr marL="0" indent="0">
+              <a:spcBef>
+                <a:spcPts val="0"/>
+              </a:spcBef>
+              <a:buNone/>
+            </a:pPr>
+            <a:r>
+              <a:rPr lang="en-US" sz="800" dirty="0">
+                <a:latin typeface="Courier New" panose="02070309020205020404" pitchFamily="49" charset="0"/>
+                <a:cs typeface="Courier New" panose="02070309020205020404" pitchFamily="49" charset="0"/>
+              </a:rPr>
+              <a:t>  }</a:t>
+            </a:r>
+          </a:p>
+          <a:p>
+            <a:pPr marL="0" indent="0">
+              <a:spcBef>
+                <a:spcPts val="0"/>
+              </a:spcBef>
+              <a:buNone/>
+            </a:pPr>
+            <a:r>
+              <a:rPr lang="en-US" sz="800" dirty="0">
+                <a:latin typeface="Courier New" panose="02070309020205020404" pitchFamily="49" charset="0"/>
+                <a:cs typeface="Courier New" panose="02070309020205020404" pitchFamily="49" charset="0"/>
+              </a:rPr>
+              <a:t>}</a:t>
+            </a:r>
+          </a:p>
+          <a:p>
+            <a:pPr marL="0" indent="0">
+              <a:spcBef>
+                <a:spcPts val="0"/>
+              </a:spcBef>
+              <a:buNone/>
+            </a:pPr>
+            <a:r>
+              <a:rPr lang="en-US" sz="800" dirty="0">
+                <a:latin typeface="Courier New" panose="02070309020205020404" pitchFamily="49" charset="0"/>
+                <a:cs typeface="Courier New" panose="02070309020205020404" pitchFamily="49" charset="0"/>
+              </a:rPr>
+              <a:t>catch(</a:t>
+            </a:r>
+            <a:r>
+              <a:rPr lang="en-US" sz="800" dirty="0" err="1">
+                <a:latin typeface="Courier New" panose="02070309020205020404" pitchFamily="49" charset="0"/>
+                <a:cs typeface="Courier New" panose="02070309020205020404" pitchFamily="49" charset="0"/>
+              </a:rPr>
+              <a:t>SQLException</a:t>
+            </a:r>
+            <a:r>
+              <a:rPr lang="en-US" sz="800" dirty="0">
+                <a:latin typeface="Courier New" panose="02070309020205020404" pitchFamily="49" charset="0"/>
+                <a:cs typeface="Courier New" panose="02070309020205020404" pitchFamily="49" charset="0"/>
+              </a:rPr>
+              <a:t> e) {</a:t>
+            </a:r>
+          </a:p>
+          <a:p>
+            <a:pPr marL="0" indent="0">
+              <a:spcBef>
+                <a:spcPts val="0"/>
+              </a:spcBef>
+              <a:buNone/>
+            </a:pPr>
+            <a:r>
+              <a:rPr lang="en-US" sz="800" dirty="0">
+                <a:latin typeface="Courier New" panose="02070309020205020404" pitchFamily="49" charset="0"/>
+                <a:cs typeface="Courier New" panose="02070309020205020404" pitchFamily="49" charset="0"/>
+              </a:rPr>
+              <a:t>  error = true;</a:t>
+            </a:r>
+          </a:p>
+          <a:p>
+            <a:pPr marL="0" indent="0">
+              <a:spcBef>
+                <a:spcPts val="0"/>
+              </a:spcBef>
+              <a:buNone/>
+            </a:pPr>
+            <a:r>
+              <a:rPr lang="en-US" sz="800" dirty="0">
+                <a:latin typeface="Courier New" panose="02070309020205020404" pitchFamily="49" charset="0"/>
+                <a:cs typeface="Courier New" panose="02070309020205020404" pitchFamily="49" charset="0"/>
+              </a:rPr>
+              <a:t>}</a:t>
+            </a:r>
+          </a:p>
+          <a:p>
+            <a:pPr marL="0" indent="0">
+              <a:spcBef>
+                <a:spcPts val="0"/>
+              </a:spcBef>
+              <a:buNone/>
+            </a:pPr>
+            <a:r>
+              <a:rPr lang="en-US" sz="800" dirty="0">
+                <a:latin typeface="Courier New" panose="02070309020205020404" pitchFamily="49" charset="0"/>
+                <a:cs typeface="Courier New" panose="02070309020205020404" pitchFamily="49" charset="0"/>
+              </a:rPr>
+              <a:t>finally {</a:t>
+            </a:r>
+          </a:p>
+          <a:p>
+            <a:pPr marL="0" indent="0">
+              <a:spcBef>
+                <a:spcPts val="0"/>
+              </a:spcBef>
+              <a:buNone/>
+            </a:pPr>
+            <a:r>
+              <a:rPr lang="en-US" sz="800" dirty="0">
+                <a:latin typeface="Courier New" panose="02070309020205020404" pitchFamily="49" charset="0"/>
+                <a:cs typeface="Courier New" panose="02070309020205020404" pitchFamily="49" charset="0"/>
+              </a:rPr>
+              <a:t>  if(</a:t>
+            </a:r>
+            <a:r>
+              <a:rPr lang="en-US" sz="800" dirty="0" err="1">
+                <a:latin typeface="Courier New" panose="02070309020205020404" pitchFamily="49" charset="0"/>
+                <a:cs typeface="Courier New" panose="02070309020205020404" pitchFamily="49" charset="0"/>
+              </a:rPr>
+              <a:t>rs</a:t>
+            </a:r>
+            <a:r>
+              <a:rPr lang="en-US" sz="800" dirty="0">
+                <a:latin typeface="Courier New" panose="02070309020205020404" pitchFamily="49" charset="0"/>
+                <a:cs typeface="Courier New" panose="02070309020205020404" pitchFamily="49" charset="0"/>
+              </a:rPr>
+              <a:t> != null) {</a:t>
+            </a:r>
+          </a:p>
+          <a:p>
+            <a:pPr marL="0" indent="0">
+              <a:spcBef>
+                <a:spcPts val="0"/>
+              </a:spcBef>
+              <a:buNone/>
+            </a:pPr>
+            <a:r>
+              <a:rPr lang="en-US" sz="800" dirty="0">
+                <a:latin typeface="Courier New" panose="02070309020205020404" pitchFamily="49" charset="0"/>
+                <a:cs typeface="Courier New" panose="02070309020205020404" pitchFamily="49" charset="0"/>
+              </a:rPr>
+              <a:t>    try {</a:t>
+            </a:r>
+          </a:p>
+          <a:p>
+            <a:pPr marL="0" indent="0">
+              <a:spcBef>
+                <a:spcPts val="0"/>
+              </a:spcBef>
+              <a:buNone/>
+            </a:pPr>
+            <a:r>
+              <a:rPr lang="en-US" sz="800" dirty="0">
+                <a:latin typeface="Courier New" panose="02070309020205020404" pitchFamily="49" charset="0"/>
+                <a:cs typeface="Courier New" panose="02070309020205020404" pitchFamily="49" charset="0"/>
+              </a:rPr>
+              <a:t>      </a:t>
+            </a:r>
+            <a:r>
+              <a:rPr lang="en-US" sz="800" dirty="0" err="1">
+                <a:latin typeface="Courier New" panose="02070309020205020404" pitchFamily="49" charset="0"/>
+                <a:cs typeface="Courier New" panose="02070309020205020404" pitchFamily="49" charset="0"/>
+              </a:rPr>
+              <a:t>rs.close</a:t>
+            </a:r>
+            <a:r>
+              <a:rPr lang="en-US" sz="800" dirty="0">
+                <a:latin typeface="Courier New" panose="02070309020205020404" pitchFamily="49" charset="0"/>
+                <a:cs typeface="Courier New" panose="02070309020205020404" pitchFamily="49" charset="0"/>
+              </a:rPr>
+              <a:t>();</a:t>
+            </a:r>
+          </a:p>
+          <a:p>
+            <a:pPr marL="0" indent="0">
+              <a:spcBef>
+                <a:spcPts val="0"/>
+              </a:spcBef>
+              <a:buNone/>
+            </a:pPr>
+            <a:r>
+              <a:rPr lang="en-US" sz="800" dirty="0">
+                <a:latin typeface="Courier New" panose="02070309020205020404" pitchFamily="49" charset="0"/>
+                <a:cs typeface="Courier New" panose="02070309020205020404" pitchFamily="49" charset="0"/>
+              </a:rPr>
+              <a:t>    }</a:t>
+            </a:r>
+          </a:p>
+          <a:p>
+            <a:pPr marL="0" indent="0">
+              <a:spcBef>
+                <a:spcPts val="0"/>
+              </a:spcBef>
+              <a:buNone/>
+            </a:pPr>
+            <a:r>
+              <a:rPr lang="en-US" sz="800" dirty="0">
+                <a:latin typeface="Courier New" panose="02070309020205020404" pitchFamily="49" charset="0"/>
+                <a:cs typeface="Courier New" panose="02070309020205020404" pitchFamily="49" charset="0"/>
+              </a:rPr>
+              <a:t>    catch(Exception e) {</a:t>
+            </a:r>
+          </a:p>
+          <a:p>
+            <a:pPr marL="0" indent="0">
+              <a:spcBef>
+                <a:spcPts val="0"/>
+              </a:spcBef>
+              <a:buNone/>
+            </a:pPr>
+            <a:r>
+              <a:rPr lang="en-US" sz="800" dirty="0">
+                <a:latin typeface="Courier New" panose="02070309020205020404" pitchFamily="49" charset="0"/>
+                <a:cs typeface="Courier New" panose="02070309020205020404" pitchFamily="49" charset="0"/>
+              </a:rPr>
+              <a:t>      error = true;</a:t>
+            </a:r>
+          </a:p>
+          <a:p>
+            <a:pPr marL="0" indent="0">
+              <a:spcBef>
+                <a:spcPts val="0"/>
+              </a:spcBef>
+              <a:buNone/>
+            </a:pPr>
+            <a:r>
+              <a:rPr lang="en-US" sz="800" dirty="0">
+                <a:latin typeface="Courier New" panose="02070309020205020404" pitchFamily="49" charset="0"/>
+                <a:cs typeface="Courier New" panose="02070309020205020404" pitchFamily="49" charset="0"/>
+              </a:rPr>
+              <a:t>    }</a:t>
+            </a:r>
+          </a:p>
+          <a:p>
+            <a:pPr marL="0" indent="0">
+              <a:spcBef>
+                <a:spcPts val="0"/>
+              </a:spcBef>
+              <a:buNone/>
+            </a:pPr>
+            <a:r>
+              <a:rPr lang="en-US" sz="800" dirty="0">
+                <a:latin typeface="Courier New" panose="02070309020205020404" pitchFamily="49" charset="0"/>
+                <a:cs typeface="Courier New" panose="02070309020205020404" pitchFamily="49" charset="0"/>
+              </a:rPr>
+              <a:t>  }</a:t>
+            </a:r>
+          </a:p>
+          <a:p>
+            <a:pPr marL="0" indent="0">
+              <a:spcBef>
+                <a:spcPts val="0"/>
+              </a:spcBef>
+              <a:buNone/>
+            </a:pPr>
+            <a:endParaRPr lang="en-US" sz="800" dirty="0">
+              <a:latin typeface="Courier New" panose="02070309020205020404" pitchFamily="49" charset="0"/>
+              <a:cs typeface="Courier New" panose="02070309020205020404" pitchFamily="49" charset="0"/>
+            </a:endParaRPr>
+          </a:p>
+          <a:p>
+            <a:pPr marL="0" indent="0">
+              <a:spcBef>
+                <a:spcPts val="0"/>
+              </a:spcBef>
+              <a:buNone/>
+            </a:pPr>
+            <a:r>
+              <a:rPr lang="en-US" sz="800" dirty="0">
+                <a:latin typeface="Courier New" panose="02070309020205020404" pitchFamily="49" charset="0"/>
+                <a:cs typeface="Courier New" panose="02070309020205020404" pitchFamily="49" charset="0"/>
+              </a:rPr>
+              <a:t>  if(</a:t>
+            </a:r>
+            <a:r>
+              <a:rPr lang="en-US" sz="800" dirty="0" err="1">
+                <a:latin typeface="Courier New" panose="02070309020205020404" pitchFamily="49" charset="0"/>
+                <a:cs typeface="Courier New" panose="02070309020205020404" pitchFamily="49" charset="0"/>
+              </a:rPr>
+              <a:t>stmt</a:t>
+            </a:r>
+            <a:r>
+              <a:rPr lang="en-US" sz="800" dirty="0">
+                <a:latin typeface="Courier New" panose="02070309020205020404" pitchFamily="49" charset="0"/>
+                <a:cs typeface="Courier New" panose="02070309020205020404" pitchFamily="49" charset="0"/>
+              </a:rPr>
+              <a:t> != null) {</a:t>
+            </a:r>
+          </a:p>
+          <a:p>
+            <a:pPr marL="0" indent="0">
+              <a:spcBef>
+                <a:spcPts val="0"/>
+              </a:spcBef>
+              <a:buNone/>
+            </a:pPr>
+            <a:r>
+              <a:rPr lang="en-US" sz="800" dirty="0">
+                <a:latin typeface="Courier New" panose="02070309020205020404" pitchFamily="49" charset="0"/>
+                <a:cs typeface="Courier New" panose="02070309020205020404" pitchFamily="49" charset="0"/>
+              </a:rPr>
+              <a:t>    try {</a:t>
+            </a:r>
+          </a:p>
+          <a:p>
+            <a:pPr marL="0" indent="0">
+              <a:spcBef>
+                <a:spcPts val="0"/>
+              </a:spcBef>
+              <a:buNone/>
+            </a:pPr>
+            <a:r>
+              <a:rPr lang="en-US" sz="800" dirty="0">
+                <a:latin typeface="Courier New" panose="02070309020205020404" pitchFamily="49" charset="0"/>
+                <a:cs typeface="Courier New" panose="02070309020205020404" pitchFamily="49" charset="0"/>
+              </a:rPr>
+              <a:t>      </a:t>
+            </a:r>
+            <a:r>
+              <a:rPr lang="en-US" sz="800" dirty="0" err="1">
+                <a:latin typeface="Courier New" panose="02070309020205020404" pitchFamily="49" charset="0"/>
+                <a:cs typeface="Courier New" panose="02070309020205020404" pitchFamily="49" charset="0"/>
+              </a:rPr>
+              <a:t>stmt.close</a:t>
+            </a:r>
+            <a:r>
+              <a:rPr lang="en-US" sz="800" dirty="0">
+                <a:latin typeface="Courier New" panose="02070309020205020404" pitchFamily="49" charset="0"/>
+                <a:cs typeface="Courier New" panose="02070309020205020404" pitchFamily="49" charset="0"/>
+              </a:rPr>
+              <a:t>();</a:t>
+            </a:r>
+          </a:p>
+          <a:p>
+            <a:pPr marL="0" indent="0">
+              <a:spcBef>
+                <a:spcPts val="0"/>
+              </a:spcBef>
+              <a:buNone/>
+            </a:pPr>
+            <a:r>
+              <a:rPr lang="en-US" sz="800" dirty="0">
+                <a:latin typeface="Courier New" panose="02070309020205020404" pitchFamily="49" charset="0"/>
+                <a:cs typeface="Courier New" panose="02070309020205020404" pitchFamily="49" charset="0"/>
+              </a:rPr>
+              <a:t>    }</a:t>
+            </a:r>
+          </a:p>
+          <a:p>
+            <a:pPr marL="0" indent="0">
+              <a:spcBef>
+                <a:spcPts val="0"/>
+              </a:spcBef>
+              <a:buNone/>
+            </a:pPr>
+            <a:r>
+              <a:rPr lang="en-US" sz="800" dirty="0">
+                <a:latin typeface="Courier New" panose="02070309020205020404" pitchFamily="49" charset="0"/>
+                <a:cs typeface="Courier New" panose="02070309020205020404" pitchFamily="49" charset="0"/>
+              </a:rPr>
+              <a:t>    catch(Exception e) {</a:t>
+            </a:r>
+          </a:p>
+          <a:p>
+            <a:pPr marL="0" indent="0">
+              <a:spcBef>
+                <a:spcPts val="0"/>
+              </a:spcBef>
+              <a:buNone/>
+            </a:pPr>
+            <a:r>
+              <a:rPr lang="en-US" sz="800" dirty="0">
+                <a:latin typeface="Courier New" panose="02070309020205020404" pitchFamily="49" charset="0"/>
+                <a:cs typeface="Courier New" panose="02070309020205020404" pitchFamily="49" charset="0"/>
+              </a:rPr>
+              <a:t>      error = true;</a:t>
+            </a:r>
+          </a:p>
+          <a:p>
+            <a:pPr marL="0" indent="0">
+              <a:spcBef>
+                <a:spcPts val="0"/>
+              </a:spcBef>
+              <a:buNone/>
+            </a:pPr>
+            <a:r>
+              <a:rPr lang="en-US" sz="800" dirty="0">
+                <a:latin typeface="Courier New" panose="02070309020205020404" pitchFamily="49" charset="0"/>
+                <a:cs typeface="Courier New" panose="02070309020205020404" pitchFamily="49" charset="0"/>
+              </a:rPr>
+              <a:t>    }</a:t>
+            </a:r>
+          </a:p>
+          <a:p>
+            <a:pPr marL="0" indent="0">
+              <a:spcBef>
+                <a:spcPts val="0"/>
+              </a:spcBef>
+              <a:buNone/>
+            </a:pPr>
+            <a:r>
+              <a:rPr lang="en-US" sz="800" dirty="0">
+                <a:latin typeface="Courier New" panose="02070309020205020404" pitchFamily="49" charset="0"/>
+                <a:cs typeface="Courier New" panose="02070309020205020404" pitchFamily="49" charset="0"/>
+              </a:rPr>
+              <a:t>  }</a:t>
+            </a:r>
+          </a:p>
+          <a:p>
+            <a:pPr marL="0" indent="0">
+              <a:spcBef>
+                <a:spcPts val="0"/>
+              </a:spcBef>
+              <a:buNone/>
+            </a:pPr>
+            <a:endParaRPr lang="en-US" sz="800" dirty="0">
+              <a:latin typeface="Courier New" panose="02070309020205020404" pitchFamily="49" charset="0"/>
+              <a:cs typeface="Courier New" panose="02070309020205020404" pitchFamily="49" charset="0"/>
+            </a:endParaRPr>
+          </a:p>
+          <a:p>
+            <a:pPr marL="0" indent="0">
+              <a:spcBef>
+                <a:spcPts val="0"/>
+              </a:spcBef>
+              <a:buNone/>
+            </a:pPr>
+            <a:r>
+              <a:rPr lang="en-US" sz="800" dirty="0">
+                <a:latin typeface="Courier New" panose="02070309020205020404" pitchFamily="49" charset="0"/>
+                <a:cs typeface="Courier New" panose="02070309020205020404" pitchFamily="49" charset="0"/>
+              </a:rPr>
+              <a:t>  if(conn != null) {</a:t>
+            </a:r>
+          </a:p>
+          <a:p>
+            <a:pPr marL="0" indent="0">
+              <a:spcBef>
+                <a:spcPts val="0"/>
+              </a:spcBef>
+              <a:buNone/>
+            </a:pPr>
+            <a:r>
+              <a:rPr lang="en-US" sz="800" dirty="0">
+                <a:latin typeface="Courier New" panose="02070309020205020404" pitchFamily="49" charset="0"/>
+                <a:cs typeface="Courier New" panose="02070309020205020404" pitchFamily="49" charset="0"/>
+              </a:rPr>
+              <a:t>    try {</a:t>
+            </a:r>
+          </a:p>
+          <a:p>
+            <a:pPr marL="0" indent="0">
+              <a:spcBef>
+                <a:spcPts val="0"/>
+              </a:spcBef>
+              <a:buNone/>
+            </a:pPr>
+            <a:r>
+              <a:rPr lang="en-US" sz="800" dirty="0">
+                <a:latin typeface="Courier New" panose="02070309020205020404" pitchFamily="49" charset="0"/>
+                <a:cs typeface="Courier New" panose="02070309020205020404" pitchFamily="49" charset="0"/>
+              </a:rPr>
+              <a:t>      </a:t>
+            </a:r>
+            <a:r>
+              <a:rPr lang="en-US" sz="800" dirty="0" err="1">
+                <a:latin typeface="Courier New" panose="02070309020205020404" pitchFamily="49" charset="0"/>
+                <a:cs typeface="Courier New" panose="02070309020205020404" pitchFamily="49" charset="0"/>
+              </a:rPr>
+              <a:t>conn.close</a:t>
+            </a:r>
+            <a:r>
+              <a:rPr lang="en-US" sz="800" dirty="0">
+                <a:latin typeface="Courier New" panose="02070309020205020404" pitchFamily="49" charset="0"/>
+                <a:cs typeface="Courier New" panose="02070309020205020404" pitchFamily="49" charset="0"/>
+              </a:rPr>
+              <a:t>();</a:t>
+            </a:r>
+          </a:p>
+          <a:p>
+            <a:pPr marL="0" indent="0">
+              <a:spcBef>
+                <a:spcPts val="0"/>
+              </a:spcBef>
+              <a:buNone/>
+            </a:pPr>
+            <a:r>
+              <a:rPr lang="en-US" sz="800" dirty="0">
+                <a:latin typeface="Courier New" panose="02070309020205020404" pitchFamily="49" charset="0"/>
+                <a:cs typeface="Courier New" panose="02070309020205020404" pitchFamily="49" charset="0"/>
+              </a:rPr>
+              <a:t>    }</a:t>
+            </a:r>
+          </a:p>
+          <a:p>
+            <a:pPr marL="0" indent="0">
+              <a:spcBef>
+                <a:spcPts val="0"/>
+              </a:spcBef>
+              <a:buNone/>
+            </a:pPr>
+            <a:r>
+              <a:rPr lang="en-US" sz="800" dirty="0">
+                <a:latin typeface="Courier New" panose="02070309020205020404" pitchFamily="49" charset="0"/>
+                <a:cs typeface="Courier New" panose="02070309020205020404" pitchFamily="49" charset="0"/>
+              </a:rPr>
+              <a:t>    catch(Exception e) {</a:t>
+            </a:r>
+          </a:p>
+          <a:p>
+            <a:pPr marL="0" indent="0">
+              <a:spcBef>
+                <a:spcPts val="0"/>
+              </a:spcBef>
+              <a:buNone/>
+            </a:pPr>
+            <a:r>
+              <a:rPr lang="en-US" sz="800" dirty="0">
+                <a:latin typeface="Courier New" panose="02070309020205020404" pitchFamily="49" charset="0"/>
+                <a:cs typeface="Courier New" panose="02070309020205020404" pitchFamily="49" charset="0"/>
+              </a:rPr>
+              <a:t>      error = true;</a:t>
+            </a:r>
+          </a:p>
+          <a:p>
+            <a:pPr marL="0" indent="0">
+              <a:spcBef>
+                <a:spcPts val="0"/>
+              </a:spcBef>
+              <a:buNone/>
+            </a:pPr>
+            <a:r>
+              <a:rPr lang="en-US" sz="800" dirty="0">
+                <a:latin typeface="Courier New" panose="02070309020205020404" pitchFamily="49" charset="0"/>
+                <a:cs typeface="Courier New" panose="02070309020205020404" pitchFamily="49" charset="0"/>
+              </a:rPr>
+              <a:t>    }</a:t>
+            </a:r>
+          </a:p>
+          <a:p>
+            <a:pPr marL="0" indent="0">
+              <a:spcBef>
+                <a:spcPts val="0"/>
+              </a:spcBef>
+              <a:buNone/>
+            </a:pPr>
+            <a:r>
+              <a:rPr lang="en-US" sz="800" dirty="0">
+                <a:latin typeface="Courier New" panose="02070309020205020404" pitchFamily="49" charset="0"/>
+                <a:cs typeface="Courier New" panose="02070309020205020404" pitchFamily="49" charset="0"/>
+              </a:rPr>
+              <a:t>  }</a:t>
+            </a:r>
+          </a:p>
+          <a:p>
+            <a:pPr marL="0" indent="0">
+              <a:spcBef>
+                <a:spcPts val="0"/>
+              </a:spcBef>
+              <a:buNone/>
+            </a:pPr>
+            <a:r>
+              <a:rPr lang="en-US" sz="800" dirty="0">
+                <a:latin typeface="Courier New" panose="02070309020205020404" pitchFamily="49" charset="0"/>
+                <a:cs typeface="Courier New" panose="02070309020205020404" pitchFamily="49" charset="0"/>
+              </a:rPr>
+              <a:t>}</a:t>
+            </a:r>
+          </a:p>
+          <a:p>
+            <a:pPr marL="0" indent="0">
+              <a:spcBef>
+                <a:spcPts val="0"/>
+              </a:spcBef>
+              <a:buNone/>
+            </a:pPr>
+            <a:endParaRPr lang="en-US" sz="800" dirty="0">
+              <a:latin typeface="Courier New" panose="02070309020205020404" pitchFamily="49" charset="0"/>
+              <a:cs typeface="Courier New" panose="02070309020205020404" pitchFamily="49" charset="0"/>
+            </a:endParaRPr>
+          </a:p>
+          <a:p>
+            <a:pPr marL="0" indent="0">
+              <a:spcBef>
+                <a:spcPts val="0"/>
+              </a:spcBef>
+              <a:buNone/>
+            </a:pPr>
+            <a:r>
+              <a:rPr lang="en-US" sz="800" dirty="0">
+                <a:latin typeface="Courier New" panose="02070309020205020404" pitchFamily="49" charset="0"/>
+                <a:cs typeface="Courier New" panose="02070309020205020404" pitchFamily="49" charset="0"/>
+              </a:rPr>
+              <a:t>if(error) {</a:t>
+            </a:r>
+          </a:p>
+          <a:p>
+            <a:pPr marL="0" indent="0">
+              <a:spcBef>
+                <a:spcPts val="0"/>
+              </a:spcBef>
+              <a:buNone/>
+            </a:pPr>
+            <a:r>
+              <a:rPr lang="en-US" sz="800" dirty="0">
+                <a:latin typeface="Courier New" panose="02070309020205020404" pitchFamily="49" charset="0"/>
+                <a:cs typeface="Courier New" panose="02070309020205020404" pitchFamily="49" charset="0"/>
+              </a:rPr>
+              <a:t>  throw new </a:t>
+            </a:r>
+            <a:r>
+              <a:rPr lang="en-US" sz="800" dirty="0" err="1">
+                <a:latin typeface="Courier New" panose="02070309020205020404" pitchFamily="49" charset="0"/>
+                <a:cs typeface="Courier New" panose="02070309020205020404" pitchFamily="49" charset="0"/>
+              </a:rPr>
+              <a:t>RuntimeException</a:t>
+            </a:r>
+            <a:r>
+              <a:rPr lang="en-US" sz="800" dirty="0">
+                <a:latin typeface="Courier New" panose="02070309020205020404" pitchFamily="49" charset="0"/>
+                <a:cs typeface="Courier New" panose="02070309020205020404" pitchFamily="49" charset="0"/>
+              </a:rPr>
+              <a:t>("Resources may have leaked!");</a:t>
+            </a:r>
+          </a:p>
+          <a:p>
+            <a:pPr marL="0" indent="0">
+              <a:spcBef>
+                <a:spcPts val="0"/>
+              </a:spcBef>
+              <a:buNone/>
+            </a:pPr>
+            <a:r>
+              <a:rPr lang="en-US" sz="800" dirty="0">
+                <a:latin typeface="Courier New" panose="02070309020205020404" pitchFamily="49" charset="0"/>
+                <a:cs typeface="Courier New" panose="02070309020205020404" pitchFamily="49" charset="0"/>
+              </a:rPr>
+              <a:t>}</a:t>
+            </a:r>
           </a:p>
         </p:txBody>
       </p:sp>
     </p:spTree>
     <p:extLst>
       <p:ext uri="{BB962C8B-B14F-4D97-AF65-F5344CB8AC3E}">
-        <p14:creationId xmlns:p14="http://schemas.microsoft.com/office/powerpoint/2010/main" val="1516446169"/>
+        <p14:creationId xmlns:p14="http://schemas.microsoft.com/office/powerpoint/2010/main" val="401835362"/>
       </p:ext>
     </p:extLst>
   </p:cSld>
@@ -7944,7 +8395,7 @@
           <p:cNvPr id="2" name="Title 1">
             <a:extLst>
               <a:ext uri="{FF2B5EF4-FFF2-40B4-BE49-F238E27FC236}">
-                <a16:creationId xmlns:a16="http://schemas.microsoft.com/office/drawing/2014/main" id="{DE7765B9-3B70-48AE-A413-1F449F73FACF}"/>
+                <a16:creationId xmlns:a16="http://schemas.microsoft.com/office/drawing/2014/main" id="{B938384F-C933-4645-AF58-DAF65C1D10D4}"/>
               </a:ext>
             </a:extLst>
           </p:cNvPr>
@@ -7962,7 +8413,7 @@
           <a:p>
             <a:r>
               <a:rPr lang="en-US" dirty="0"/>
-              <a:t>Try-with-resource</a:t>
+              <a:t>Java 1.7 helped</a:t>
             </a:r>
           </a:p>
         </p:txBody>
@@ -7972,7 +8423,7 @@
           <p:cNvPr id="3" name="Content Placeholder 2">
             <a:extLst>
               <a:ext uri="{FF2B5EF4-FFF2-40B4-BE49-F238E27FC236}">
-                <a16:creationId xmlns:a16="http://schemas.microsoft.com/office/drawing/2014/main" id="{6DDEF85B-3AAE-4838-888F-CB8694D42EDB}"/>
+                <a16:creationId xmlns:a16="http://schemas.microsoft.com/office/drawing/2014/main" id="{7642810F-1239-4C92-8AD3-23104A38A0CC}"/>
               </a:ext>
             </a:extLst>
           </p:cNvPr>
@@ -7985,374 +8436,97 @@
         </p:nvSpPr>
         <p:spPr>
           <a:xfrm>
-            <a:off x="838200" y="5130799"/>
-            <a:ext cx="7100944" cy="1046163"/>
+            <a:off x="838199" y="1825625"/>
+            <a:ext cx="10906125" cy="4351338"/>
           </a:xfrm>
         </p:spPr>
         <p:txBody>
-          <a:bodyPr>
-            <a:normAutofit/>
-          </a:bodyPr>
+          <a:bodyPr/>
           <a:lstStyle/>
           <a:p>
-            <a:pPr marL="0" indent="0">
-              <a:spcBef>
-                <a:spcPts val="0"/>
-              </a:spcBef>
-              <a:buNone/>
-            </a:pPr>
-            <a:r>
-              <a:rPr lang="en-US" sz="2000" dirty="0">
-                <a:latin typeface="Courier New" panose="02070309020205020404" pitchFamily="49" charset="0"/>
-                <a:cs typeface="Courier New" panose="02070309020205020404" pitchFamily="49" charset="0"/>
-              </a:rPr>
-              <a:t>try(Connection conn = </a:t>
-            </a:r>
-            <a:r>
-              <a:rPr lang="en-US" sz="2000" dirty="0" err="1">
-                <a:latin typeface="Courier New" panose="02070309020205020404" pitchFamily="49" charset="0"/>
-                <a:cs typeface="Courier New" panose="02070309020205020404" pitchFamily="49" charset="0"/>
-              </a:rPr>
-              <a:t>getConnection</a:t>
-            </a:r>
-            <a:r>
-              <a:rPr lang="en-US" sz="2000" dirty="0">
-                <a:latin typeface="Courier New" panose="02070309020205020404" pitchFamily="49" charset="0"/>
-                <a:cs typeface="Courier New" panose="02070309020205020404" pitchFamily="49" charset="0"/>
-              </a:rPr>
-              <a:t>()) {</a:t>
-            </a:r>
-          </a:p>
-          <a:p>
-            <a:pPr marL="0" indent="0">
-              <a:spcBef>
-                <a:spcPts val="0"/>
-              </a:spcBef>
-              <a:buNone/>
-            </a:pPr>
-            <a:r>
-              <a:rPr lang="en-US" sz="2000" dirty="0">
-                <a:latin typeface="Courier New" panose="02070309020205020404" pitchFamily="49" charset="0"/>
-                <a:cs typeface="Courier New" panose="02070309020205020404" pitchFamily="49" charset="0"/>
-              </a:rPr>
-              <a:t>}</a:t>
-            </a:r>
-          </a:p>
-        </p:txBody>
-      </p:sp>
-      <p:sp>
-        <p:nvSpPr>
-          <p:cNvPr id="4" name="Content Placeholder 2">
-            <a:extLst>
-              <a:ext uri="{FF2B5EF4-FFF2-40B4-BE49-F238E27FC236}">
-                <a16:creationId xmlns:a16="http://schemas.microsoft.com/office/drawing/2014/main" id="{08F3BE65-7F12-464B-8C97-F43A15556DE2}"/>
-              </a:ext>
-            </a:extLst>
-          </p:cNvPr>
-          <p:cNvSpPr txBox="1">
-            <a:spLocks/>
-          </p:cNvSpPr>
-          <p:nvPr/>
-        </p:nvSpPr>
-        <p:spPr>
-          <a:xfrm>
-            <a:off x="838200" y="1690688"/>
-            <a:ext cx="5778500" cy="3287712"/>
-          </a:xfrm>
-          <a:prstGeom prst="rect">
-            <a:avLst/>
-          </a:prstGeom>
-        </p:spPr>
-        <p:txBody>
-          <a:bodyPr vert="horz" lIns="91440" tIns="45720" rIns="91440" bIns="45720" rtlCol="0">
-            <a:normAutofit/>
-          </a:bodyPr>
-          <a:lstStyle>
-            <a:lvl1pPr marL="228600" indent="-228600" algn="l" defTabSz="914400" rtl="0" eaLnBrk="1" latinLnBrk="0" hangingPunct="1">
-              <a:lnSpc>
-                <a:spcPct val="90000"/>
-              </a:lnSpc>
-              <a:spcBef>
-                <a:spcPts val="1000"/>
-              </a:spcBef>
-              <a:buFont typeface="Arial" panose="020B0604020202020204" pitchFamily="34" charset="0"/>
-              <a:buChar char="•"/>
-              <a:defRPr sz="2800" kern="1200">
-                <a:solidFill>
-                  <a:schemeClr val="tx1"/>
-                </a:solidFill>
-                <a:latin typeface="+mn-lt"/>
-                <a:ea typeface="+mn-ea"/>
-                <a:cs typeface="+mn-cs"/>
-              </a:defRPr>
-            </a:lvl1pPr>
-            <a:lvl2pPr marL="685800" indent="-228600" algn="l" defTabSz="914400" rtl="0" eaLnBrk="1" latinLnBrk="0" hangingPunct="1">
-              <a:lnSpc>
-                <a:spcPct val="90000"/>
-              </a:lnSpc>
-              <a:spcBef>
-                <a:spcPts val="500"/>
-              </a:spcBef>
-              <a:buFont typeface="Arial" panose="020B0604020202020204" pitchFamily="34" charset="0"/>
-              <a:buChar char="•"/>
-              <a:defRPr sz="2400" kern="1200">
-                <a:solidFill>
-                  <a:schemeClr val="tx1"/>
-                </a:solidFill>
-                <a:latin typeface="+mn-lt"/>
-                <a:ea typeface="+mn-ea"/>
-                <a:cs typeface="+mn-cs"/>
-              </a:defRPr>
-            </a:lvl2pPr>
-            <a:lvl3pPr marL="1143000" indent="-228600" algn="l" defTabSz="914400" rtl="0" eaLnBrk="1" latinLnBrk="0" hangingPunct="1">
-              <a:lnSpc>
-                <a:spcPct val="90000"/>
-              </a:lnSpc>
-              <a:spcBef>
-                <a:spcPts val="500"/>
-              </a:spcBef>
-              <a:buFont typeface="Arial" panose="020B0604020202020204" pitchFamily="34" charset="0"/>
-              <a:buChar char="•"/>
-              <a:defRPr sz="2000" kern="1200">
-                <a:solidFill>
-                  <a:schemeClr val="tx1"/>
-                </a:solidFill>
-                <a:latin typeface="+mn-lt"/>
-                <a:ea typeface="+mn-ea"/>
-                <a:cs typeface="+mn-cs"/>
-              </a:defRPr>
-            </a:lvl3pPr>
-            <a:lvl4pPr marL="1600200" indent="-228600" algn="l" defTabSz="914400" rtl="0" eaLnBrk="1" latinLnBrk="0" hangingPunct="1">
-              <a:lnSpc>
-                <a:spcPct val="90000"/>
-              </a:lnSpc>
-              <a:spcBef>
-                <a:spcPts val="500"/>
-              </a:spcBef>
-              <a:buFont typeface="Arial" panose="020B0604020202020204" pitchFamily="34" charset="0"/>
-              <a:buChar char="•"/>
-              <a:defRPr sz="1800" kern="1200">
-                <a:solidFill>
-                  <a:schemeClr val="tx1"/>
-                </a:solidFill>
-                <a:latin typeface="+mn-lt"/>
-                <a:ea typeface="+mn-ea"/>
-                <a:cs typeface="+mn-cs"/>
-              </a:defRPr>
-            </a:lvl4pPr>
-            <a:lvl5pPr marL="2057400" indent="-228600" algn="l" defTabSz="914400" rtl="0" eaLnBrk="1" latinLnBrk="0" hangingPunct="1">
-              <a:lnSpc>
-                <a:spcPct val="90000"/>
-              </a:lnSpc>
-              <a:spcBef>
-                <a:spcPts val="500"/>
-              </a:spcBef>
-              <a:buFont typeface="Arial" panose="020B0604020202020204" pitchFamily="34" charset="0"/>
-              <a:buChar char="•"/>
-              <a:defRPr sz="1800" kern="1200">
-                <a:solidFill>
-                  <a:schemeClr val="tx1"/>
-                </a:solidFill>
-                <a:latin typeface="+mn-lt"/>
-                <a:ea typeface="+mn-ea"/>
-                <a:cs typeface="+mn-cs"/>
-              </a:defRPr>
-            </a:lvl5pPr>
-            <a:lvl6pPr marL="2514600" indent="-228600" algn="l" defTabSz="914400" rtl="0" eaLnBrk="1" latinLnBrk="0" hangingPunct="1">
-              <a:lnSpc>
-                <a:spcPct val="90000"/>
-              </a:lnSpc>
-              <a:spcBef>
-                <a:spcPts val="500"/>
-              </a:spcBef>
-              <a:buFont typeface="Arial" panose="020B0604020202020204" pitchFamily="34" charset="0"/>
-              <a:buChar char="•"/>
-              <a:defRPr sz="1800" kern="1200">
-                <a:solidFill>
-                  <a:schemeClr val="tx1"/>
-                </a:solidFill>
-                <a:latin typeface="+mn-lt"/>
-                <a:ea typeface="+mn-ea"/>
-                <a:cs typeface="+mn-cs"/>
-              </a:defRPr>
-            </a:lvl6pPr>
-            <a:lvl7pPr marL="2971800" indent="-228600" algn="l" defTabSz="914400" rtl="0" eaLnBrk="1" latinLnBrk="0" hangingPunct="1">
-              <a:lnSpc>
-                <a:spcPct val="90000"/>
-              </a:lnSpc>
-              <a:spcBef>
-                <a:spcPts val="500"/>
-              </a:spcBef>
-              <a:buFont typeface="Arial" panose="020B0604020202020204" pitchFamily="34" charset="0"/>
-              <a:buChar char="•"/>
-              <a:defRPr sz="1800" kern="1200">
-                <a:solidFill>
-                  <a:schemeClr val="tx1"/>
-                </a:solidFill>
-                <a:latin typeface="+mn-lt"/>
-                <a:ea typeface="+mn-ea"/>
-                <a:cs typeface="+mn-cs"/>
-              </a:defRPr>
-            </a:lvl7pPr>
-            <a:lvl8pPr marL="3429000" indent="-228600" algn="l" defTabSz="914400" rtl="0" eaLnBrk="1" latinLnBrk="0" hangingPunct="1">
-              <a:lnSpc>
-                <a:spcPct val="90000"/>
-              </a:lnSpc>
-              <a:spcBef>
-                <a:spcPts val="500"/>
-              </a:spcBef>
-              <a:buFont typeface="Arial" panose="020B0604020202020204" pitchFamily="34" charset="0"/>
-              <a:buChar char="•"/>
-              <a:defRPr sz="1800" kern="1200">
-                <a:solidFill>
-                  <a:schemeClr val="tx1"/>
-                </a:solidFill>
-                <a:latin typeface="+mn-lt"/>
-                <a:ea typeface="+mn-ea"/>
-                <a:cs typeface="+mn-cs"/>
-              </a:defRPr>
-            </a:lvl8pPr>
-            <a:lvl9pPr marL="3886200" indent="-228600" algn="l" defTabSz="914400" rtl="0" eaLnBrk="1" latinLnBrk="0" hangingPunct="1">
-              <a:lnSpc>
-                <a:spcPct val="90000"/>
-              </a:lnSpc>
-              <a:spcBef>
-                <a:spcPts val="500"/>
-              </a:spcBef>
-              <a:buFont typeface="Arial" panose="020B0604020202020204" pitchFamily="34" charset="0"/>
-              <a:buChar char="•"/>
-              <a:defRPr sz="1800" kern="1200">
-                <a:solidFill>
-                  <a:schemeClr val="tx1"/>
-                </a:solidFill>
-                <a:latin typeface="+mn-lt"/>
-                <a:ea typeface="+mn-ea"/>
-                <a:cs typeface="+mn-cs"/>
-              </a:defRPr>
-            </a:lvl9pPr>
-          </a:lstStyle>
-          <a:p>
+            <a:r>
+              <a:rPr lang="en-US" dirty="0"/>
+              <a:t>Java 1.7 introduced </a:t>
+            </a:r>
             <a:r>
               <a:rPr lang="en-US" dirty="0">
-                <a:latin typeface="+mj-lt"/>
-                <a:cs typeface="Courier New" panose="02070309020205020404" pitchFamily="49" charset="0"/>
-              </a:rPr>
-              <a:t>The resource is </a:t>
+                <a:solidFill>
+                  <a:srgbClr val="00B0F0"/>
+                </a:solidFill>
+              </a:rPr>
+              <a:t>try-with-resource</a:t>
+            </a:r>
+          </a:p>
+          <a:p>
+            <a:r>
+              <a:rPr lang="en-US" dirty="0"/>
+              <a:t>This </a:t>
             </a:r>
             <a:r>
               <a:rPr lang="en-US" dirty="0">
                 <a:solidFill>
                   <a:srgbClr val="00B0F0"/>
                 </a:solidFill>
-                <a:latin typeface="+mj-lt"/>
-                <a:cs typeface="Courier New" panose="02070309020205020404" pitchFamily="49" charset="0"/>
-              </a:rPr>
-              <a:t>initialized</a:t>
-            </a:r>
+              </a:rPr>
+              <a:t>automatically</a:t>
+            </a:r>
+            <a:r>
+              <a:rPr lang="en-US" dirty="0"/>
+              <a:t> closes objects that implement the Closeable interface</a:t>
+            </a:r>
+          </a:p>
+          <a:p>
+            <a:pPr lvl="1"/>
             <a:r>
               <a:rPr lang="en-US" dirty="0">
-                <a:latin typeface="+mj-lt"/>
-                <a:cs typeface="Courier New" panose="02070309020205020404" pitchFamily="49" charset="0"/>
-              </a:rPr>
-              <a:t> within parentheses after the </a:t>
-            </a:r>
-            <a:r>
-              <a:rPr lang="en-US" i="1" dirty="0">
-                <a:latin typeface="+mj-lt"/>
-                <a:cs typeface="Courier New" panose="02070309020205020404" pitchFamily="49" charset="0"/>
-              </a:rPr>
-              <a:t>try </a:t>
-            </a:r>
+                <a:solidFill>
+                  <a:srgbClr val="FF9900"/>
+                </a:solidFill>
+              </a:rPr>
+              <a:t>Connection</a:t>
+            </a:r>
+            <a:r>
+              <a:rPr lang="en-US" dirty="0"/>
+              <a:t>s</a:t>
+            </a:r>
+          </a:p>
+          <a:p>
+            <a:pPr lvl="1"/>
             <a:r>
               <a:rPr lang="en-US" dirty="0">
-                <a:latin typeface="+mj-lt"/>
-                <a:cs typeface="Courier New" panose="02070309020205020404" pitchFamily="49" charset="0"/>
-              </a:rPr>
-              <a:t>keyword and before the try body</a:t>
-            </a:r>
-          </a:p>
-          <a:p>
-            <a:r>
-              <a:rPr lang="en-US" dirty="0">
-                <a:latin typeface="+mj-lt"/>
-                <a:cs typeface="Courier New" panose="02070309020205020404" pitchFamily="49" charset="0"/>
-              </a:rPr>
-              <a:t>No need to write </a:t>
-            </a:r>
-            <a:r>
-              <a:rPr lang="en-US" i="1" dirty="0">
                 <a:solidFill>
                   <a:srgbClr val="FF9900"/>
                 </a:solidFill>
-                <a:latin typeface="+mj-lt"/>
-                <a:cs typeface="Courier New" panose="02070309020205020404" pitchFamily="49" charset="0"/>
-              </a:rPr>
-              <a:t>finally</a:t>
-            </a:r>
-            <a:r>
-              <a:rPr lang="en-US" i="1" dirty="0">
-                <a:latin typeface="+mj-lt"/>
-                <a:cs typeface="Courier New" panose="02070309020205020404" pitchFamily="49" charset="0"/>
-              </a:rPr>
-              <a:t> </a:t>
-            </a:r>
-            <a:r>
-              <a:rPr lang="en-US" dirty="0">
-                <a:latin typeface="+mj-lt"/>
-                <a:cs typeface="Courier New" panose="02070309020205020404" pitchFamily="49" charset="0"/>
-              </a:rPr>
-              <a:t>block</a:t>
-            </a:r>
-          </a:p>
-          <a:p>
-            <a:r>
-              <a:rPr lang="en-US" dirty="0">
-                <a:latin typeface="+mj-lt"/>
-                <a:cs typeface="Courier New" panose="02070309020205020404" pitchFamily="49" charset="0"/>
-              </a:rPr>
-              <a:t>The compiler adds the </a:t>
-            </a:r>
-            <a:r>
-              <a:rPr lang="en-US" i="1" dirty="0">
+              </a:rPr>
+              <a:t>Statement</a:t>
+            </a:r>
+            <a:r>
+              <a:rPr lang="en-US" dirty="0"/>
+              <a:t>s</a:t>
+            </a:r>
+          </a:p>
+          <a:p>
+            <a:pPr lvl="1"/>
+            <a:r>
+              <a:rPr lang="en-US" dirty="0" err="1">
                 <a:solidFill>
                   <a:srgbClr val="FF9900"/>
                 </a:solidFill>
-                <a:latin typeface="+mj-lt"/>
-                <a:cs typeface="Courier New" panose="02070309020205020404" pitchFamily="49" charset="0"/>
-              </a:rPr>
-              <a:t>finally</a:t>
-            </a:r>
-            <a:r>
-              <a:rPr lang="en-US" dirty="0">
-                <a:latin typeface="+mj-lt"/>
-                <a:cs typeface="Courier New" panose="02070309020205020404" pitchFamily="49" charset="0"/>
-              </a:rPr>
-              <a:t> block and </a:t>
-            </a:r>
-            <a:r>
-              <a:rPr lang="en-US" dirty="0">
-                <a:solidFill>
-                  <a:srgbClr val="00B0F0"/>
-                </a:solidFill>
-                <a:latin typeface="+mj-lt"/>
-                <a:cs typeface="Courier New" panose="02070309020205020404" pitchFamily="49" charset="0"/>
-              </a:rPr>
-              <a:t>closes</a:t>
-            </a:r>
-            <a:r>
-              <a:rPr lang="en-US" dirty="0">
-                <a:latin typeface="+mj-lt"/>
-                <a:cs typeface="Courier New" panose="02070309020205020404" pitchFamily="49" charset="0"/>
-              </a:rPr>
-              <a:t> the resource</a:t>
-            </a:r>
+              </a:rPr>
+              <a:t>ResultSet</a:t>
+            </a:r>
+            <a:r>
+              <a:rPr lang="en-US" dirty="0" err="1"/>
+              <a:t>s</a:t>
+            </a:r>
+            <a:endParaRPr lang="en-US" dirty="0"/>
           </a:p>
         </p:txBody>
       </p:sp>
     </p:spTree>
     <p:extLst>
       <p:ext uri="{BB962C8B-B14F-4D97-AF65-F5344CB8AC3E}">
-        <p14:creationId xmlns:p14="http://schemas.microsoft.com/office/powerpoint/2010/main" val="456916554"/>
+        <p14:creationId xmlns:p14="http://schemas.microsoft.com/office/powerpoint/2010/main" val="1516446169"/>
       </p:ext>
     </p:extLst>
   </p:cSld>
@@ -8396,7 +8570,7 @@
           <p:cNvPr id="2" name="Title 1">
             <a:extLst>
               <a:ext uri="{FF2B5EF4-FFF2-40B4-BE49-F238E27FC236}">
-                <a16:creationId xmlns:a16="http://schemas.microsoft.com/office/drawing/2014/main" id="{EB29E032-864D-48A6-B9F1-A0DC91F2FAE5}"/>
+                <a16:creationId xmlns:a16="http://schemas.microsoft.com/office/drawing/2014/main" id="{DE7765B9-3B70-48AE-A413-1F449F73FACF}"/>
               </a:ext>
             </a:extLst>
           </p:cNvPr>
@@ -8412,12 +8586,82 @@
           <a:bodyPr/>
           <a:lstStyle/>
           <a:p>
-            <a:pPr marL="0" indent="0">
-              <a:buNone/>
-            </a:pPr>
             <a:r>
               <a:rPr lang="en-US" dirty="0"/>
-              <a:t>You still need to handle exceptions</a:t>
+              <a:t>Try-with-resource</a:t>
+            </a:r>
+          </a:p>
+        </p:txBody>
+      </p:sp>
+      <p:sp>
+        <p:nvSpPr>
+          <p:cNvPr id="3" name="Content Placeholder 2">
+            <a:extLst>
+              <a:ext uri="{FF2B5EF4-FFF2-40B4-BE49-F238E27FC236}">
+                <a16:creationId xmlns:a16="http://schemas.microsoft.com/office/drawing/2014/main" id="{6DDEF85B-3AAE-4838-888F-CB8694D42EDB}"/>
+              </a:ext>
+            </a:extLst>
+          </p:cNvPr>
+          <p:cNvSpPr>
+            <a:spLocks noGrp="1"/>
+          </p:cNvSpPr>
+          <p:nvPr>
+            <p:ph idx="1"/>
+          </p:nvPr>
+        </p:nvSpPr>
+        <p:spPr>
+          <a:xfrm>
+            <a:off x="838200" y="5130799"/>
+            <a:ext cx="7100944" cy="1046163"/>
+          </a:xfrm>
+        </p:spPr>
+        <p:txBody>
+          <a:bodyPr>
+            <a:normAutofit/>
+          </a:bodyPr>
+          <a:lstStyle/>
+          <a:p>
+            <a:pPr marL="0" indent="0">
+              <a:spcBef>
+                <a:spcPts val="0"/>
+              </a:spcBef>
+              <a:buNone/>
+            </a:pPr>
+            <a:r>
+              <a:rPr lang="en-US" sz="2000" dirty="0">
+                <a:latin typeface="Courier New" panose="02070309020205020404" pitchFamily="49" charset="0"/>
+                <a:cs typeface="Courier New" panose="02070309020205020404" pitchFamily="49" charset="0"/>
+              </a:rPr>
+              <a:t>try(Connection conn = </a:t>
+            </a:r>
+            <a:r>
+              <a:rPr lang="en-US" sz="2000" dirty="0" err="1">
+                <a:latin typeface="Courier New" panose="02070309020205020404" pitchFamily="49" charset="0"/>
+                <a:cs typeface="Courier New" panose="02070309020205020404" pitchFamily="49" charset="0"/>
+              </a:rPr>
+              <a:t>getConnection</a:t>
+            </a:r>
+            <a:r>
+              <a:rPr lang="en-US" sz="2000" dirty="0">
+                <a:latin typeface="Courier New" panose="02070309020205020404" pitchFamily="49" charset="0"/>
+                <a:cs typeface="Courier New" panose="02070309020205020404" pitchFamily="49" charset="0"/>
+              </a:rPr>
+              <a:t>()) {</a:t>
+            </a:r>
+          </a:p>
+          <a:p>
+            <a:pPr marL="0" indent="0">
+              <a:spcBef>
+                <a:spcPts val="0"/>
+              </a:spcBef>
+              <a:buNone/>
+            </a:pPr>
+            <a:r>
+              <a:rPr lang="en-US" sz="2000" dirty="0">
+                <a:latin typeface="Courier New" panose="02070309020205020404" pitchFamily="49" charset="0"/>
+                <a:cs typeface="Courier New" panose="02070309020205020404" pitchFamily="49" charset="0"/>
+              </a:rPr>
+              <a:t>}</a:t>
             </a:r>
           </a:p>
         </p:txBody>
@@ -8427,7 +8671,7 @@
           <p:cNvPr id="4" name="Content Placeholder 2">
             <a:extLst>
               <a:ext uri="{FF2B5EF4-FFF2-40B4-BE49-F238E27FC236}">
-                <a16:creationId xmlns:a16="http://schemas.microsoft.com/office/drawing/2014/main" id="{21650EA5-1F94-4094-9973-3EAC1C8587FF}"/>
+                <a16:creationId xmlns:a16="http://schemas.microsoft.com/office/drawing/2014/main" id="{08F3BE65-7F12-464B-8C97-F43A15556DE2}"/>
               </a:ext>
             </a:extLst>
           </p:cNvPr>
@@ -8438,8 +8682,8 @@
         </p:nvSpPr>
         <p:spPr>
           <a:xfrm>
-            <a:off x="838200" y="2946401"/>
-            <a:ext cx="7100944" cy="3230562"/>
+            <a:off x="838200" y="1700213"/>
+            <a:ext cx="11125200" cy="3287712"/>
           </a:xfrm>
           <a:prstGeom prst="rect">
             <a:avLst/>
@@ -8614,110 +8858,119 @@
             </a:lvl9pPr>
           </a:lstStyle>
           <a:p>
-            <a:pPr marL="0" indent="0">
-              <a:buFont typeface="Arial" panose="020B0604020202020204" pitchFamily="34" charset="0"/>
-              <a:buNone/>
-            </a:pPr>
-            <a:r>
-              <a:rPr lang="en-US" sz="2000" dirty="0">
+            <a:r>
+              <a:rPr lang="en-US" dirty="0">
+                <a:latin typeface="+mj-lt"/>
+                <a:cs typeface="Courier New" panose="02070309020205020404" pitchFamily="49" charset="0"/>
+              </a:rPr>
+              <a:t>The resource is </a:t>
+            </a:r>
+            <a:r>
+              <a:rPr lang="en-US" dirty="0">
+                <a:solidFill>
+                  <a:srgbClr val="00B0F0"/>
+                </a:solidFill>
+                <a:latin typeface="+mj-lt"/>
+                <a:cs typeface="Courier New" panose="02070309020205020404" pitchFamily="49" charset="0"/>
+              </a:rPr>
+              <a:t>initialized</a:t>
+            </a:r>
+            <a:r>
+              <a:rPr lang="en-US" dirty="0">
+                <a:latin typeface="+mj-lt"/>
+                <a:cs typeface="Courier New" panose="02070309020205020404" pitchFamily="49" charset="0"/>
+              </a:rPr>
+              <a:t> within parentheses after the </a:t>
+            </a:r>
+            <a:r>
+              <a:rPr lang="en-US" i="1" dirty="0">
+                <a:latin typeface="+mj-lt"/>
+                <a:cs typeface="Courier New" panose="02070309020205020404" pitchFamily="49" charset="0"/>
+              </a:rPr>
+              <a:t>try </a:t>
+            </a:r>
+            <a:r>
+              <a:rPr lang="en-US" dirty="0">
+                <a:latin typeface="+mj-lt"/>
+                <a:cs typeface="Courier New" panose="02070309020205020404" pitchFamily="49" charset="0"/>
+              </a:rPr>
+              <a:t>keyword and before the try body</a:t>
+            </a:r>
+          </a:p>
+          <a:p>
+            <a:r>
+              <a:rPr lang="en-US" dirty="0">
+                <a:latin typeface="+mj-lt"/>
+                <a:cs typeface="Courier New" panose="02070309020205020404" pitchFamily="49" charset="0"/>
+              </a:rPr>
+              <a:t>No need to write </a:t>
+            </a:r>
+            <a:r>
+              <a:rPr lang="en-US" i="1" dirty="0">
                 <a:solidFill>
                   <a:srgbClr val="FF9900"/>
                 </a:solidFill>
-                <a:latin typeface="Courier New" panose="02070309020205020404" pitchFamily="49" charset="0"/>
-                <a:cs typeface="Courier New" panose="02070309020205020404" pitchFamily="49" charset="0"/>
-              </a:rPr>
-              <a:t>try</a:t>
-            </a:r>
-            <a:r>
-              <a:rPr lang="en-US" sz="2000" dirty="0">
-                <a:latin typeface="Courier New" panose="02070309020205020404" pitchFamily="49" charset="0"/>
-                <a:cs typeface="Courier New" panose="02070309020205020404" pitchFamily="49" charset="0"/>
-              </a:rPr>
-              <a:t>(Connection conn = </a:t>
-            </a:r>
-            <a:r>
-              <a:rPr lang="en-US" sz="2000" dirty="0" err="1">
-                <a:latin typeface="Courier New" panose="02070309020205020404" pitchFamily="49" charset="0"/>
-                <a:cs typeface="Courier New" panose="02070309020205020404" pitchFamily="49" charset="0"/>
-              </a:rPr>
-              <a:t>getConnection</a:t>
-            </a:r>
-            <a:r>
-              <a:rPr lang="en-US" sz="2000" dirty="0">
-                <a:latin typeface="Courier New" panose="02070309020205020404" pitchFamily="49" charset="0"/>
-                <a:cs typeface="Courier New" panose="02070309020205020404" pitchFamily="49" charset="0"/>
-              </a:rPr>
-              <a:t>()) {</a:t>
-            </a:r>
-          </a:p>
-          <a:p>
-            <a:pPr marL="0" indent="0">
-              <a:buFont typeface="Arial" panose="020B0604020202020204" pitchFamily="34" charset="0"/>
-              <a:buNone/>
-            </a:pPr>
-            <a:r>
-              <a:rPr lang="en-US" sz="2000" dirty="0">
-                <a:latin typeface="Courier New" panose="02070309020205020404" pitchFamily="49" charset="0"/>
-                <a:cs typeface="Courier New" panose="02070309020205020404" pitchFamily="49" charset="0"/>
-              </a:rPr>
-              <a:t>} </a:t>
-            </a:r>
-            <a:r>
-              <a:rPr lang="en-US" sz="2000" dirty="0">
+                <a:latin typeface="+mj-lt"/>
+                <a:cs typeface="Courier New" panose="02070309020205020404" pitchFamily="49" charset="0"/>
+              </a:rPr>
+              <a:t>finally</a:t>
+            </a:r>
+            <a:r>
+              <a:rPr lang="en-US" i="1" dirty="0">
+                <a:latin typeface="+mj-lt"/>
+                <a:cs typeface="Courier New" panose="02070309020205020404" pitchFamily="49" charset="0"/>
+              </a:rPr>
+              <a:t> </a:t>
+            </a:r>
+            <a:r>
+              <a:rPr lang="en-US" dirty="0">
+                <a:latin typeface="+mj-lt"/>
+                <a:cs typeface="Courier New" panose="02070309020205020404" pitchFamily="49" charset="0"/>
+              </a:rPr>
+              <a:t>block</a:t>
+            </a:r>
+          </a:p>
+          <a:p>
+            <a:r>
+              <a:rPr lang="en-US" dirty="0">
+                <a:latin typeface="+mj-lt"/>
+                <a:cs typeface="Courier New" panose="02070309020205020404" pitchFamily="49" charset="0"/>
+              </a:rPr>
+              <a:t>The compiler adds the </a:t>
+            </a:r>
+            <a:r>
+              <a:rPr lang="en-US" i="1" dirty="0">
                 <a:solidFill>
                   <a:srgbClr val="FF9900"/>
                 </a:solidFill>
-                <a:latin typeface="Courier New" panose="02070309020205020404" pitchFamily="49" charset="0"/>
-                <a:cs typeface="Courier New" panose="02070309020205020404" pitchFamily="49" charset="0"/>
-              </a:rPr>
-              <a:t>catch</a:t>
-            </a:r>
-            <a:r>
-              <a:rPr lang="en-US" sz="2000" dirty="0">
-                <a:latin typeface="Courier New" panose="02070309020205020404" pitchFamily="49" charset="0"/>
-                <a:cs typeface="Courier New" panose="02070309020205020404" pitchFamily="49" charset="0"/>
-              </a:rPr>
-              <a:t>(</a:t>
-            </a:r>
-            <a:r>
-              <a:rPr lang="en-US" sz="2000" dirty="0" err="1">
-                <a:latin typeface="Courier New" panose="02070309020205020404" pitchFamily="49" charset="0"/>
-                <a:cs typeface="Courier New" panose="02070309020205020404" pitchFamily="49" charset="0"/>
-              </a:rPr>
-              <a:t>SQLException</a:t>
-            </a:r>
-            <a:r>
-              <a:rPr lang="en-US" sz="2000" dirty="0">
-                <a:latin typeface="Courier New" panose="02070309020205020404" pitchFamily="49" charset="0"/>
-                <a:cs typeface="Courier New" panose="02070309020205020404" pitchFamily="49" charset="0"/>
-              </a:rPr>
-              <a:t> e) {</a:t>
-            </a:r>
-          </a:p>
-          <a:p>
-            <a:pPr marL="0" indent="0">
-              <a:buFont typeface="Arial" panose="020B0604020202020204" pitchFamily="34" charset="0"/>
-              <a:buNone/>
-            </a:pPr>
-            <a:r>
-              <a:rPr lang="en-US" sz="2000" dirty="0">
-                <a:latin typeface="Courier New" panose="02070309020205020404" pitchFamily="49" charset="0"/>
-                <a:cs typeface="Courier New" panose="02070309020205020404" pitchFamily="49" charset="0"/>
-              </a:rPr>
-              <a:t>  // Handle the exception</a:t>
-            </a:r>
-          </a:p>
-          <a:p>
-            <a:pPr marL="0" indent="0">
-              <a:buFont typeface="Arial" panose="020B0604020202020204" pitchFamily="34" charset="0"/>
-              <a:buNone/>
-            </a:pPr>
-            <a:r>
-              <a:rPr lang="en-US" sz="2000" dirty="0">
-                <a:latin typeface="Courier New" panose="02070309020205020404" pitchFamily="49" charset="0"/>
-                <a:cs typeface="Courier New" panose="02070309020205020404" pitchFamily="49" charset="0"/>
-              </a:rPr>
-              <a:t>}</a:t>
+                <a:latin typeface="+mj-lt"/>
+                <a:cs typeface="Courier New" panose="02070309020205020404" pitchFamily="49" charset="0"/>
+              </a:rPr>
+              <a:t>finally</a:t>
+            </a:r>
+            <a:r>
+              <a:rPr lang="en-US" dirty="0">
+                <a:latin typeface="+mj-lt"/>
+                <a:cs typeface="Courier New" panose="02070309020205020404" pitchFamily="49" charset="0"/>
+              </a:rPr>
+              <a:t> block and </a:t>
+            </a:r>
+            <a:r>
+              <a:rPr lang="en-US" dirty="0">
+                <a:solidFill>
+                  <a:srgbClr val="00B0F0"/>
+                </a:solidFill>
+                <a:latin typeface="+mj-lt"/>
+                <a:cs typeface="Courier New" panose="02070309020205020404" pitchFamily="49" charset="0"/>
+              </a:rPr>
+              <a:t>closes</a:t>
+            </a:r>
+            <a:r>
+              <a:rPr lang="en-US" dirty="0">
+                <a:latin typeface="+mj-lt"/>
+                <a:cs typeface="Courier New" panose="02070309020205020404" pitchFamily="49" charset="0"/>
+              </a:rPr>
+              <a:t> the resource</a:t>
             </a:r>
           </a:p>
         </p:txBody>
@@ -8725,7 +8978,7 @@
     </p:spTree>
     <p:extLst>
       <p:ext uri="{BB962C8B-B14F-4D97-AF65-F5344CB8AC3E}">
-        <p14:creationId xmlns:p14="http://schemas.microsoft.com/office/powerpoint/2010/main" val="4178498045"/>
+        <p14:creationId xmlns:p14="http://schemas.microsoft.com/office/powerpoint/2010/main" val="456916554"/>
       </p:ext>
     </p:extLst>
   </p:cSld>
@@ -8766,10 +9019,10 @@
       </p:grpSpPr>
       <p:sp>
         <p:nvSpPr>
-          <p:cNvPr id="6" name="Title 5">
+          <p:cNvPr id="2" name="Title 1">
             <a:extLst>
               <a:ext uri="{FF2B5EF4-FFF2-40B4-BE49-F238E27FC236}">
-                <a16:creationId xmlns:a16="http://schemas.microsoft.com/office/drawing/2014/main" id="{6935944B-5B3C-4EDC-880D-B78DFF276DAC}"/>
+                <a16:creationId xmlns:a16="http://schemas.microsoft.com/office/drawing/2014/main" id="{EB29E032-864D-48A6-B9F1-A0DC91F2FAE5}"/>
               </a:ext>
             </a:extLst>
           </p:cNvPr>
@@ -8780,63 +9033,221 @@
             <p:ph type="title"/>
           </p:nvPr>
         </p:nvSpPr>
-        <p:spPr>
-          <a:xfrm>
-            <a:off x="838200" y="365125"/>
-            <a:ext cx="10515600" cy="688975"/>
-          </a:xfrm>
-        </p:spPr>
+        <p:spPr/>
         <p:txBody>
-          <a:bodyPr>
-            <a:normAutofit fontScale="90000"/>
-          </a:bodyPr>
+          <a:bodyPr/>
           <a:lstStyle/>
           <a:p>
+            <a:pPr marL="0" indent="0">
+              <a:buNone/>
+            </a:pPr>
             <a:r>
               <a:rPr lang="en-US" dirty="0"/>
-              <a:t>The code now looks like this (better)</a:t>
+              <a:t>You still need to handle exceptions</a:t>
             </a:r>
           </a:p>
         </p:txBody>
       </p:sp>
       <p:sp>
         <p:nvSpPr>
-          <p:cNvPr id="3" name="Content Placeholder 2">
+          <p:cNvPr id="4" name="Content Placeholder 2">
             <a:extLst>
               <a:ext uri="{FF2B5EF4-FFF2-40B4-BE49-F238E27FC236}">
-                <a16:creationId xmlns:a16="http://schemas.microsoft.com/office/drawing/2014/main" id="{213089A8-5F5A-47D3-9098-4589646F7E48}"/>
+                <a16:creationId xmlns:a16="http://schemas.microsoft.com/office/drawing/2014/main" id="{21650EA5-1F94-4094-9973-3EAC1C8587FF}"/>
               </a:ext>
             </a:extLst>
           </p:cNvPr>
-          <p:cNvSpPr>
-            <a:spLocks noGrp="1"/>
+          <p:cNvSpPr txBox="1">
+            <a:spLocks/>
           </p:cNvSpPr>
-          <p:nvPr>
-            <p:ph idx="1"/>
-          </p:nvPr>
+          <p:nvPr/>
         </p:nvSpPr>
         <p:spPr>
           <a:xfrm>
-            <a:off x="838200" y="1397000"/>
-            <a:ext cx="7518400" cy="5095875"/>
+            <a:off x="838200" y="2946401"/>
+            <a:ext cx="7100944" cy="3230562"/>
           </a:xfrm>
+          <a:prstGeom prst="rect">
+            <a:avLst/>
+          </a:prstGeom>
         </p:spPr>
         <p:txBody>
-          <a:bodyPr>
-            <a:normAutofit lnSpcReduction="10000"/>
+          <a:bodyPr vert="horz" lIns="91440" tIns="45720" rIns="91440" bIns="45720" rtlCol="0">
+            <a:normAutofit/>
           </a:bodyPr>
-          <a:lstStyle/>
-          <a:p>
-            <a:pPr marL="0" indent="0">
-              <a:spcBef>
-                <a:spcPts val="300"/>
-              </a:spcBef>
-              <a:buNone/>
-            </a:pPr>
-            <a:r>
-              <a:rPr lang="en-US" sz="2000" dirty="0">
-                <a:solidFill>
-                  <a:srgbClr val="00B0F0"/>
+          <a:lstStyle>
+            <a:lvl1pPr marL="228600" indent="-228600" algn="l" defTabSz="914400" rtl="0" eaLnBrk="1" latinLnBrk="0" hangingPunct="1">
+              <a:lnSpc>
+                <a:spcPct val="90000"/>
+              </a:lnSpc>
+              <a:spcBef>
+                <a:spcPts val="1000"/>
+              </a:spcBef>
+              <a:buFont typeface="Arial" panose="020B0604020202020204" pitchFamily="34" charset="0"/>
+              <a:buChar char="•"/>
+              <a:defRPr sz="2800" kern="1200">
+                <a:solidFill>
+                  <a:schemeClr val="tx1"/>
+                </a:solidFill>
+                <a:latin typeface="+mn-lt"/>
+                <a:ea typeface="+mn-ea"/>
+                <a:cs typeface="+mn-cs"/>
+              </a:defRPr>
+            </a:lvl1pPr>
+            <a:lvl2pPr marL="685800" indent="-228600" algn="l" defTabSz="914400" rtl="0" eaLnBrk="1" latinLnBrk="0" hangingPunct="1">
+              <a:lnSpc>
+                <a:spcPct val="90000"/>
+              </a:lnSpc>
+              <a:spcBef>
+                <a:spcPts val="500"/>
+              </a:spcBef>
+              <a:buFont typeface="Arial" panose="020B0604020202020204" pitchFamily="34" charset="0"/>
+              <a:buChar char="•"/>
+              <a:defRPr sz="2400" kern="1200">
+                <a:solidFill>
+                  <a:schemeClr val="tx1"/>
+                </a:solidFill>
+                <a:latin typeface="+mn-lt"/>
+                <a:ea typeface="+mn-ea"/>
+                <a:cs typeface="+mn-cs"/>
+              </a:defRPr>
+            </a:lvl2pPr>
+            <a:lvl3pPr marL="1143000" indent="-228600" algn="l" defTabSz="914400" rtl="0" eaLnBrk="1" latinLnBrk="0" hangingPunct="1">
+              <a:lnSpc>
+                <a:spcPct val="90000"/>
+              </a:lnSpc>
+              <a:spcBef>
+                <a:spcPts val="500"/>
+              </a:spcBef>
+              <a:buFont typeface="Arial" panose="020B0604020202020204" pitchFamily="34" charset="0"/>
+              <a:buChar char="•"/>
+              <a:defRPr sz="2000" kern="1200">
+                <a:solidFill>
+                  <a:schemeClr val="tx1"/>
+                </a:solidFill>
+                <a:latin typeface="+mn-lt"/>
+                <a:ea typeface="+mn-ea"/>
+                <a:cs typeface="+mn-cs"/>
+              </a:defRPr>
+            </a:lvl3pPr>
+            <a:lvl4pPr marL="1600200" indent="-228600" algn="l" defTabSz="914400" rtl="0" eaLnBrk="1" latinLnBrk="0" hangingPunct="1">
+              <a:lnSpc>
+                <a:spcPct val="90000"/>
+              </a:lnSpc>
+              <a:spcBef>
+                <a:spcPts val="500"/>
+              </a:spcBef>
+              <a:buFont typeface="Arial" panose="020B0604020202020204" pitchFamily="34" charset="0"/>
+              <a:buChar char="•"/>
+              <a:defRPr sz="1800" kern="1200">
+                <a:solidFill>
+                  <a:schemeClr val="tx1"/>
+                </a:solidFill>
+                <a:latin typeface="+mn-lt"/>
+                <a:ea typeface="+mn-ea"/>
+                <a:cs typeface="+mn-cs"/>
+              </a:defRPr>
+            </a:lvl4pPr>
+            <a:lvl5pPr marL="2057400" indent="-228600" algn="l" defTabSz="914400" rtl="0" eaLnBrk="1" latinLnBrk="0" hangingPunct="1">
+              <a:lnSpc>
+                <a:spcPct val="90000"/>
+              </a:lnSpc>
+              <a:spcBef>
+                <a:spcPts val="500"/>
+              </a:spcBef>
+              <a:buFont typeface="Arial" panose="020B0604020202020204" pitchFamily="34" charset="0"/>
+              <a:buChar char="•"/>
+              <a:defRPr sz="1800" kern="1200">
+                <a:solidFill>
+                  <a:schemeClr val="tx1"/>
+                </a:solidFill>
+                <a:latin typeface="+mn-lt"/>
+                <a:ea typeface="+mn-ea"/>
+                <a:cs typeface="+mn-cs"/>
+              </a:defRPr>
+            </a:lvl5pPr>
+            <a:lvl6pPr marL="2514600" indent="-228600" algn="l" defTabSz="914400" rtl="0" eaLnBrk="1" latinLnBrk="0" hangingPunct="1">
+              <a:lnSpc>
+                <a:spcPct val="90000"/>
+              </a:lnSpc>
+              <a:spcBef>
+                <a:spcPts val="500"/>
+              </a:spcBef>
+              <a:buFont typeface="Arial" panose="020B0604020202020204" pitchFamily="34" charset="0"/>
+              <a:buChar char="•"/>
+              <a:defRPr sz="1800" kern="1200">
+                <a:solidFill>
+                  <a:schemeClr val="tx1"/>
+                </a:solidFill>
+                <a:latin typeface="+mn-lt"/>
+                <a:ea typeface="+mn-ea"/>
+                <a:cs typeface="+mn-cs"/>
+              </a:defRPr>
+            </a:lvl6pPr>
+            <a:lvl7pPr marL="2971800" indent="-228600" algn="l" defTabSz="914400" rtl="0" eaLnBrk="1" latinLnBrk="0" hangingPunct="1">
+              <a:lnSpc>
+                <a:spcPct val="90000"/>
+              </a:lnSpc>
+              <a:spcBef>
+                <a:spcPts val="500"/>
+              </a:spcBef>
+              <a:buFont typeface="Arial" panose="020B0604020202020204" pitchFamily="34" charset="0"/>
+              <a:buChar char="•"/>
+              <a:defRPr sz="1800" kern="1200">
+                <a:solidFill>
+                  <a:schemeClr val="tx1"/>
+                </a:solidFill>
+                <a:latin typeface="+mn-lt"/>
+                <a:ea typeface="+mn-ea"/>
+                <a:cs typeface="+mn-cs"/>
+              </a:defRPr>
+            </a:lvl7pPr>
+            <a:lvl8pPr marL="3429000" indent="-228600" algn="l" defTabSz="914400" rtl="0" eaLnBrk="1" latinLnBrk="0" hangingPunct="1">
+              <a:lnSpc>
+                <a:spcPct val="90000"/>
+              </a:lnSpc>
+              <a:spcBef>
+                <a:spcPts val="500"/>
+              </a:spcBef>
+              <a:buFont typeface="Arial" panose="020B0604020202020204" pitchFamily="34" charset="0"/>
+              <a:buChar char="•"/>
+              <a:defRPr sz="1800" kern="1200">
+                <a:solidFill>
+                  <a:schemeClr val="tx1"/>
+                </a:solidFill>
+                <a:latin typeface="+mn-lt"/>
+                <a:ea typeface="+mn-ea"/>
+                <a:cs typeface="+mn-cs"/>
+              </a:defRPr>
+            </a:lvl8pPr>
+            <a:lvl9pPr marL="3886200" indent="-228600" algn="l" defTabSz="914400" rtl="0" eaLnBrk="1" latinLnBrk="0" hangingPunct="1">
+              <a:lnSpc>
+                <a:spcPct val="90000"/>
+              </a:lnSpc>
+              <a:spcBef>
+                <a:spcPts val="500"/>
+              </a:spcBef>
+              <a:buFont typeface="Arial" panose="020B0604020202020204" pitchFamily="34" charset="0"/>
+              <a:buChar char="•"/>
+              <a:defRPr sz="1800" kern="1200">
+                <a:solidFill>
+                  <a:schemeClr val="tx1"/>
+                </a:solidFill>
+                <a:latin typeface="+mn-lt"/>
+                <a:ea typeface="+mn-ea"/>
+                <a:cs typeface="+mn-cs"/>
+              </a:defRPr>
+            </a:lvl9pPr>
+          </a:lstStyle>
+          <a:p>
+            <a:pPr marL="0" indent="0">
+              <a:buFont typeface="Arial" panose="020B0604020202020204" pitchFamily="34" charset="0"/>
+              <a:buNone/>
+            </a:pPr>
+            <a:r>
+              <a:rPr lang="en-US" sz="2000" dirty="0">
+                <a:solidFill>
+                  <a:srgbClr val="FF9900"/>
                 </a:solidFill>
                 <a:latin typeface="Courier New" panose="02070309020205020404" pitchFamily="49" charset="0"/>
                 <a:cs typeface="Courier New" panose="02070309020205020404" pitchFamily="49" charset="0"/>
@@ -8867,209 +9278,35 @@
           </a:p>
           <a:p>
             <a:pPr marL="0" indent="0">
-              <a:spcBef>
-                <a:spcPts val="300"/>
-              </a:spcBef>
-              <a:buNone/>
-            </a:pPr>
-            <a:r>
-              <a:rPr lang="en-US" sz="2000" dirty="0">
-                <a:latin typeface="Courier New" panose="02070309020205020404" pitchFamily="49" charset="0"/>
-                <a:cs typeface="Courier New" panose="02070309020205020404" pitchFamily="49" charset="0"/>
-              </a:rPr>
-              <a:t>  </a:t>
+              <a:buFont typeface="Arial" panose="020B0604020202020204" pitchFamily="34" charset="0"/>
+              <a:buNone/>
+            </a:pPr>
+            <a:r>
+              <a:rPr lang="en-US" sz="2000" dirty="0">
+                <a:latin typeface="Courier New" panose="02070309020205020404" pitchFamily="49" charset="0"/>
+                <a:cs typeface="Courier New" panose="02070309020205020404" pitchFamily="49" charset="0"/>
+              </a:rPr>
+              <a:t>} </a:t>
+            </a:r>
+            <a:r>
+              <a:rPr lang="en-US" sz="2000" dirty="0">
+                <a:solidFill>
+                  <a:srgbClr val="FF9900"/>
+                </a:solidFill>
+                <a:latin typeface="Courier New" panose="02070309020205020404" pitchFamily="49" charset="0"/>
+                <a:cs typeface="Courier New" panose="02070309020205020404" pitchFamily="49" charset="0"/>
+              </a:rPr>
+              <a:t>catch</a:t>
+            </a:r>
+            <a:r>
+              <a:rPr lang="en-US" sz="2000" dirty="0">
+                <a:latin typeface="Courier New" panose="02070309020205020404" pitchFamily="49" charset="0"/>
+                <a:cs typeface="Courier New" panose="02070309020205020404" pitchFamily="49" charset="0"/>
+              </a:rPr>
+              <a:t>(</a:t>
             </a:r>
             <a:r>
               <a:rPr lang="en-US" sz="2000" dirty="0" err="1">
-                <a:solidFill>
-                  <a:srgbClr val="FF9900"/>
-                </a:solidFill>
-                <a:latin typeface="Courier New" panose="02070309020205020404" pitchFamily="49" charset="0"/>
-                <a:cs typeface="Courier New" panose="02070309020205020404" pitchFamily="49" charset="0"/>
-              </a:rPr>
-              <a:t>startTransaction</a:t>
-            </a:r>
-            <a:r>
-              <a:rPr lang="en-US" sz="2000" dirty="0">
-                <a:latin typeface="Courier New" panose="02070309020205020404" pitchFamily="49" charset="0"/>
-                <a:cs typeface="Courier New" panose="02070309020205020404" pitchFamily="49" charset="0"/>
-              </a:rPr>
-              <a:t>(conn);</a:t>
-            </a:r>
-          </a:p>
-          <a:p>
-            <a:pPr marL="0" indent="0">
-              <a:spcBef>
-                <a:spcPts val="300"/>
-              </a:spcBef>
-              <a:buNone/>
-            </a:pPr>
-            <a:endParaRPr lang="en-US" sz="2000" dirty="0">
-              <a:latin typeface="Courier New" panose="02070309020205020404" pitchFamily="49" charset="0"/>
-              <a:cs typeface="Courier New" panose="02070309020205020404" pitchFamily="49" charset="0"/>
-            </a:endParaRPr>
-          </a:p>
-          <a:p>
-            <a:pPr marL="0" indent="0">
-              <a:spcBef>
-                <a:spcPts val="300"/>
-              </a:spcBef>
-              <a:buNone/>
-            </a:pPr>
-            <a:endParaRPr lang="en-US" sz="2000" dirty="0">
-              <a:latin typeface="Courier New" panose="02070309020205020404" pitchFamily="49" charset="0"/>
-              <a:cs typeface="Courier New" panose="02070309020205020404" pitchFamily="49" charset="0"/>
-            </a:endParaRPr>
-          </a:p>
-          <a:p>
-            <a:pPr marL="0" indent="0">
-              <a:spcBef>
-                <a:spcPts val="300"/>
-              </a:spcBef>
-              <a:buNone/>
-            </a:pPr>
-            <a:endParaRPr lang="en-US" sz="2000" dirty="0">
-              <a:latin typeface="Courier New" panose="02070309020205020404" pitchFamily="49" charset="0"/>
-              <a:cs typeface="Courier New" panose="02070309020205020404" pitchFamily="49" charset="0"/>
-            </a:endParaRPr>
-          </a:p>
-          <a:p>
-            <a:pPr marL="0" indent="0">
-              <a:spcBef>
-                <a:spcPts val="300"/>
-              </a:spcBef>
-              <a:buNone/>
-            </a:pPr>
-            <a:endParaRPr lang="en-US" sz="2000" dirty="0">
-              <a:latin typeface="Courier New" panose="02070309020205020404" pitchFamily="49" charset="0"/>
-              <a:cs typeface="Courier New" panose="02070309020205020404" pitchFamily="49" charset="0"/>
-            </a:endParaRPr>
-          </a:p>
-          <a:p>
-            <a:pPr marL="0" indent="0">
-              <a:spcBef>
-                <a:spcPts val="300"/>
-              </a:spcBef>
-              <a:buNone/>
-            </a:pPr>
-            <a:endParaRPr lang="en-US" sz="2000" dirty="0">
-              <a:latin typeface="Courier New" panose="02070309020205020404" pitchFamily="49" charset="0"/>
-              <a:cs typeface="Courier New" panose="02070309020205020404" pitchFamily="49" charset="0"/>
-            </a:endParaRPr>
-          </a:p>
-          <a:p>
-            <a:pPr marL="0" indent="0">
-              <a:spcBef>
-                <a:spcPts val="300"/>
-              </a:spcBef>
-              <a:buNone/>
-            </a:pPr>
-            <a:endParaRPr lang="en-US" sz="2000" dirty="0">
-              <a:latin typeface="Courier New" panose="02070309020205020404" pitchFamily="49" charset="0"/>
-              <a:cs typeface="Courier New" panose="02070309020205020404" pitchFamily="49" charset="0"/>
-            </a:endParaRPr>
-          </a:p>
-          <a:p>
-            <a:pPr marL="0" indent="0">
-              <a:spcBef>
-                <a:spcPts val="300"/>
-              </a:spcBef>
-              <a:buNone/>
-            </a:pPr>
-            <a:endParaRPr lang="en-US" sz="2000" dirty="0">
-              <a:latin typeface="Courier New" panose="02070309020205020404" pitchFamily="49" charset="0"/>
-              <a:cs typeface="Courier New" panose="02070309020205020404" pitchFamily="49" charset="0"/>
-            </a:endParaRPr>
-          </a:p>
-          <a:p>
-            <a:pPr marL="0" indent="0">
-              <a:spcBef>
-                <a:spcPts val="300"/>
-              </a:spcBef>
-              <a:buNone/>
-            </a:pPr>
-            <a:endParaRPr lang="en-US" sz="2000" dirty="0">
-              <a:latin typeface="Courier New" panose="02070309020205020404" pitchFamily="49" charset="0"/>
-              <a:cs typeface="Courier New" panose="02070309020205020404" pitchFamily="49" charset="0"/>
-            </a:endParaRPr>
-          </a:p>
-          <a:p>
-            <a:pPr marL="0" indent="0">
-              <a:spcBef>
-                <a:spcPts val="300"/>
-              </a:spcBef>
-              <a:buNone/>
-            </a:pPr>
-            <a:endParaRPr lang="en-US" sz="2000" dirty="0">
-              <a:latin typeface="Courier New" panose="02070309020205020404" pitchFamily="49" charset="0"/>
-              <a:cs typeface="Courier New" panose="02070309020205020404" pitchFamily="49" charset="0"/>
-            </a:endParaRPr>
-          </a:p>
-          <a:p>
-            <a:pPr marL="0" indent="0">
-              <a:spcBef>
-                <a:spcPts val="300"/>
-              </a:spcBef>
-              <a:buNone/>
-            </a:pPr>
-            <a:endParaRPr lang="en-US" sz="2000" dirty="0">
-              <a:latin typeface="Courier New" panose="02070309020205020404" pitchFamily="49" charset="0"/>
-              <a:cs typeface="Courier New" panose="02070309020205020404" pitchFamily="49" charset="0"/>
-            </a:endParaRPr>
-          </a:p>
-          <a:p>
-            <a:pPr marL="0" indent="0">
-              <a:spcBef>
-                <a:spcPts val="300"/>
-              </a:spcBef>
-              <a:buNone/>
-            </a:pPr>
-            <a:endParaRPr lang="en-US" sz="2000" dirty="0">
-              <a:latin typeface="Courier New" panose="02070309020205020404" pitchFamily="49" charset="0"/>
-              <a:cs typeface="Courier New" panose="02070309020205020404" pitchFamily="49" charset="0"/>
-            </a:endParaRPr>
-          </a:p>
-          <a:p>
-            <a:pPr marL="0" indent="0">
-              <a:spcBef>
-                <a:spcPts val="300"/>
-              </a:spcBef>
-              <a:buNone/>
-            </a:pPr>
-            <a:r>
-              <a:rPr lang="en-US" sz="2000" dirty="0">
-                <a:latin typeface="Courier New" panose="02070309020205020404" pitchFamily="49" charset="0"/>
-                <a:cs typeface="Courier New" panose="02070309020205020404" pitchFamily="49" charset="0"/>
-              </a:rPr>
-              <a:t>}</a:t>
-            </a:r>
-          </a:p>
-          <a:p>
-            <a:pPr marL="0" indent="0">
-              <a:spcBef>
-                <a:spcPts val="300"/>
-              </a:spcBef>
-              <a:buNone/>
-            </a:pPr>
-            <a:r>
-              <a:rPr lang="en-US" sz="2000" dirty="0">
-                <a:solidFill>
-                  <a:srgbClr val="00B050"/>
-                </a:solidFill>
-                <a:latin typeface="Courier New" panose="02070309020205020404" pitchFamily="49" charset="0"/>
-                <a:cs typeface="Courier New" panose="02070309020205020404" pitchFamily="49" charset="0"/>
-              </a:rPr>
-              <a:t>catch</a:t>
-            </a:r>
-            <a:r>
-              <a:rPr lang="en-US" sz="2000" dirty="0">
-                <a:latin typeface="Courier New" panose="02070309020205020404" pitchFamily="49" charset="0"/>
-                <a:cs typeface="Courier New" panose="02070309020205020404" pitchFamily="49" charset="0"/>
-              </a:rPr>
-              <a:t>(</a:t>
-            </a:r>
-            <a:r>
-              <a:rPr lang="en-US" sz="2000" dirty="0" err="1">
                 <a:latin typeface="Courier New" panose="02070309020205020404" pitchFamily="49" charset="0"/>
                 <a:cs typeface="Courier New" panose="02070309020205020404" pitchFamily="49" charset="0"/>
               </a:rPr>
@@ -9085,38 +9322,20 @@
           </a:p>
           <a:p>
             <a:pPr marL="0" indent="0">
-              <a:spcBef>
-                <a:spcPts val="300"/>
-              </a:spcBef>
-              <a:buNone/>
-            </a:pPr>
-            <a:r>
-              <a:rPr lang="en-US" sz="2000" dirty="0">
-                <a:latin typeface="Courier New" panose="02070309020205020404" pitchFamily="49" charset="0"/>
-                <a:cs typeface="Courier New" panose="02070309020205020404" pitchFamily="49" charset="0"/>
-              </a:rPr>
-              <a:t>  throw new </a:t>
-            </a:r>
-            <a:r>
-              <a:rPr lang="en-US" sz="2000" dirty="0" err="1">
-                <a:latin typeface="Courier New" panose="02070309020205020404" pitchFamily="49" charset="0"/>
-                <a:cs typeface="Courier New" panose="02070309020205020404" pitchFamily="49" charset="0"/>
-              </a:rPr>
-              <a:t>RuntimeException</a:t>
-            </a:r>
-            <a:r>
-              <a:rPr lang="en-US" sz="2000" dirty="0">
-                <a:latin typeface="Courier New" panose="02070309020205020404" pitchFamily="49" charset="0"/>
-                <a:cs typeface="Courier New" panose="02070309020205020404" pitchFamily="49" charset="0"/>
-              </a:rPr>
-              <a:t>(e);</a:t>
-            </a:r>
-          </a:p>
-          <a:p>
-            <a:pPr marL="0" indent="0">
-              <a:spcBef>
-                <a:spcPts val="300"/>
-              </a:spcBef>
+              <a:buFont typeface="Arial" panose="020B0604020202020204" pitchFamily="34" charset="0"/>
+              <a:buNone/>
+            </a:pPr>
+            <a:r>
+              <a:rPr lang="en-US" sz="2000" dirty="0">
+                <a:latin typeface="Courier New" panose="02070309020205020404" pitchFamily="49" charset="0"/>
+                <a:cs typeface="Courier New" panose="02070309020205020404" pitchFamily="49" charset="0"/>
+              </a:rPr>
+              <a:t>  // Handle the exception</a:t>
+            </a:r>
+          </a:p>
+          <a:p>
+            <a:pPr marL="0" indent="0">
+              <a:buFont typeface="Arial" panose="020B0604020202020204" pitchFamily="34" charset="0"/>
               <a:buNone/>
             </a:pPr>
             <a:r>
@@ -9132,7 +9351,7 @@
     </p:spTree>
     <p:extLst>
       <p:ext uri="{BB962C8B-B14F-4D97-AF65-F5344CB8AC3E}">
-        <p14:creationId xmlns:p14="http://schemas.microsoft.com/office/powerpoint/2010/main" val="3471252752"/>
+        <p14:creationId xmlns:p14="http://schemas.microsoft.com/office/powerpoint/2010/main" val="4178498045"/>
       </p:ext>
     </p:extLst>
   </p:cSld>
@@ -9243,22 +9462,22 @@
             <a:r>
               <a:rPr lang="en-US" sz="2000" dirty="0">
                 <a:solidFill>
-                  <a:schemeClr val="tx2">
-                    <a:lumMod val="75000"/>
-                  </a:schemeClr>
-                </a:solidFill>
-                <a:latin typeface="Courier New" panose="02070309020205020404" pitchFamily="49" charset="0"/>
-                <a:cs typeface="Courier New" panose="02070309020205020404" pitchFamily="49" charset="0"/>
-              </a:rPr>
-              <a:t>try(Connection conn = </a:t>
+                  <a:srgbClr val="00B0F0"/>
+                </a:solidFill>
+                <a:latin typeface="Courier New" panose="02070309020205020404" pitchFamily="49" charset="0"/>
+                <a:cs typeface="Courier New" panose="02070309020205020404" pitchFamily="49" charset="0"/>
+              </a:rPr>
+              <a:t>try</a:t>
+            </a:r>
+            <a:r>
+              <a:rPr lang="en-US" sz="2000" dirty="0">
+                <a:latin typeface="Courier New" panose="02070309020205020404" pitchFamily="49" charset="0"/>
+                <a:cs typeface="Courier New" panose="02070309020205020404" pitchFamily="49" charset="0"/>
+              </a:rPr>
+              <a:t>(Connection conn = </a:t>
             </a:r>
             <a:r>
               <a:rPr lang="en-US" sz="2000" dirty="0" err="1">
-                <a:solidFill>
-                  <a:schemeClr val="tx2">
-                    <a:lumMod val="75000"/>
-                  </a:schemeClr>
-                </a:solidFill>
                 <a:latin typeface="Courier New" panose="02070309020205020404" pitchFamily="49" charset="0"/>
                 <a:cs typeface="Courier New" panose="02070309020205020404" pitchFamily="49" charset="0"/>
               </a:rPr>
@@ -9266,11 +9485,6 @@
             </a:r>
             <a:r>
               <a:rPr lang="en-US" sz="2000" dirty="0">
-                <a:solidFill>
-                  <a:schemeClr val="tx2">
-                    <a:lumMod val="75000"/>
-                  </a:schemeClr>
-                </a:solidFill>
                 <a:latin typeface="Courier New" panose="02070309020205020404" pitchFamily="49" charset="0"/>
                 <a:cs typeface="Courier New" panose="02070309020205020404" pitchFamily="49" charset="0"/>
               </a:rPr>
@@ -9286,11 +9500,6 @@
             </a:pPr>
             <a:r>
               <a:rPr lang="en-US" sz="2000" dirty="0">
-                <a:solidFill>
-                  <a:schemeClr val="tx2">
-                    <a:lumMod val="75000"/>
-                  </a:schemeClr>
-                </a:solidFill>
                 <a:latin typeface="Courier New" panose="02070309020205020404" pitchFamily="49" charset="0"/>
                 <a:cs typeface="Courier New" panose="02070309020205020404" pitchFamily="49" charset="0"/>
               </a:rPr>
@@ -9299,9 +9508,7 @@
             <a:r>
               <a:rPr lang="en-US" sz="2000" dirty="0" err="1">
                 <a:solidFill>
-                  <a:schemeClr val="tx2">
-                    <a:lumMod val="75000"/>
-                  </a:schemeClr>
+                  <a:srgbClr val="FF9900"/>
                 </a:solidFill>
                 <a:latin typeface="Courier New" panose="02070309020205020404" pitchFamily="49" charset="0"/>
                 <a:cs typeface="Courier New" panose="02070309020205020404" pitchFamily="49" charset="0"/>
@@ -9310,11 +9517,6 @@
             </a:r>
             <a:r>
               <a:rPr lang="en-US" sz="2000" dirty="0">
-                <a:solidFill>
-                  <a:schemeClr val="tx2">
-                    <a:lumMod val="75000"/>
-                  </a:schemeClr>
-                </a:solidFill>
                 <a:latin typeface="Courier New" panose="02070309020205020404" pitchFamily="49" charset="0"/>
                 <a:cs typeface="Courier New" panose="02070309020205020404" pitchFamily="49" charset="0"/>
               </a:rPr>
@@ -9340,66 +9542,6 @@
               </a:spcBef>
               <a:buNone/>
             </a:pPr>
-            <a:r>
-              <a:rPr lang="en-US" sz="2000" dirty="0">
-                <a:latin typeface="Courier New" panose="02070309020205020404" pitchFamily="49" charset="0"/>
-                <a:cs typeface="Courier New" panose="02070309020205020404" pitchFamily="49" charset="0"/>
-              </a:rPr>
-              <a:t>  </a:t>
-            </a:r>
-            <a:r>
-              <a:rPr lang="en-US" sz="2000" dirty="0">
-                <a:solidFill>
-                  <a:srgbClr val="00B0F0"/>
-                </a:solidFill>
-                <a:latin typeface="Courier New" panose="02070309020205020404" pitchFamily="49" charset="0"/>
-                <a:cs typeface="Courier New" panose="02070309020205020404" pitchFamily="49" charset="0"/>
-              </a:rPr>
-              <a:t>try</a:t>
-            </a:r>
-            <a:r>
-              <a:rPr lang="en-US" sz="2000" dirty="0">
-                <a:latin typeface="Courier New" panose="02070309020205020404" pitchFamily="49" charset="0"/>
-                <a:cs typeface="Courier New" panose="02070309020205020404" pitchFamily="49" charset="0"/>
-              </a:rPr>
-              <a:t>(Statement </a:t>
-            </a:r>
-            <a:r>
-              <a:rPr lang="en-US" sz="2000" dirty="0" err="1">
-                <a:latin typeface="Courier New" panose="02070309020205020404" pitchFamily="49" charset="0"/>
-                <a:cs typeface="Courier New" panose="02070309020205020404" pitchFamily="49" charset="0"/>
-              </a:rPr>
-              <a:t>stmt</a:t>
-            </a:r>
-            <a:r>
-              <a:rPr lang="en-US" sz="2000" dirty="0">
-                <a:latin typeface="Courier New" panose="02070309020205020404" pitchFamily="49" charset="0"/>
-                <a:cs typeface="Courier New" panose="02070309020205020404" pitchFamily="49" charset="0"/>
-              </a:rPr>
-              <a:t> = </a:t>
-            </a:r>
-            <a:r>
-              <a:rPr lang="en-US" sz="2000" dirty="0" err="1">
-                <a:latin typeface="Courier New" panose="02070309020205020404" pitchFamily="49" charset="0"/>
-                <a:cs typeface="Courier New" panose="02070309020205020404" pitchFamily="49" charset="0"/>
-              </a:rPr>
-              <a:t>conn.createStatement</a:t>
-            </a:r>
-            <a:r>
-              <a:rPr lang="en-US" sz="2000" dirty="0">
-                <a:latin typeface="Courier New" panose="02070309020205020404" pitchFamily="49" charset="0"/>
-                <a:cs typeface="Courier New" panose="02070309020205020404" pitchFamily="49" charset="0"/>
-              </a:rPr>
-              <a:t>()) {</a:t>
-            </a:r>
-          </a:p>
-          <a:p>
-            <a:pPr marL="0" indent="0">
-              <a:spcBef>
-                <a:spcPts val="300"/>
-              </a:spcBef>
-              <a:buNone/>
-            </a:pPr>
             <a:endParaRPr lang="en-US" sz="2000" dirty="0">
               <a:latin typeface="Courier New" panose="02070309020205020404" pitchFamily="49" charset="0"/>
               <a:cs typeface="Courier New" panose="02070309020205020404" pitchFamily="49" charset="0"/>
@@ -9448,13 +9590,10 @@
               </a:spcBef>
               <a:buNone/>
             </a:pPr>
-            <a:r>
-              <a:rPr lang="en-US" sz="2000" dirty="0">
-                <a:latin typeface="Courier New" panose="02070309020205020404" pitchFamily="49" charset="0"/>
-                <a:cs typeface="Courier New" panose="02070309020205020404" pitchFamily="49" charset="0"/>
-              </a:rPr>
-              <a:t>  }</a:t>
-            </a:r>
+            <a:endParaRPr lang="en-US" sz="2000" dirty="0">
+              <a:latin typeface="Courier New" panose="02070309020205020404" pitchFamily="49" charset="0"/>
+              <a:cs typeface="Courier New" panose="02070309020205020404" pitchFamily="49" charset="0"/>
+            </a:endParaRPr>
           </a:p>
           <a:p>
             <a:pPr marL="0" indent="0">
@@ -9463,13 +9602,81 @@
               </a:spcBef>
               <a:buNone/>
             </a:pPr>
-            <a:r>
-              <a:rPr lang="en-US" sz="2000" dirty="0">
-                <a:latin typeface="Courier New" panose="02070309020205020404" pitchFamily="49" charset="0"/>
-                <a:cs typeface="Courier New" panose="02070309020205020404" pitchFamily="49" charset="0"/>
-              </a:rPr>
-              <a:t>  </a:t>
-            </a:r>
+            <a:endParaRPr lang="en-US" sz="2000" dirty="0">
+              <a:latin typeface="Courier New" panose="02070309020205020404" pitchFamily="49" charset="0"/>
+              <a:cs typeface="Courier New" panose="02070309020205020404" pitchFamily="49" charset="0"/>
+            </a:endParaRPr>
+          </a:p>
+          <a:p>
+            <a:pPr marL="0" indent="0">
+              <a:spcBef>
+                <a:spcPts val="300"/>
+              </a:spcBef>
+              <a:buNone/>
+            </a:pPr>
+            <a:endParaRPr lang="en-US" sz="2000" dirty="0">
+              <a:latin typeface="Courier New" panose="02070309020205020404" pitchFamily="49" charset="0"/>
+              <a:cs typeface="Courier New" panose="02070309020205020404" pitchFamily="49" charset="0"/>
+            </a:endParaRPr>
+          </a:p>
+          <a:p>
+            <a:pPr marL="0" indent="0">
+              <a:spcBef>
+                <a:spcPts val="300"/>
+              </a:spcBef>
+              <a:buNone/>
+            </a:pPr>
+            <a:endParaRPr lang="en-US" sz="2000" dirty="0">
+              <a:latin typeface="Courier New" panose="02070309020205020404" pitchFamily="49" charset="0"/>
+              <a:cs typeface="Courier New" panose="02070309020205020404" pitchFamily="49" charset="0"/>
+            </a:endParaRPr>
+          </a:p>
+          <a:p>
+            <a:pPr marL="0" indent="0">
+              <a:spcBef>
+                <a:spcPts val="300"/>
+              </a:spcBef>
+              <a:buNone/>
+            </a:pPr>
+            <a:endParaRPr lang="en-US" sz="2000" dirty="0">
+              <a:latin typeface="Courier New" panose="02070309020205020404" pitchFamily="49" charset="0"/>
+              <a:cs typeface="Courier New" panose="02070309020205020404" pitchFamily="49" charset="0"/>
+            </a:endParaRPr>
+          </a:p>
+          <a:p>
+            <a:pPr marL="0" indent="0">
+              <a:spcBef>
+                <a:spcPts val="300"/>
+              </a:spcBef>
+              <a:buNone/>
+            </a:pPr>
+            <a:endParaRPr lang="en-US" sz="2000" dirty="0">
+              <a:latin typeface="Courier New" panose="02070309020205020404" pitchFamily="49" charset="0"/>
+              <a:cs typeface="Courier New" panose="02070309020205020404" pitchFamily="49" charset="0"/>
+            </a:endParaRPr>
+          </a:p>
+          <a:p>
+            <a:pPr marL="0" indent="0">
+              <a:spcBef>
+                <a:spcPts val="300"/>
+              </a:spcBef>
+              <a:buNone/>
+            </a:pPr>
+            <a:r>
+              <a:rPr lang="en-US" sz="2000" dirty="0">
+                <a:latin typeface="Courier New" panose="02070309020205020404" pitchFamily="49" charset="0"/>
+                <a:cs typeface="Courier New" panose="02070309020205020404" pitchFamily="49" charset="0"/>
+              </a:rPr>
+              <a:t>}</a:t>
+            </a:r>
+          </a:p>
+          <a:p>
+            <a:pPr marL="0" indent="0">
+              <a:spcBef>
+                <a:spcPts val="300"/>
+              </a:spcBef>
+              <a:buNone/>
+            </a:pPr>
             <a:r>
               <a:rPr lang="en-US" sz="2000" dirty="0">
                 <a:solidFill>
@@ -9485,7 +9692,21 @@
                 <a:latin typeface="Courier New" panose="02070309020205020404" pitchFamily="49" charset="0"/>
                 <a:cs typeface="Courier New" panose="02070309020205020404" pitchFamily="49" charset="0"/>
               </a:rPr>
-              <a:t>(Exception e) {</a:t>
+              <a:t>(</a:t>
+            </a:r>
+            <a:r>
+              <a:rPr lang="en-US" sz="2000" dirty="0" err="1">
+                <a:latin typeface="Courier New" panose="02070309020205020404" pitchFamily="49" charset="0"/>
+                <a:cs typeface="Courier New" panose="02070309020205020404" pitchFamily="49" charset="0"/>
+              </a:rPr>
+              <a:t>SQLException</a:t>
+            </a:r>
+            <a:r>
+              <a:rPr lang="en-US" sz="2000" dirty="0">
+                <a:latin typeface="Courier New" panose="02070309020205020404" pitchFamily="49" charset="0"/>
+                <a:cs typeface="Courier New" panose="02070309020205020404" pitchFamily="49" charset="0"/>
+              </a:rPr>
+              <a:t> e) {</a:t>
             </a:r>
           </a:p>
           <a:p>
@@ -9500,24 +9721,21 @@
                 <a:latin typeface="Courier New" panose="02070309020205020404" pitchFamily="49" charset="0"/>
                 <a:cs typeface="Courier New" panose="02070309020205020404" pitchFamily="49" charset="0"/>
               </a:rPr>
-              <a:t>    </a:t>
+              <a:t>  throw new </a:t>
             </a:r>
             <a:r>
               <a:rPr lang="en-US" sz="2000" dirty="0" err="1">
-                <a:solidFill>
-                  <a:srgbClr val="FF9900"/>
-                </a:solidFill>
-                <a:latin typeface="Courier New" panose="02070309020205020404" pitchFamily="49" charset="0"/>
-                <a:cs typeface="Courier New" panose="02070309020205020404" pitchFamily="49" charset="0"/>
-              </a:rPr>
-              <a:t>rollbackTransaction</a:t>
-            </a:r>
-            <a:r>
-              <a:rPr lang="en-US" sz="2000" dirty="0">
-                <a:latin typeface="Courier New" panose="02070309020205020404" pitchFamily="49" charset="0"/>
-                <a:cs typeface="Courier New" panose="02070309020205020404" pitchFamily="49" charset="0"/>
-              </a:rPr>
-              <a:t>(conn);</a:t>
+                <a:latin typeface="Courier New" panose="02070309020205020404" pitchFamily="49" charset="0"/>
+                <a:cs typeface="Courier New" panose="02070309020205020404" pitchFamily="49" charset="0"/>
+              </a:rPr>
+              <a:t>RuntimeException</a:t>
+            </a:r>
+            <a:r>
+              <a:rPr lang="en-US" sz="2000" dirty="0">
+                <a:latin typeface="Courier New" panose="02070309020205020404" pitchFamily="49" charset="0"/>
+                <a:cs typeface="Courier New" panose="02070309020205020404" pitchFamily="49" charset="0"/>
+              </a:rPr>
+              <a:t>(e);</a:t>
             </a:r>
           </a:p>
           <a:p>
@@ -9529,163 +9747,6 @@
             </a:pPr>
             <a:r>
               <a:rPr lang="en-US" sz="2000" dirty="0">
-                <a:latin typeface="Courier New" panose="02070309020205020404" pitchFamily="49" charset="0"/>
-                <a:cs typeface="Courier New" panose="02070309020205020404" pitchFamily="49" charset="0"/>
-              </a:rPr>
-              <a:t>    throw new </a:t>
-            </a:r>
-            <a:r>
-              <a:rPr lang="en-US" sz="2000" dirty="0" err="1">
-                <a:latin typeface="Courier New" panose="02070309020205020404" pitchFamily="49" charset="0"/>
-                <a:cs typeface="Courier New" panose="02070309020205020404" pitchFamily="49" charset="0"/>
-              </a:rPr>
-              <a:t>RuntimeException</a:t>
-            </a:r>
-            <a:r>
-              <a:rPr lang="en-US" sz="2000" dirty="0">
-                <a:latin typeface="Courier New" panose="02070309020205020404" pitchFamily="49" charset="0"/>
-                <a:cs typeface="Courier New" panose="02070309020205020404" pitchFamily="49" charset="0"/>
-              </a:rPr>
-              <a:t>(e);</a:t>
-            </a:r>
-          </a:p>
-          <a:p>
-            <a:pPr marL="0" indent="0">
-              <a:spcBef>
-                <a:spcPts val="300"/>
-              </a:spcBef>
-              <a:buNone/>
-            </a:pPr>
-            <a:r>
-              <a:rPr lang="en-US" sz="2000" dirty="0">
-                <a:latin typeface="Courier New" panose="02070309020205020404" pitchFamily="49" charset="0"/>
-                <a:cs typeface="Courier New" panose="02070309020205020404" pitchFamily="49" charset="0"/>
-              </a:rPr>
-              <a:t>  }</a:t>
-            </a:r>
-          </a:p>
-          <a:p>
-            <a:pPr marL="0" indent="0">
-              <a:spcBef>
-                <a:spcPts val="300"/>
-              </a:spcBef>
-              <a:buNone/>
-            </a:pPr>
-            <a:r>
-              <a:rPr lang="en-US" sz="2000" dirty="0">
-                <a:solidFill>
-                  <a:schemeClr val="tx2">
-                    <a:lumMod val="75000"/>
-                  </a:schemeClr>
-                </a:solidFill>
-                <a:latin typeface="Courier New" panose="02070309020205020404" pitchFamily="49" charset="0"/>
-                <a:cs typeface="Courier New" panose="02070309020205020404" pitchFamily="49" charset="0"/>
-              </a:rPr>
-              <a:t>}</a:t>
-            </a:r>
-          </a:p>
-          <a:p>
-            <a:pPr marL="0" indent="0">
-              <a:spcBef>
-                <a:spcPts val="300"/>
-              </a:spcBef>
-              <a:buNone/>
-            </a:pPr>
-            <a:r>
-              <a:rPr lang="en-US" sz="2000" dirty="0">
-                <a:solidFill>
-                  <a:schemeClr val="tx2">
-                    <a:lumMod val="75000"/>
-                  </a:schemeClr>
-                </a:solidFill>
-                <a:latin typeface="Courier New" panose="02070309020205020404" pitchFamily="49" charset="0"/>
-                <a:cs typeface="Courier New" panose="02070309020205020404" pitchFamily="49" charset="0"/>
-              </a:rPr>
-              <a:t>catch(</a:t>
-            </a:r>
-            <a:r>
-              <a:rPr lang="en-US" sz="2000" dirty="0" err="1">
-                <a:solidFill>
-                  <a:schemeClr val="tx2">
-                    <a:lumMod val="75000"/>
-                  </a:schemeClr>
-                </a:solidFill>
-                <a:latin typeface="Courier New" panose="02070309020205020404" pitchFamily="49" charset="0"/>
-                <a:cs typeface="Courier New" panose="02070309020205020404" pitchFamily="49" charset="0"/>
-              </a:rPr>
-              <a:t>SQLException</a:t>
-            </a:r>
-            <a:r>
-              <a:rPr lang="en-US" sz="2000" dirty="0">
-                <a:solidFill>
-                  <a:schemeClr val="tx2">
-                    <a:lumMod val="75000"/>
-                  </a:schemeClr>
-                </a:solidFill>
-                <a:latin typeface="Courier New" panose="02070309020205020404" pitchFamily="49" charset="0"/>
-                <a:cs typeface="Courier New" panose="02070309020205020404" pitchFamily="49" charset="0"/>
-              </a:rPr>
-              <a:t> e) {</a:t>
-            </a:r>
-          </a:p>
-          <a:p>
-            <a:pPr marL="0" indent="0">
-              <a:spcBef>
-                <a:spcPts val="300"/>
-              </a:spcBef>
-              <a:buNone/>
-            </a:pPr>
-            <a:r>
-              <a:rPr lang="en-US" sz="2000" dirty="0">
-                <a:solidFill>
-                  <a:schemeClr val="tx2">
-                    <a:lumMod val="75000"/>
-                  </a:schemeClr>
-                </a:solidFill>
-                <a:latin typeface="Courier New" panose="02070309020205020404" pitchFamily="49" charset="0"/>
-                <a:cs typeface="Courier New" panose="02070309020205020404" pitchFamily="49" charset="0"/>
-              </a:rPr>
-              <a:t>  throw new </a:t>
-            </a:r>
-            <a:r>
-              <a:rPr lang="en-US" sz="2000" dirty="0" err="1">
-                <a:solidFill>
-                  <a:schemeClr val="tx2">
-                    <a:lumMod val="75000"/>
-                  </a:schemeClr>
-                </a:solidFill>
-                <a:latin typeface="Courier New" panose="02070309020205020404" pitchFamily="49" charset="0"/>
-                <a:cs typeface="Courier New" panose="02070309020205020404" pitchFamily="49" charset="0"/>
-              </a:rPr>
-              <a:t>RuntimeException</a:t>
-            </a:r>
-            <a:r>
-              <a:rPr lang="en-US" sz="2000" dirty="0">
-                <a:solidFill>
-                  <a:schemeClr val="tx2">
-                    <a:lumMod val="75000"/>
-                  </a:schemeClr>
-                </a:solidFill>
-                <a:latin typeface="Courier New" panose="02070309020205020404" pitchFamily="49" charset="0"/>
-                <a:cs typeface="Courier New" panose="02070309020205020404" pitchFamily="49" charset="0"/>
-              </a:rPr>
-              <a:t>(e);</a:t>
-            </a:r>
-          </a:p>
-          <a:p>
-            <a:pPr marL="0" indent="0">
-              <a:spcBef>
-                <a:spcPts val="300"/>
-              </a:spcBef>
-              <a:buNone/>
-            </a:pPr>
-            <a:r>
-              <a:rPr lang="en-US" sz="2000" dirty="0">
-                <a:solidFill>
-                  <a:schemeClr val="tx2">
-                    <a:lumMod val="75000"/>
-                  </a:schemeClr>
-                </a:solidFill>
                 <a:latin typeface="Courier New" panose="02070309020205020404" pitchFamily="49" charset="0"/>
                 <a:cs typeface="Courier New" panose="02070309020205020404" pitchFamily="49" charset="0"/>
               </a:rPr>
@@ -9697,7 +9758,7 @@
     </p:spTree>
     <p:extLst>
       <p:ext uri="{BB962C8B-B14F-4D97-AF65-F5344CB8AC3E}">
-        <p14:creationId xmlns:p14="http://schemas.microsoft.com/office/powerpoint/2010/main" val="2521281441"/>
+        <p14:creationId xmlns:p14="http://schemas.microsoft.com/office/powerpoint/2010/main" val="3471252752"/>
       </p:ext>
     </p:extLst>
   </p:cSld>
@@ -9894,6 +9955,571 @@
               <a:buNone/>
             </a:pPr>
             <a:endParaRPr lang="en-US" sz="2000" dirty="0">
+              <a:latin typeface="Courier New" panose="02070309020205020404" pitchFamily="49" charset="0"/>
+              <a:cs typeface="Courier New" panose="02070309020205020404" pitchFamily="49" charset="0"/>
+            </a:endParaRPr>
+          </a:p>
+          <a:p>
+            <a:pPr marL="0" indent="0">
+              <a:spcBef>
+                <a:spcPts val="300"/>
+              </a:spcBef>
+              <a:buNone/>
+            </a:pPr>
+            <a:r>
+              <a:rPr lang="en-US" sz="2000" dirty="0">
+                <a:latin typeface="Courier New" panose="02070309020205020404" pitchFamily="49" charset="0"/>
+                <a:cs typeface="Courier New" panose="02070309020205020404" pitchFamily="49" charset="0"/>
+              </a:rPr>
+              <a:t>  </a:t>
+            </a:r>
+            <a:r>
+              <a:rPr lang="en-US" sz="2000" dirty="0">
+                <a:solidFill>
+                  <a:srgbClr val="00B0F0"/>
+                </a:solidFill>
+                <a:latin typeface="Courier New" panose="02070309020205020404" pitchFamily="49" charset="0"/>
+                <a:cs typeface="Courier New" panose="02070309020205020404" pitchFamily="49" charset="0"/>
+              </a:rPr>
+              <a:t>try</a:t>
+            </a:r>
+            <a:r>
+              <a:rPr lang="en-US" sz="2000" dirty="0">
+                <a:latin typeface="Courier New" panose="02070309020205020404" pitchFamily="49" charset="0"/>
+                <a:cs typeface="Courier New" panose="02070309020205020404" pitchFamily="49" charset="0"/>
+              </a:rPr>
+              <a:t>(Statement </a:t>
+            </a:r>
+            <a:r>
+              <a:rPr lang="en-US" sz="2000" dirty="0" err="1">
+                <a:latin typeface="Courier New" panose="02070309020205020404" pitchFamily="49" charset="0"/>
+                <a:cs typeface="Courier New" panose="02070309020205020404" pitchFamily="49" charset="0"/>
+              </a:rPr>
+              <a:t>stmt</a:t>
+            </a:r>
+            <a:r>
+              <a:rPr lang="en-US" sz="2000" dirty="0">
+                <a:latin typeface="Courier New" panose="02070309020205020404" pitchFamily="49" charset="0"/>
+                <a:cs typeface="Courier New" panose="02070309020205020404" pitchFamily="49" charset="0"/>
+              </a:rPr>
+              <a:t> = </a:t>
+            </a:r>
+            <a:r>
+              <a:rPr lang="en-US" sz="2000" dirty="0" err="1">
+                <a:latin typeface="Courier New" panose="02070309020205020404" pitchFamily="49" charset="0"/>
+                <a:cs typeface="Courier New" panose="02070309020205020404" pitchFamily="49" charset="0"/>
+              </a:rPr>
+              <a:t>conn.createStatement</a:t>
+            </a:r>
+            <a:r>
+              <a:rPr lang="en-US" sz="2000" dirty="0">
+                <a:latin typeface="Courier New" panose="02070309020205020404" pitchFamily="49" charset="0"/>
+                <a:cs typeface="Courier New" panose="02070309020205020404" pitchFamily="49" charset="0"/>
+              </a:rPr>
+              <a:t>()) {</a:t>
+            </a:r>
+          </a:p>
+          <a:p>
+            <a:pPr marL="0" indent="0">
+              <a:spcBef>
+                <a:spcPts val="300"/>
+              </a:spcBef>
+              <a:buNone/>
+            </a:pPr>
+            <a:endParaRPr lang="en-US" sz="2000" dirty="0">
+              <a:latin typeface="Courier New" panose="02070309020205020404" pitchFamily="49" charset="0"/>
+              <a:cs typeface="Courier New" panose="02070309020205020404" pitchFamily="49" charset="0"/>
+            </a:endParaRPr>
+          </a:p>
+          <a:p>
+            <a:pPr marL="0" indent="0">
+              <a:spcBef>
+                <a:spcPts val="300"/>
+              </a:spcBef>
+              <a:buNone/>
+            </a:pPr>
+            <a:endParaRPr lang="en-US" sz="2000" dirty="0">
+              <a:latin typeface="Courier New" panose="02070309020205020404" pitchFamily="49" charset="0"/>
+              <a:cs typeface="Courier New" panose="02070309020205020404" pitchFamily="49" charset="0"/>
+            </a:endParaRPr>
+          </a:p>
+          <a:p>
+            <a:pPr marL="0" indent="0">
+              <a:spcBef>
+                <a:spcPts val="300"/>
+              </a:spcBef>
+              <a:buNone/>
+            </a:pPr>
+            <a:endParaRPr lang="en-US" sz="2000" dirty="0">
+              <a:latin typeface="Courier New" panose="02070309020205020404" pitchFamily="49" charset="0"/>
+              <a:cs typeface="Courier New" panose="02070309020205020404" pitchFamily="49" charset="0"/>
+            </a:endParaRPr>
+          </a:p>
+          <a:p>
+            <a:pPr marL="0" indent="0">
+              <a:spcBef>
+                <a:spcPts val="300"/>
+              </a:spcBef>
+              <a:buNone/>
+            </a:pPr>
+            <a:endParaRPr lang="en-US" sz="2000" dirty="0">
+              <a:latin typeface="Courier New" panose="02070309020205020404" pitchFamily="49" charset="0"/>
+              <a:cs typeface="Courier New" panose="02070309020205020404" pitchFamily="49" charset="0"/>
+            </a:endParaRPr>
+          </a:p>
+          <a:p>
+            <a:pPr marL="0" indent="0">
+              <a:spcBef>
+                <a:spcPts val="300"/>
+              </a:spcBef>
+              <a:buNone/>
+            </a:pPr>
+            <a:r>
+              <a:rPr lang="en-US" sz="2000" dirty="0">
+                <a:latin typeface="Courier New" panose="02070309020205020404" pitchFamily="49" charset="0"/>
+                <a:cs typeface="Courier New" panose="02070309020205020404" pitchFamily="49" charset="0"/>
+              </a:rPr>
+              <a:t>  }</a:t>
+            </a:r>
+          </a:p>
+          <a:p>
+            <a:pPr marL="0" indent="0">
+              <a:spcBef>
+                <a:spcPts val="300"/>
+              </a:spcBef>
+              <a:buNone/>
+            </a:pPr>
+            <a:r>
+              <a:rPr lang="en-US" sz="2000" dirty="0">
+                <a:latin typeface="Courier New" panose="02070309020205020404" pitchFamily="49" charset="0"/>
+                <a:cs typeface="Courier New" panose="02070309020205020404" pitchFamily="49" charset="0"/>
+              </a:rPr>
+              <a:t>  </a:t>
+            </a:r>
+            <a:r>
+              <a:rPr lang="en-US" sz="2000" dirty="0">
+                <a:solidFill>
+                  <a:srgbClr val="00B050"/>
+                </a:solidFill>
+                <a:latin typeface="Courier New" panose="02070309020205020404" pitchFamily="49" charset="0"/>
+                <a:cs typeface="Courier New" panose="02070309020205020404" pitchFamily="49" charset="0"/>
+              </a:rPr>
+              <a:t>catch</a:t>
+            </a:r>
+            <a:r>
+              <a:rPr lang="en-US" sz="2000" dirty="0">
+                <a:latin typeface="Courier New" panose="02070309020205020404" pitchFamily="49" charset="0"/>
+                <a:cs typeface="Courier New" panose="02070309020205020404" pitchFamily="49" charset="0"/>
+              </a:rPr>
+              <a:t>(Exception e) {</a:t>
+            </a:r>
+          </a:p>
+          <a:p>
+            <a:pPr marL="0" indent="0">
+              <a:spcBef>
+                <a:spcPts val="300"/>
+              </a:spcBef>
+              <a:buNone/>
+            </a:pPr>
+            <a:r>
+              <a:rPr lang="en-US" sz="2000" dirty="0">
+                <a:latin typeface="Courier New" panose="02070309020205020404" pitchFamily="49" charset="0"/>
+                <a:cs typeface="Courier New" panose="02070309020205020404" pitchFamily="49" charset="0"/>
+              </a:rPr>
+              <a:t>    </a:t>
+            </a:r>
+            <a:r>
+              <a:rPr lang="en-US" sz="2000" dirty="0" err="1">
+                <a:solidFill>
+                  <a:srgbClr val="FF9900"/>
+                </a:solidFill>
+                <a:latin typeface="Courier New" panose="02070309020205020404" pitchFamily="49" charset="0"/>
+                <a:cs typeface="Courier New" panose="02070309020205020404" pitchFamily="49" charset="0"/>
+              </a:rPr>
+              <a:t>rollbackTransaction</a:t>
+            </a:r>
+            <a:r>
+              <a:rPr lang="en-US" sz="2000" dirty="0">
+                <a:latin typeface="Courier New" panose="02070309020205020404" pitchFamily="49" charset="0"/>
+                <a:cs typeface="Courier New" panose="02070309020205020404" pitchFamily="49" charset="0"/>
+              </a:rPr>
+              <a:t>(conn);</a:t>
+            </a:r>
+          </a:p>
+          <a:p>
+            <a:pPr marL="0" indent="0">
+              <a:spcBef>
+                <a:spcPts val="300"/>
+              </a:spcBef>
+              <a:buNone/>
+            </a:pPr>
+            <a:r>
+              <a:rPr lang="en-US" sz="2000" dirty="0">
+                <a:latin typeface="Courier New" panose="02070309020205020404" pitchFamily="49" charset="0"/>
+                <a:cs typeface="Courier New" panose="02070309020205020404" pitchFamily="49" charset="0"/>
+              </a:rPr>
+              <a:t>    throw new </a:t>
+            </a:r>
+            <a:r>
+              <a:rPr lang="en-US" sz="2000" dirty="0" err="1">
+                <a:latin typeface="Courier New" panose="02070309020205020404" pitchFamily="49" charset="0"/>
+                <a:cs typeface="Courier New" panose="02070309020205020404" pitchFamily="49" charset="0"/>
+              </a:rPr>
+              <a:t>RuntimeException</a:t>
+            </a:r>
+            <a:r>
+              <a:rPr lang="en-US" sz="2000" dirty="0">
+                <a:latin typeface="Courier New" panose="02070309020205020404" pitchFamily="49" charset="0"/>
+                <a:cs typeface="Courier New" panose="02070309020205020404" pitchFamily="49" charset="0"/>
+              </a:rPr>
+              <a:t>(e);</a:t>
+            </a:r>
+          </a:p>
+          <a:p>
+            <a:pPr marL="0" indent="0">
+              <a:spcBef>
+                <a:spcPts val="300"/>
+              </a:spcBef>
+              <a:buNone/>
+            </a:pPr>
+            <a:r>
+              <a:rPr lang="en-US" sz="2000" dirty="0">
+                <a:latin typeface="Courier New" panose="02070309020205020404" pitchFamily="49" charset="0"/>
+                <a:cs typeface="Courier New" panose="02070309020205020404" pitchFamily="49" charset="0"/>
+              </a:rPr>
+              <a:t>  }</a:t>
+            </a:r>
+          </a:p>
+          <a:p>
+            <a:pPr marL="0" indent="0">
+              <a:spcBef>
+                <a:spcPts val="300"/>
+              </a:spcBef>
+              <a:buNone/>
+            </a:pPr>
+            <a:r>
+              <a:rPr lang="en-US" sz="2000" dirty="0">
+                <a:solidFill>
+                  <a:schemeClr val="tx2">
+                    <a:lumMod val="75000"/>
+                  </a:schemeClr>
+                </a:solidFill>
+                <a:latin typeface="Courier New" panose="02070309020205020404" pitchFamily="49" charset="0"/>
+                <a:cs typeface="Courier New" panose="02070309020205020404" pitchFamily="49" charset="0"/>
+              </a:rPr>
+              <a:t>}</a:t>
+            </a:r>
+          </a:p>
+          <a:p>
+            <a:pPr marL="0" indent="0">
+              <a:spcBef>
+                <a:spcPts val="300"/>
+              </a:spcBef>
+              <a:buNone/>
+            </a:pPr>
+            <a:r>
+              <a:rPr lang="en-US" sz="2000" dirty="0">
+                <a:solidFill>
+                  <a:schemeClr val="tx2">
+                    <a:lumMod val="75000"/>
+                  </a:schemeClr>
+                </a:solidFill>
+                <a:latin typeface="Courier New" panose="02070309020205020404" pitchFamily="49" charset="0"/>
+                <a:cs typeface="Courier New" panose="02070309020205020404" pitchFamily="49" charset="0"/>
+              </a:rPr>
+              <a:t>catch(</a:t>
+            </a:r>
+            <a:r>
+              <a:rPr lang="en-US" sz="2000" dirty="0" err="1">
+                <a:solidFill>
+                  <a:schemeClr val="tx2">
+                    <a:lumMod val="75000"/>
+                  </a:schemeClr>
+                </a:solidFill>
+                <a:latin typeface="Courier New" panose="02070309020205020404" pitchFamily="49" charset="0"/>
+                <a:cs typeface="Courier New" panose="02070309020205020404" pitchFamily="49" charset="0"/>
+              </a:rPr>
+              <a:t>SQLException</a:t>
+            </a:r>
+            <a:r>
+              <a:rPr lang="en-US" sz="2000" dirty="0">
+                <a:solidFill>
+                  <a:schemeClr val="tx2">
+                    <a:lumMod val="75000"/>
+                  </a:schemeClr>
+                </a:solidFill>
+                <a:latin typeface="Courier New" panose="02070309020205020404" pitchFamily="49" charset="0"/>
+                <a:cs typeface="Courier New" panose="02070309020205020404" pitchFamily="49" charset="0"/>
+              </a:rPr>
+              <a:t> e) {</a:t>
+            </a:r>
+          </a:p>
+          <a:p>
+            <a:pPr marL="0" indent="0">
+              <a:spcBef>
+                <a:spcPts val="300"/>
+              </a:spcBef>
+              <a:buNone/>
+            </a:pPr>
+            <a:r>
+              <a:rPr lang="en-US" sz="2000" dirty="0">
+                <a:solidFill>
+                  <a:schemeClr val="tx2">
+                    <a:lumMod val="75000"/>
+                  </a:schemeClr>
+                </a:solidFill>
+                <a:latin typeface="Courier New" panose="02070309020205020404" pitchFamily="49" charset="0"/>
+                <a:cs typeface="Courier New" panose="02070309020205020404" pitchFamily="49" charset="0"/>
+              </a:rPr>
+              <a:t>  throw new </a:t>
+            </a:r>
+            <a:r>
+              <a:rPr lang="en-US" sz="2000" dirty="0" err="1">
+                <a:solidFill>
+                  <a:schemeClr val="tx2">
+                    <a:lumMod val="75000"/>
+                  </a:schemeClr>
+                </a:solidFill>
+                <a:latin typeface="Courier New" panose="02070309020205020404" pitchFamily="49" charset="0"/>
+                <a:cs typeface="Courier New" panose="02070309020205020404" pitchFamily="49" charset="0"/>
+              </a:rPr>
+              <a:t>RuntimeException</a:t>
+            </a:r>
+            <a:r>
+              <a:rPr lang="en-US" sz="2000" dirty="0">
+                <a:solidFill>
+                  <a:schemeClr val="tx2">
+                    <a:lumMod val="75000"/>
+                  </a:schemeClr>
+                </a:solidFill>
+                <a:latin typeface="Courier New" panose="02070309020205020404" pitchFamily="49" charset="0"/>
+                <a:cs typeface="Courier New" panose="02070309020205020404" pitchFamily="49" charset="0"/>
+              </a:rPr>
+              <a:t>(e);</a:t>
+            </a:r>
+          </a:p>
+          <a:p>
+            <a:pPr marL="0" indent="0">
+              <a:spcBef>
+                <a:spcPts val="300"/>
+              </a:spcBef>
+              <a:buNone/>
+            </a:pPr>
+            <a:r>
+              <a:rPr lang="en-US" sz="2000" dirty="0">
+                <a:solidFill>
+                  <a:schemeClr val="tx2">
+                    <a:lumMod val="75000"/>
+                  </a:schemeClr>
+                </a:solidFill>
+                <a:latin typeface="Courier New" panose="02070309020205020404" pitchFamily="49" charset="0"/>
+                <a:cs typeface="Courier New" panose="02070309020205020404" pitchFamily="49" charset="0"/>
+              </a:rPr>
+              <a:t>}</a:t>
+            </a:r>
+          </a:p>
+        </p:txBody>
+      </p:sp>
+    </p:spTree>
+    <p:extLst>
+      <p:ext uri="{BB962C8B-B14F-4D97-AF65-F5344CB8AC3E}">
+        <p14:creationId xmlns:p14="http://schemas.microsoft.com/office/powerpoint/2010/main" val="2521281441"/>
+      </p:ext>
+    </p:extLst>
+  </p:cSld>
+  <p:clrMapOvr>
+    <a:masterClrMapping/>
+  </p:clrMapOvr>
+  <mc:AlternateContent xmlns:mc="http://schemas.openxmlformats.org/markup-compatibility/2006" xmlns:p14="http://schemas.microsoft.com/office/powerpoint/2010/main">
+    <mc:Choice Requires="p14">
+      <p:transition spd="med" p14:dur="700">
+        <p:fade/>
+      </p:transition>
+    </mc:Choice>
+    <mc:Fallback xmlns="">
+      <p:transition spd="med">
+        <p:fade/>
+      </p:transition>
+    </mc:Fallback>
+  </mc:AlternateContent>
+</p:sld>
+</file>
+
+<file path=ppt/slides/slide26.xml><?xml version="1.0" encoding="utf-8"?>
+<p:sld xmlns:a="http://schemas.openxmlformats.org/drawingml/2006/main" xmlns:r="http://schemas.openxmlformats.org/officeDocument/2006/relationships" xmlns:p="http://schemas.openxmlformats.org/presentationml/2006/main">
+  <p:cSld>
+    <p:spTree>
+      <p:nvGrpSpPr>
+        <p:cNvPr id="1" name=""/>
+        <p:cNvGrpSpPr/>
+        <p:nvPr/>
+      </p:nvGrpSpPr>
+      <p:grpSpPr>
+        <a:xfrm>
+          <a:off x="0" y="0"/>
+          <a:ext cx="0" cy="0"/>
+          <a:chOff x="0" y="0"/>
+          <a:chExt cx="0" cy="0"/>
+        </a:xfrm>
+      </p:grpSpPr>
+      <p:sp>
+        <p:nvSpPr>
+          <p:cNvPr id="6" name="Title 5">
+            <a:extLst>
+              <a:ext uri="{FF2B5EF4-FFF2-40B4-BE49-F238E27FC236}">
+                <a16:creationId xmlns:a16="http://schemas.microsoft.com/office/drawing/2014/main" id="{6935944B-5B3C-4EDC-880D-B78DFF276DAC}"/>
+              </a:ext>
+            </a:extLst>
+          </p:cNvPr>
+          <p:cNvSpPr>
+            <a:spLocks noGrp="1"/>
+          </p:cNvSpPr>
+          <p:nvPr>
+            <p:ph type="title"/>
+          </p:nvPr>
+        </p:nvSpPr>
+        <p:spPr>
+          <a:xfrm>
+            <a:off x="838200" y="365125"/>
+            <a:ext cx="10515600" cy="688975"/>
+          </a:xfrm>
+        </p:spPr>
+        <p:txBody>
+          <a:bodyPr>
+            <a:normAutofit fontScale="90000"/>
+          </a:bodyPr>
+          <a:lstStyle/>
+          <a:p>
+            <a:r>
+              <a:rPr lang="en-US" dirty="0"/>
+              <a:t>The code now looks like this (better)</a:t>
+            </a:r>
+          </a:p>
+        </p:txBody>
+      </p:sp>
+      <p:sp>
+        <p:nvSpPr>
+          <p:cNvPr id="3" name="Content Placeholder 2">
+            <a:extLst>
+              <a:ext uri="{FF2B5EF4-FFF2-40B4-BE49-F238E27FC236}">
+                <a16:creationId xmlns:a16="http://schemas.microsoft.com/office/drawing/2014/main" id="{213089A8-5F5A-47D3-9098-4589646F7E48}"/>
+              </a:ext>
+            </a:extLst>
+          </p:cNvPr>
+          <p:cNvSpPr>
+            <a:spLocks noGrp="1"/>
+          </p:cNvSpPr>
+          <p:nvPr>
+            <p:ph idx="1"/>
+          </p:nvPr>
+        </p:nvSpPr>
+        <p:spPr>
+          <a:xfrm>
+            <a:off x="838200" y="1397000"/>
+            <a:ext cx="7518400" cy="5095875"/>
+          </a:xfrm>
+        </p:spPr>
+        <p:txBody>
+          <a:bodyPr>
+            <a:normAutofit lnSpcReduction="10000"/>
+          </a:bodyPr>
+          <a:lstStyle/>
+          <a:p>
+            <a:pPr marL="0" indent="0">
+              <a:spcBef>
+                <a:spcPts val="300"/>
+              </a:spcBef>
+              <a:buNone/>
+            </a:pPr>
+            <a:r>
+              <a:rPr lang="en-US" sz="2000" dirty="0">
+                <a:solidFill>
+                  <a:schemeClr val="tx2">
+                    <a:lumMod val="75000"/>
+                  </a:schemeClr>
+                </a:solidFill>
+                <a:latin typeface="Courier New" panose="02070309020205020404" pitchFamily="49" charset="0"/>
+                <a:cs typeface="Courier New" panose="02070309020205020404" pitchFamily="49" charset="0"/>
+              </a:rPr>
+              <a:t>try(Connection conn = </a:t>
+            </a:r>
+            <a:r>
+              <a:rPr lang="en-US" sz="2000" dirty="0" err="1">
+                <a:solidFill>
+                  <a:schemeClr val="tx2">
+                    <a:lumMod val="75000"/>
+                  </a:schemeClr>
+                </a:solidFill>
+                <a:latin typeface="Courier New" panose="02070309020205020404" pitchFamily="49" charset="0"/>
+                <a:cs typeface="Courier New" panose="02070309020205020404" pitchFamily="49" charset="0"/>
+              </a:rPr>
+              <a:t>getConnection</a:t>
+            </a:r>
+            <a:r>
+              <a:rPr lang="en-US" sz="2000" dirty="0">
+                <a:solidFill>
+                  <a:schemeClr val="tx2">
+                    <a:lumMod val="75000"/>
+                  </a:schemeClr>
+                </a:solidFill>
+                <a:latin typeface="Courier New" panose="02070309020205020404" pitchFamily="49" charset="0"/>
+                <a:cs typeface="Courier New" panose="02070309020205020404" pitchFamily="49" charset="0"/>
+              </a:rPr>
+              <a:t>()) {</a:t>
+            </a:r>
+          </a:p>
+          <a:p>
+            <a:pPr marL="0" indent="0">
+              <a:spcBef>
+                <a:spcPts val="300"/>
+              </a:spcBef>
+              <a:buNone/>
+            </a:pPr>
+            <a:r>
+              <a:rPr lang="en-US" sz="2000" dirty="0">
+                <a:solidFill>
+                  <a:schemeClr val="tx2">
+                    <a:lumMod val="75000"/>
+                  </a:schemeClr>
+                </a:solidFill>
+                <a:latin typeface="Courier New" panose="02070309020205020404" pitchFamily="49" charset="0"/>
+                <a:cs typeface="Courier New" panose="02070309020205020404" pitchFamily="49" charset="0"/>
+              </a:rPr>
+              <a:t>  </a:t>
+            </a:r>
+            <a:r>
+              <a:rPr lang="en-US" sz="2000" dirty="0" err="1">
+                <a:solidFill>
+                  <a:schemeClr val="tx2">
+                    <a:lumMod val="75000"/>
+                  </a:schemeClr>
+                </a:solidFill>
+                <a:latin typeface="Courier New" panose="02070309020205020404" pitchFamily="49" charset="0"/>
+                <a:cs typeface="Courier New" panose="02070309020205020404" pitchFamily="49" charset="0"/>
+              </a:rPr>
+              <a:t>startTransaction</a:t>
+            </a:r>
+            <a:r>
+              <a:rPr lang="en-US" sz="2000" dirty="0">
+                <a:solidFill>
+                  <a:schemeClr val="tx2">
+                    <a:lumMod val="75000"/>
+                  </a:schemeClr>
+                </a:solidFill>
+                <a:latin typeface="Courier New" panose="02070309020205020404" pitchFamily="49" charset="0"/>
+                <a:cs typeface="Courier New" panose="02070309020205020404" pitchFamily="49" charset="0"/>
+              </a:rPr>
+              <a:t>(conn);</a:t>
+            </a:r>
+          </a:p>
+          <a:p>
+            <a:pPr marL="0" indent="0">
+              <a:spcBef>
+                <a:spcPts val="300"/>
+              </a:spcBef>
+              <a:buNone/>
+            </a:pPr>
+            <a:endParaRPr lang="en-US" sz="2000" dirty="0">
               <a:solidFill>
                 <a:schemeClr val="tx2">
                   <a:lumMod val="75000"/>
@@ -10424,7 +11050,7 @@
 </p:sld>
 </file>
 
-<file path=ppt/slides/slide26.xml><?xml version="1.0" encoding="utf-8"?>
+<file path=ppt/slides/slide27.xml><?xml version="1.0" encoding="utf-8"?>
 <p:sld xmlns:a="http://schemas.openxmlformats.org/drawingml/2006/main" xmlns:r="http://schemas.openxmlformats.org/officeDocument/2006/relationships" xmlns:p="http://schemas.openxmlformats.org/presentationml/2006/main">
   <p:cSld>
     <p:spTree>
@@ -11255,8 +11881,8 @@
         </p:nvSpPr>
         <p:spPr>
           <a:xfrm>
-            <a:off x="838200" y="1825625"/>
-            <a:ext cx="5954486" cy="4351338"/>
+            <a:off x="838199" y="1825625"/>
+            <a:ext cx="11079145" cy="4351338"/>
           </a:xfrm>
         </p:spPr>
         <p:txBody>
@@ -11414,7 +12040,12 @@
             <p:ph type="title"/>
           </p:nvPr>
         </p:nvSpPr>
-        <p:spPr/>
+        <p:spPr>
+          <a:xfrm>
+            <a:off x="714375" y="76199"/>
+            <a:ext cx="10515600" cy="739775"/>
+          </a:xfrm>
+        </p:spPr>
         <p:txBody>
           <a:bodyPr/>
           <a:lstStyle/>
@@ -11442,64 +12073,200 @@
             <p:ph idx="1"/>
           </p:nvPr>
         </p:nvSpPr>
-        <p:spPr/>
+        <p:spPr>
+          <a:xfrm>
+            <a:off x="400050" y="723899"/>
+            <a:ext cx="11201400" cy="5953125"/>
+          </a:xfrm>
+        </p:spPr>
         <p:txBody>
-          <a:bodyPr/>
+          <a:bodyPr>
+            <a:normAutofit fontScale="92500" lnSpcReduction="20000"/>
+          </a:bodyPr>
           <a:lstStyle/>
           <a:p>
             <a:r>
-              <a:rPr lang="en-US" u="sng" dirty="0">
+              <a:rPr lang="en-US" dirty="0">
                 <a:solidFill>
                   <a:srgbClr val="00B0F0"/>
                 </a:solidFill>
               </a:rPr>
-              <a:t>A</a:t>
+              <a:t>(A)</a:t>
+            </a:r>
+            <a:r>
+              <a:rPr lang="en-US" dirty="0" err="1">
+                <a:solidFill>
+                  <a:srgbClr val="00B0F0"/>
+                </a:solidFill>
+              </a:rPr>
+              <a:t>tomicity</a:t>
             </a:r>
             <a:r>
               <a:rPr lang="en-US" dirty="0"/>
-              <a:t>tomicity</a:t>
-            </a:r>
-          </a:p>
-          <a:p>
-            <a:r>
-              <a:rPr lang="en-US" u="sng" dirty="0">
+              <a:t> - each statement in a transaction (to read, write, update or delete data) is treated as a </a:t>
+            </a:r>
+            <a:r>
+              <a:rPr lang="en-US" dirty="0">
                 <a:solidFill>
                   <a:srgbClr val="00B0F0"/>
                 </a:solidFill>
               </a:rPr>
-              <a:t>C</a:t>
+              <a:t>single unit</a:t>
             </a:r>
             <a:r>
               <a:rPr lang="en-US" dirty="0"/>
+              <a:t>. Either </a:t>
+            </a:r>
+            <a:r>
+              <a:rPr lang="en-US" dirty="0">
+                <a:solidFill>
+                  <a:srgbClr val="00B0F0"/>
+                </a:solidFill>
+              </a:rPr>
+              <a:t>the entire statement is executed</a:t>
+            </a:r>
+            <a:r>
+              <a:rPr lang="en-US" dirty="0"/>
+              <a:t>, or </a:t>
+            </a:r>
+            <a:r>
+              <a:rPr lang="en-US" dirty="0">
+                <a:solidFill>
+                  <a:srgbClr val="00B0F0"/>
+                </a:solidFill>
+              </a:rPr>
+              <a:t>none of it is executed</a:t>
+            </a:r>
+            <a:r>
+              <a:rPr lang="en-US" dirty="0"/>
+              <a:t>. This property prevents data loss and corruption from occurring if, for example, if your streaming data source fails mid-stream.</a:t>
+            </a:r>
+          </a:p>
+          <a:p>
+            <a:endParaRPr lang="en-US" dirty="0"/>
+          </a:p>
+          <a:p>
+            <a:r>
+              <a:rPr lang="en-US" dirty="0">
+                <a:solidFill>
+                  <a:srgbClr val="00B0F0"/>
+                </a:solidFill>
+              </a:rPr>
+              <a:t>(C)</a:t>
+            </a:r>
+            <a:r>
+              <a:rPr lang="en-US" dirty="0" err="1">
+                <a:solidFill>
+                  <a:srgbClr val="00B0F0"/>
+                </a:solidFill>
+              </a:rPr>
               <a:t>onsistency</a:t>
             </a:r>
-          </a:p>
-          <a:p>
-            <a:r>
-              <a:rPr lang="en-US" u="sng" dirty="0">
+            <a:r>
+              <a:rPr lang="en-US" dirty="0"/>
+              <a:t> - ensures that transactions only </a:t>
+            </a:r>
+            <a:r>
+              <a:rPr lang="en-US" dirty="0">
                 <a:solidFill>
                   <a:srgbClr val="00B0F0"/>
                 </a:solidFill>
               </a:rPr>
-              <a:t>I</a:t>
+              <a:t>make changes to tables in predefined, predictable ways</a:t>
             </a:r>
             <a:r>
               <a:rPr lang="en-US" dirty="0"/>
-              <a:t>solation</a:t>
-            </a:r>
-          </a:p>
-          <a:p>
-            <a:r>
-              <a:rPr lang="en-US" u="sng" dirty="0">
+              <a:t>. Transactional consistency ensures that corruption or errors in your data do not create unintended consequences for the integrity of your table.</a:t>
+            </a:r>
+          </a:p>
+          <a:p>
+            <a:endParaRPr lang="en-US" dirty="0"/>
+          </a:p>
+          <a:p>
+            <a:r>
+              <a:rPr lang="en-US" dirty="0">
                 <a:solidFill>
                   <a:srgbClr val="00B0F0"/>
                 </a:solidFill>
               </a:rPr>
-              <a:t>D</a:t>
+              <a:t>(I)solation</a:t>
             </a:r>
             <a:r>
               <a:rPr lang="en-US" dirty="0"/>
+              <a:t> - when </a:t>
+            </a:r>
+            <a:r>
+              <a:rPr lang="en-US" dirty="0">
+                <a:solidFill>
+                  <a:srgbClr val="00B0F0"/>
+                </a:solidFill>
+              </a:rPr>
+              <a:t>multiple users are reading and writing from the same table </a:t>
+            </a:r>
+            <a:r>
+              <a:rPr lang="en-US" dirty="0"/>
+              <a:t>all at once, isolation of their transactions </a:t>
+            </a:r>
+            <a:r>
+              <a:rPr lang="en-US" dirty="0">
+                <a:solidFill>
+                  <a:srgbClr val="00B0F0"/>
+                </a:solidFill>
+              </a:rPr>
+              <a:t>ensures that the concurrent transactions don't interfere with or affect one another</a:t>
+            </a:r>
+            <a:r>
+              <a:rPr lang="en-US" dirty="0"/>
+              <a:t>. Each request can occur as though they were occurring one by one, even though they're actually occurring simultaneously.</a:t>
+            </a:r>
+          </a:p>
+          <a:p>
+            <a:endParaRPr lang="en-US" dirty="0"/>
+          </a:p>
+          <a:p>
+            <a:r>
+              <a:rPr lang="en-US" dirty="0">
+                <a:solidFill>
+                  <a:srgbClr val="00B0F0"/>
+                </a:solidFill>
+              </a:rPr>
+              <a:t>(D)</a:t>
+            </a:r>
+            <a:r>
+              <a:rPr lang="en-US" dirty="0" err="1">
+                <a:solidFill>
+                  <a:srgbClr val="00B0F0"/>
+                </a:solidFill>
+              </a:rPr>
               <a:t>urability</a:t>
+            </a:r>
+            <a:r>
+              <a:rPr lang="en-US" dirty="0"/>
+              <a:t> - ensures that </a:t>
+            </a:r>
+            <a:r>
+              <a:rPr lang="en-US" dirty="0">
+                <a:solidFill>
+                  <a:srgbClr val="00B0F0"/>
+                </a:solidFill>
+              </a:rPr>
+              <a:t>changes to your data </a:t>
+            </a:r>
+            <a:r>
+              <a:rPr lang="en-US" dirty="0"/>
+              <a:t>made by </a:t>
+            </a:r>
+            <a:r>
+              <a:rPr lang="en-US" dirty="0">
+                <a:solidFill>
+                  <a:srgbClr val="00B0F0"/>
+                </a:solidFill>
+              </a:rPr>
+              <a:t>successfully executed transactions will be saved</a:t>
+            </a:r>
+            <a:r>
+              <a:rPr lang="en-US" dirty="0"/>
+              <a:t>, even in the event of system failure.</a:t>
             </a:r>
           </a:p>
         </p:txBody>
@@ -11593,7 +12360,7 @@
         <p:spPr>
           <a:xfrm>
             <a:off x="838200" y="1825625"/>
-            <a:ext cx="5803900" cy="4351338"/>
+            <a:ext cx="9867900" cy="4351338"/>
           </a:xfrm>
         </p:spPr>
         <p:txBody>
@@ -11723,7 +12490,12 @@
             <p:ph idx="1"/>
           </p:nvPr>
         </p:nvSpPr>
-        <p:spPr/>
+        <p:spPr>
+          <a:xfrm>
+            <a:off x="838199" y="1825625"/>
+            <a:ext cx="10515599" cy="4351338"/>
+          </a:xfrm>
+        </p:spPr>
         <p:txBody>
           <a:bodyPr/>
           <a:lstStyle/>
@@ -11872,7 +12644,12 @@
             <p:ph idx="1"/>
           </p:nvPr>
         </p:nvSpPr>
-        <p:spPr/>
+        <p:spPr>
+          <a:xfrm>
+            <a:off x="838200" y="1825625"/>
+            <a:ext cx="9429750" cy="4351338"/>
+          </a:xfrm>
+        </p:spPr>
         <p:txBody>
           <a:bodyPr/>
           <a:lstStyle/>
@@ -11999,7 +12776,7 @@
         <p:spPr>
           <a:xfrm>
             <a:off x="838200" y="1825625"/>
-            <a:ext cx="5854700" cy="4351338"/>
+            <a:ext cx="11029950" cy="4351338"/>
           </a:xfrm>
         </p:spPr>
         <p:txBody>
@@ -12067,13 +12844,8 @@
             </a:r>
             <a:r>
               <a:rPr lang="en-US" dirty="0"/>
-              <a:t> occurs immediately after a transaction </a:t>
-            </a:r>
-            <a:r>
-              <a:rPr lang="en-US"/>
-              <a:t>is confirmed</a:t>
-            </a:r>
-            <a:endParaRPr lang="en-US" dirty="0"/>
+              <a:t> occurs immediately after a transaction is confirmed</a:t>
+            </a:r>
           </a:p>
         </p:txBody>
       </p:sp>
